--- a/phase0/CRC Cards.pptx
+++ b/phase0/CRC Cards.pptx
@@ -6,18 +6,19 @@
   </p:sldMasterIdLst>
   <p:sldIdLst>
     <p:sldId id="256" r:id="rId2"/>
-    <p:sldId id="260" r:id="rId3"/>
-    <p:sldId id="263" r:id="rId4"/>
-    <p:sldId id="261" r:id="rId5"/>
-    <p:sldId id="265" r:id="rId6"/>
-    <p:sldId id="264" r:id="rId7"/>
-    <p:sldId id="262" r:id="rId8"/>
-    <p:sldId id="270" r:id="rId9"/>
-    <p:sldId id="271" r:id="rId10"/>
+    <p:sldId id="263" r:id="rId3"/>
+    <p:sldId id="260" r:id="rId4"/>
+    <p:sldId id="264" r:id="rId5"/>
+    <p:sldId id="270" r:id="rId6"/>
+    <p:sldId id="262" r:id="rId7"/>
+    <p:sldId id="271" r:id="rId8"/>
+    <p:sldId id="261" r:id="rId9"/>
+    <p:sldId id="265" r:id="rId10"/>
     <p:sldId id="259" r:id="rId11"/>
     <p:sldId id="272" r:id="rId12"/>
-    <p:sldId id="273" r:id="rId13"/>
-    <p:sldId id="258" r:id="rId14"/>
+    <p:sldId id="258" r:id="rId13"/>
+    <p:sldId id="273" r:id="rId14"/>
+    <p:sldId id="274" r:id="rId15"/>
   </p:sldIdLst>
   <p:sldSz cx="12192000" cy="6858000"/>
   <p:notesSz cx="6858000" cy="9144000"/>
@@ -143,6 +144,7 @@
     <p1510:client id="{1F0C370F-ADC1-D9ED-CE23-79DA2C754CA7}" v="643" dt="2021-10-15T19:21:59.873"/>
     <p1510:client id="{1F9723DE-2FF3-9A06-2F35-C092B107C5DF}" v="45" dt="2021-10-06T18:49:05.889"/>
     <p1510:client id="{20F90167-74B1-435D-581A-42BA7ABC474E}" v="1492" dt="2021-10-15T05:41:41.149"/>
+    <p1510:client id="{227292A6-018C-40A0-F142-299A6D2EB15D}" v="1045" dt="2021-10-16T00:55:41.289"/>
     <p1510:client id="{22D8F910-780E-4275-BFC3-A8312261B8BE}" v="2669" dt="2021-10-14T15:54:27.092"/>
     <p1510:client id="{32334593-B33C-4DE8-A7CE-A6EA15CCBF8B}" v="9" dt="2021-10-06T18:51:00.910"/>
     <p1510:client id="{610DBD9A-905C-7B81-D922-EF4C6691F615}" v="22" dt="2021-10-15T16:08:40.240"/>
@@ -150,2241 +152,14 @@
     <p1510:client id="{73C2600F-B75E-E60E-5517-1D176486C47D}" v="35" dt="2021-10-14T00:44:53.209"/>
     <p1510:client id="{741146A7-5CD3-A390-626F-815BF9AEBC17}" v="17" dt="2021-10-14T17:05:33.237"/>
     <p1510:client id="{752060AF-EFFE-4CEB-84FA-0DB07544295E}" v="141" dt="2021-10-06T20:47:47.155"/>
+    <p1510:client id="{8C046AE3-456C-7DB3-9829-1B529C42CB89}" v="43" dt="2021-10-15T23:46:01.754"/>
     <p1510:client id="{8E1543BD-FA74-FA15-F429-2EAD4932EBC3}" v="433" dt="2021-10-14T02:00:59.810"/>
     <p1510:client id="{ABAD65F0-9FD1-FA11-215C-4AEA3FC06AAB}" v="387" dt="2021-10-14T19:01:54.675"/>
+    <p1510:client id="{C6165033-E89B-5C87-ECD5-D59A3CC450E7}" v="9" dt="2021-10-15T23:07:01.135"/>
     <p1510:client id="{D10E5A23-AE00-11C3-0571-40CBAC6EAF06}" v="68" dt="2021-10-15T17:03:04.337"/>
     <p1510:client id="{DF0C2BCD-17B7-CF2C-B7B4-BC1084EFB969}" v="71" dt="2021-10-06T20:55:40.019"/>
   </p1510:revLst>
 </p1510:revInfo>
-</file>
-
-<file path=ppt/changesInfos/changesInfo1.xml><?xml version="1.0" encoding="utf-8"?>
-<pc:chgInfo xmlns:a="http://schemas.openxmlformats.org/drawingml/2006/main" xmlns:r="http://schemas.openxmlformats.org/officeDocument/2006/relationships" xmlns:ac="http://schemas.microsoft.com/office/drawing/2013/main/command" xmlns:pc="http://schemas.microsoft.com/office/powerpoint/2013/main/command">
-  <pc:docChgLst>
-    <pc:chgData name="Patricia Ding" userId="S::patricia.ding@mail.utoronto.ca::cd042982-3d61-4be1-9d3c-ee5f666787f0" providerId="AD" clId="Web-{6E0E8717-A0BA-4D3C-BC19-4D531569A380}"/>
-    <pc:docChg chg="addSld modSld">
-      <pc:chgData name="Patricia Ding" userId="S::patricia.ding@mail.utoronto.ca::cd042982-3d61-4be1-9d3c-ee5f666787f0" providerId="AD" clId="Web-{6E0E8717-A0BA-4D3C-BC19-4D531569A380}" dt="2021-10-06T18:25:43.221" v="88" actId="20577"/>
-      <pc:docMkLst>
-        <pc:docMk/>
-      </pc:docMkLst>
-      <pc:sldChg chg="modSp">
-        <pc:chgData name="Patricia Ding" userId="S::patricia.ding@mail.utoronto.ca::cd042982-3d61-4be1-9d3c-ee5f666787f0" providerId="AD" clId="Web-{6E0E8717-A0BA-4D3C-BC19-4D531569A380}" dt="2021-10-06T18:08:08.289" v="1" actId="20577"/>
-        <pc:sldMkLst>
-          <pc:docMk/>
-          <pc:sldMk cId="109857222" sldId="256"/>
-        </pc:sldMkLst>
-        <pc:spChg chg="mod">
-          <ac:chgData name="Patricia Ding" userId="S::patricia.ding@mail.utoronto.ca::cd042982-3d61-4be1-9d3c-ee5f666787f0" providerId="AD" clId="Web-{6E0E8717-A0BA-4D3C-BC19-4D531569A380}" dt="2021-10-06T18:08:08.289" v="1" actId="20577"/>
-          <ac:spMkLst>
-            <pc:docMk/>
-            <pc:sldMk cId="109857222" sldId="256"/>
-            <ac:spMk id="2" creationId="{00000000-0000-0000-0000-000000000000}"/>
-          </ac:spMkLst>
-        </pc:spChg>
-      </pc:sldChg>
-      <pc:sldChg chg="modSp new">
-        <pc:chgData name="Patricia Ding" userId="S::patricia.ding@mail.utoronto.ca::cd042982-3d61-4be1-9d3c-ee5f666787f0" providerId="AD" clId="Web-{6E0E8717-A0BA-4D3C-BC19-4D531569A380}" dt="2021-10-06T18:24:56.642" v="82" actId="20577"/>
-        <pc:sldMkLst>
-          <pc:docMk/>
-          <pc:sldMk cId="3358865612" sldId="257"/>
-        </pc:sldMkLst>
-        <pc:spChg chg="mod">
-          <ac:chgData name="Patricia Ding" userId="S::patricia.ding@mail.utoronto.ca::cd042982-3d61-4be1-9d3c-ee5f666787f0" providerId="AD" clId="Web-{6E0E8717-A0BA-4D3C-BC19-4D531569A380}" dt="2021-10-06T18:24:56.642" v="82" actId="20577"/>
-          <ac:spMkLst>
-            <pc:docMk/>
-            <pc:sldMk cId="3358865612" sldId="257"/>
-            <ac:spMk id="2" creationId="{D5DE2408-689C-4C2E-AB7A-103011392E09}"/>
-          </ac:spMkLst>
-        </pc:spChg>
-      </pc:sldChg>
-      <pc:sldChg chg="addSp modSp add replId">
-        <pc:chgData name="Patricia Ding" userId="S::patricia.ding@mail.utoronto.ca::cd042982-3d61-4be1-9d3c-ee5f666787f0" providerId="AD" clId="Web-{6E0E8717-A0BA-4D3C-BC19-4D531569A380}" dt="2021-10-06T18:25:43.221" v="88" actId="20577"/>
-        <pc:sldMkLst>
-          <pc:docMk/>
-          <pc:sldMk cId="533009411" sldId="258"/>
-        </pc:sldMkLst>
-        <pc:spChg chg="mod">
-          <ac:chgData name="Patricia Ding" userId="S::patricia.ding@mail.utoronto.ca::cd042982-3d61-4be1-9d3c-ee5f666787f0" providerId="AD" clId="Web-{6E0E8717-A0BA-4D3C-BC19-4D531569A380}" dt="2021-10-06T18:25:43.221" v="88" actId="20577"/>
-          <ac:spMkLst>
-            <pc:docMk/>
-            <pc:sldMk cId="533009411" sldId="258"/>
-            <ac:spMk id="2" creationId="{D5DE2408-689C-4C2E-AB7A-103011392E09}"/>
-          </ac:spMkLst>
-        </pc:spChg>
-        <pc:spChg chg="add">
-          <ac:chgData name="Patricia Ding" userId="S::patricia.ding@mail.utoronto.ca::cd042982-3d61-4be1-9d3c-ee5f666787f0" providerId="AD" clId="Web-{6E0E8717-A0BA-4D3C-BC19-4D531569A380}" dt="2021-10-06T18:25:10.595" v="83"/>
-          <ac:spMkLst>
-            <pc:docMk/>
-            <pc:sldMk cId="533009411" sldId="258"/>
-            <ac:spMk id="4" creationId="{E8DF9D92-D4A8-4B3E-AC86-B6DF58839862}"/>
-          </ac:spMkLst>
-        </pc:spChg>
-      </pc:sldChg>
-      <pc:sldChg chg="add replId">
-        <pc:chgData name="Patricia Ding" userId="S::patricia.ding@mail.utoronto.ca::cd042982-3d61-4be1-9d3c-ee5f666787f0" providerId="AD" clId="Web-{6E0E8717-A0BA-4D3C-BC19-4D531569A380}" dt="2021-10-06T18:12:56.182" v="30"/>
-        <pc:sldMkLst>
-          <pc:docMk/>
-          <pc:sldMk cId="3891368792" sldId="259"/>
-        </pc:sldMkLst>
-      </pc:sldChg>
-      <pc:sldChg chg="addSp modSp add replId">
-        <pc:chgData name="Patricia Ding" userId="S::patricia.ding@mail.utoronto.ca::cd042982-3d61-4be1-9d3c-ee5f666787f0" providerId="AD" clId="Web-{6E0E8717-A0BA-4D3C-BC19-4D531569A380}" dt="2021-10-06T18:13:47.808" v="46" actId="20577"/>
-        <pc:sldMkLst>
-          <pc:docMk/>
-          <pc:sldMk cId="2145247342" sldId="260"/>
-        </pc:sldMkLst>
-        <pc:spChg chg="mod">
-          <ac:chgData name="Patricia Ding" userId="S::patricia.ding@mail.utoronto.ca::cd042982-3d61-4be1-9d3c-ee5f666787f0" providerId="AD" clId="Web-{6E0E8717-A0BA-4D3C-BC19-4D531569A380}" dt="2021-10-06T18:13:47.808" v="46" actId="20577"/>
-          <ac:spMkLst>
-            <pc:docMk/>
-            <pc:sldMk cId="2145247342" sldId="260"/>
-            <ac:spMk id="2" creationId="{D5DE2408-689C-4C2E-AB7A-103011392E09}"/>
-          </ac:spMkLst>
-        </pc:spChg>
-        <pc:spChg chg="add">
-          <ac:chgData name="Patricia Ding" userId="S::patricia.ding@mail.utoronto.ca::cd042982-3d61-4be1-9d3c-ee5f666787f0" providerId="AD" clId="Web-{6E0E8717-A0BA-4D3C-BC19-4D531569A380}" dt="2021-10-06T18:13:41.917" v="35"/>
-          <ac:spMkLst>
-            <pc:docMk/>
-            <pc:sldMk cId="2145247342" sldId="260"/>
-            <ac:spMk id="4" creationId="{CF192732-4CDE-44AB-8E44-76D83F1DE428}"/>
-          </ac:spMkLst>
-        </pc:spChg>
-      </pc:sldChg>
-      <pc:sldChg chg="add replId">
-        <pc:chgData name="Patricia Ding" userId="S::patricia.ding@mail.utoronto.ca::cd042982-3d61-4be1-9d3c-ee5f666787f0" providerId="AD" clId="Web-{6E0E8717-A0BA-4D3C-BC19-4D531569A380}" dt="2021-10-06T18:13:52.792" v="47"/>
-        <pc:sldMkLst>
-          <pc:docMk/>
-          <pc:sldMk cId="1399151562" sldId="261"/>
-        </pc:sldMkLst>
-      </pc:sldChg>
-      <pc:sldChg chg="modSp add replId">
-        <pc:chgData name="Patricia Ding" userId="S::patricia.ding@mail.utoronto.ca::cd042982-3d61-4be1-9d3c-ee5f666787f0" providerId="AD" clId="Web-{6E0E8717-A0BA-4D3C-BC19-4D531569A380}" dt="2021-10-06T18:14:08.449" v="60" actId="20577"/>
-        <pc:sldMkLst>
-          <pc:docMk/>
-          <pc:sldMk cId="3800121808" sldId="262"/>
-        </pc:sldMkLst>
-        <pc:spChg chg="mod">
-          <ac:chgData name="Patricia Ding" userId="S::patricia.ding@mail.utoronto.ca::cd042982-3d61-4be1-9d3c-ee5f666787f0" providerId="AD" clId="Web-{6E0E8717-A0BA-4D3C-BC19-4D531569A380}" dt="2021-10-06T18:14:08.449" v="60" actId="20577"/>
-          <ac:spMkLst>
-            <pc:docMk/>
-            <pc:sldMk cId="3800121808" sldId="262"/>
-            <ac:spMk id="2" creationId="{D5DE2408-689C-4C2E-AB7A-103011392E09}"/>
-          </ac:spMkLst>
-        </pc:spChg>
-      </pc:sldChg>
-      <pc:sldChg chg="addSp delSp modSp add mod replId setBg setClrOvrMap">
-        <pc:chgData name="Patricia Ding" userId="S::patricia.ding@mail.utoronto.ca::cd042982-3d61-4be1-9d3c-ee5f666787f0" providerId="AD" clId="Web-{6E0E8717-A0BA-4D3C-BC19-4D531569A380}" dt="2021-10-06T18:16:35.684" v="80"/>
-        <pc:sldMkLst>
-          <pc:docMk/>
-          <pc:sldMk cId="3520043353" sldId="263"/>
-        </pc:sldMkLst>
-        <pc:spChg chg="mod">
-          <ac:chgData name="Patricia Ding" userId="S::patricia.ding@mail.utoronto.ca::cd042982-3d61-4be1-9d3c-ee5f666787f0" providerId="AD" clId="Web-{6E0E8717-A0BA-4D3C-BC19-4D531569A380}" dt="2021-10-06T18:16:35.684" v="80"/>
-          <ac:spMkLst>
-            <pc:docMk/>
-            <pc:sldMk cId="3520043353" sldId="263"/>
-            <ac:spMk id="2" creationId="{D5DE2408-689C-4C2E-AB7A-103011392E09}"/>
-          </ac:spMkLst>
-        </pc:spChg>
-        <pc:spChg chg="add del">
-          <ac:chgData name="Patricia Ding" userId="S::patricia.ding@mail.utoronto.ca::cd042982-3d61-4be1-9d3c-ee5f666787f0" providerId="AD" clId="Web-{6E0E8717-A0BA-4D3C-BC19-4D531569A380}" dt="2021-10-06T18:16:35.684" v="80"/>
-          <ac:spMkLst>
-            <pc:docMk/>
-            <pc:sldMk cId="3520043353" sldId="263"/>
-            <ac:spMk id="3" creationId="{4A75C19D-97C3-4E16-B487-ABE1ABF86217}"/>
-          </ac:spMkLst>
-        </pc:spChg>
-        <pc:spChg chg="mod">
-          <ac:chgData name="Patricia Ding" userId="S::patricia.ding@mail.utoronto.ca::cd042982-3d61-4be1-9d3c-ee5f666787f0" providerId="AD" clId="Web-{6E0E8717-A0BA-4D3C-BC19-4D531569A380}" dt="2021-10-06T18:16:35.684" v="80"/>
-          <ac:spMkLst>
-            <pc:docMk/>
-            <pc:sldMk cId="3520043353" sldId="263"/>
-            <ac:spMk id="4" creationId="{CF192732-4CDE-44AB-8E44-76D83F1DE428}"/>
-          </ac:spMkLst>
-        </pc:spChg>
-        <pc:spChg chg="add del">
-          <ac:chgData name="Patricia Ding" userId="S::patricia.ding@mail.utoronto.ca::cd042982-3d61-4be1-9d3c-ee5f666787f0" providerId="AD" clId="Web-{6E0E8717-A0BA-4D3C-BC19-4D531569A380}" dt="2021-10-06T18:16:35.684" v="80"/>
-          <ac:spMkLst>
-            <pc:docMk/>
-            <pc:sldMk cId="3520043353" sldId="263"/>
-            <ac:spMk id="10" creationId="{0671A8AE-40A1-4631-A6B8-581AFF065482}"/>
-          </ac:spMkLst>
-        </pc:spChg>
-        <pc:spChg chg="add del">
-          <ac:chgData name="Patricia Ding" userId="S::patricia.ding@mail.utoronto.ca::cd042982-3d61-4be1-9d3c-ee5f666787f0" providerId="AD" clId="Web-{6E0E8717-A0BA-4D3C-BC19-4D531569A380}" dt="2021-10-06T18:16:35.684" v="80"/>
-          <ac:spMkLst>
-            <pc:docMk/>
-            <pc:sldMk cId="3520043353" sldId="263"/>
-            <ac:spMk id="12" creationId="{AB58EF07-17C2-48CF-ABB0-EEF1F17CB8F0}"/>
-          </ac:spMkLst>
-        </pc:spChg>
-        <pc:spChg chg="add del">
-          <ac:chgData name="Patricia Ding" userId="S::patricia.ding@mail.utoronto.ca::cd042982-3d61-4be1-9d3c-ee5f666787f0" providerId="AD" clId="Web-{6E0E8717-A0BA-4D3C-BC19-4D531569A380}" dt="2021-10-06T18:16:35.684" v="80"/>
-          <ac:spMkLst>
-            <pc:docMk/>
-            <pc:sldMk cId="3520043353" sldId="263"/>
-            <ac:spMk id="14" creationId="{AF2F604E-43BE-4DC3-B983-E071523364F8}"/>
-          </ac:spMkLst>
-        </pc:spChg>
-        <pc:spChg chg="add del">
-          <ac:chgData name="Patricia Ding" userId="S::patricia.ding@mail.utoronto.ca::cd042982-3d61-4be1-9d3c-ee5f666787f0" providerId="AD" clId="Web-{6E0E8717-A0BA-4D3C-BC19-4D531569A380}" dt="2021-10-06T18:16:35.684" v="80"/>
-          <ac:spMkLst>
-            <pc:docMk/>
-            <pc:sldMk cId="3520043353" sldId="263"/>
-            <ac:spMk id="16" creationId="{08C9B587-E65E-4B52-B37C-ABEBB6E87928}"/>
-          </ac:spMkLst>
-        </pc:spChg>
-        <pc:picChg chg="add del">
-          <ac:chgData name="Patricia Ding" userId="S::patricia.ding@mail.utoronto.ca::cd042982-3d61-4be1-9d3c-ee5f666787f0" providerId="AD" clId="Web-{6E0E8717-A0BA-4D3C-BC19-4D531569A380}" dt="2021-10-06T18:16:35.684" v="80"/>
-          <ac:picMkLst>
-            <pc:docMk/>
-            <pc:sldMk cId="3520043353" sldId="263"/>
-            <ac:picMk id="6" creationId="{AF62E088-FC2C-45E2-83D7-D5E42D0DC8B3}"/>
-          </ac:picMkLst>
-        </pc:picChg>
-      </pc:sldChg>
-    </pc:docChg>
-  </pc:docChgLst>
-  <pc:docChgLst>
-    <pc:chgData name="Guest User" userId="S::urn:spo:anon#72c5720deaa68f254aac8efc0ea8d5e0a574867443caa9a0b7e211a72f51235c::" providerId="AD" clId="Web-{8E1543BD-FA74-FA15-F429-2EAD4932EBC3}"/>
-    <pc:docChg chg="addSld delSld modSld">
-      <pc:chgData name="Guest User" userId="S::urn:spo:anon#72c5720deaa68f254aac8efc0ea8d5e0a574867443caa9a0b7e211a72f51235c::" providerId="AD" clId="Web-{8E1543BD-FA74-FA15-F429-2EAD4932EBC3}" dt="2021-10-14T02:00:59.810" v="428" actId="20577"/>
-      <pc:docMkLst>
-        <pc:docMk/>
-      </pc:docMkLst>
-      <pc:sldChg chg="addSp modSp mod modClrScheme chgLayout">
-        <pc:chgData name="Guest User" userId="S::urn:spo:anon#72c5720deaa68f254aac8efc0ea8d5e0a574867443caa9a0b7e211a72f51235c::" providerId="AD" clId="Web-{8E1543BD-FA74-FA15-F429-2EAD4932EBC3}" dt="2021-10-13T20:03:37.726" v="0"/>
-        <pc:sldMkLst>
-          <pc:docMk/>
-          <pc:sldMk cId="3358865612" sldId="257"/>
-        </pc:sldMkLst>
-        <pc:spChg chg="mod ord">
-          <ac:chgData name="Guest User" userId="S::urn:spo:anon#72c5720deaa68f254aac8efc0ea8d5e0a574867443caa9a0b7e211a72f51235c::" providerId="AD" clId="Web-{8E1543BD-FA74-FA15-F429-2EAD4932EBC3}" dt="2021-10-13T20:03:37.726" v="0"/>
-          <ac:spMkLst>
-            <pc:docMk/>
-            <pc:sldMk cId="3358865612" sldId="257"/>
-            <ac:spMk id="2" creationId="{D5DE2408-689C-4C2E-AB7A-103011392E09}"/>
-          </ac:spMkLst>
-        </pc:spChg>
-        <pc:spChg chg="add mod ord">
-          <ac:chgData name="Guest User" userId="S::urn:spo:anon#72c5720deaa68f254aac8efc0ea8d5e0a574867443caa9a0b7e211a72f51235c::" providerId="AD" clId="Web-{8E1543BD-FA74-FA15-F429-2EAD4932EBC3}" dt="2021-10-13T20:03:37.726" v="0"/>
-          <ac:spMkLst>
-            <pc:docMk/>
-            <pc:sldMk cId="3358865612" sldId="257"/>
-            <ac:spMk id="5" creationId="{6DBB1F72-30E8-43A8-A6D5-1B4E11B168F0}"/>
-          </ac:spMkLst>
-        </pc:spChg>
-        <pc:spChg chg="add mod ord">
-          <ac:chgData name="Guest User" userId="S::urn:spo:anon#72c5720deaa68f254aac8efc0ea8d5e0a574867443caa9a0b7e211a72f51235c::" providerId="AD" clId="Web-{8E1543BD-FA74-FA15-F429-2EAD4932EBC3}" dt="2021-10-13T20:03:37.726" v="0"/>
-          <ac:spMkLst>
-            <pc:docMk/>
-            <pc:sldMk cId="3358865612" sldId="257"/>
-            <ac:spMk id="6" creationId="{9C3B3C39-F434-4048-BD60-ED5292C944D4}"/>
-          </ac:spMkLst>
-        </pc:spChg>
-      </pc:sldChg>
-      <pc:sldChg chg="new">
-        <pc:chgData name="Guest User" userId="S::urn:spo:anon#72c5720deaa68f254aac8efc0ea8d5e0a574867443caa9a0b7e211a72f51235c::" providerId="AD" clId="Web-{8E1543BD-FA74-FA15-F429-2EAD4932EBC3}" dt="2021-10-13T20:03:49.399" v="1"/>
-        <pc:sldMkLst>
-          <pc:docMk/>
-          <pc:sldMk cId="4210067527" sldId="258"/>
-        </pc:sldMkLst>
-      </pc:sldChg>
-      <pc:sldChg chg="modSp">
-        <pc:chgData name="Guest User" userId="S::urn:spo:anon#72c5720deaa68f254aac8efc0ea8d5e0a574867443caa9a0b7e211a72f51235c::" providerId="AD" clId="Web-{8E1543BD-FA74-FA15-F429-2EAD4932EBC3}" dt="2021-10-13T20:06:25.425" v="32" actId="20577"/>
-        <pc:sldMkLst>
-          <pc:docMk/>
-          <pc:sldMk cId="1680003108" sldId="259"/>
-        </pc:sldMkLst>
-        <pc:spChg chg="mod">
-          <ac:chgData name="Guest User" userId="S::urn:spo:anon#72c5720deaa68f254aac8efc0ea8d5e0a574867443caa9a0b7e211a72f51235c::" providerId="AD" clId="Web-{8E1543BD-FA74-FA15-F429-2EAD4932EBC3}" dt="2021-10-13T20:06:07.018" v="21" actId="20577"/>
-          <ac:spMkLst>
-            <pc:docMk/>
-            <pc:sldMk cId="1680003108" sldId="259"/>
-            <ac:spMk id="2" creationId="{DF7BA0E1-31E1-423F-B5FB-2BC813221B19}"/>
-          </ac:spMkLst>
-        </pc:spChg>
-        <pc:spChg chg="mod">
-          <ac:chgData name="Guest User" userId="S::urn:spo:anon#72c5720deaa68f254aac8efc0ea8d5e0a574867443caa9a0b7e211a72f51235c::" providerId="AD" clId="Web-{8E1543BD-FA74-FA15-F429-2EAD4932EBC3}" dt="2021-10-13T20:06:25.425" v="32" actId="20577"/>
-          <ac:spMkLst>
-            <pc:docMk/>
-            <pc:sldMk cId="1680003108" sldId="259"/>
-            <ac:spMk id="3" creationId="{41BF94BE-B895-47A8-AD1B-ECDD4E6EE575}"/>
-          </ac:spMkLst>
-        </pc:spChg>
-      </pc:sldChg>
-      <pc:sldChg chg="new del">
-        <pc:chgData name="Guest User" userId="S::urn:spo:anon#72c5720deaa68f254aac8efc0ea8d5e0a574867443caa9a0b7e211a72f51235c::" providerId="AD" clId="Web-{8E1543BD-FA74-FA15-F429-2EAD4932EBC3}" dt="2021-10-13T20:05:24.374" v="6"/>
-        <pc:sldMkLst>
-          <pc:docMk/>
-          <pc:sldMk cId="3607046431" sldId="259"/>
-        </pc:sldMkLst>
-      </pc:sldChg>
-      <pc:sldChg chg="new del">
-        <pc:chgData name="Guest User" userId="S::urn:spo:anon#72c5720deaa68f254aac8efc0ea8d5e0a574867443caa9a0b7e211a72f51235c::" providerId="AD" clId="Web-{8E1543BD-FA74-FA15-F429-2EAD4932EBC3}" dt="2021-10-13T20:05:26.077" v="7"/>
-        <pc:sldMkLst>
-          <pc:docMk/>
-          <pc:sldMk cId="1997774948" sldId="260"/>
-        </pc:sldMkLst>
-      </pc:sldChg>
-      <pc:sldChg chg="modSp add replId">
-        <pc:chgData name="Guest User" userId="S::urn:spo:anon#72c5720deaa68f254aac8efc0ea8d5e0a574867443caa9a0b7e211a72f51235c::" providerId="AD" clId="Web-{8E1543BD-FA74-FA15-F429-2EAD4932EBC3}" dt="2021-10-14T02:00:59.810" v="428" actId="20577"/>
-        <pc:sldMkLst>
-          <pc:docMk/>
-          <pc:sldMk cId="3897879143" sldId="260"/>
-        </pc:sldMkLst>
-        <pc:spChg chg="mod">
-          <ac:chgData name="Guest User" userId="S::urn:spo:anon#72c5720deaa68f254aac8efc0ea8d5e0a574867443caa9a0b7e211a72f51235c::" providerId="AD" clId="Web-{8E1543BD-FA74-FA15-F429-2EAD4932EBC3}" dt="2021-10-14T02:00:59.810" v="428" actId="20577"/>
-          <ac:spMkLst>
-            <pc:docMk/>
-            <pc:sldMk cId="3897879143" sldId="260"/>
-            <ac:spMk id="3" creationId="{41BF94BE-B895-47A8-AD1B-ECDD4E6EE575}"/>
-          </ac:spMkLst>
-        </pc:spChg>
-        <pc:spChg chg="mod">
-          <ac:chgData name="Guest User" userId="S::urn:spo:anon#72c5720deaa68f254aac8efc0ea8d5e0a574867443caa9a0b7e211a72f51235c::" providerId="AD" clId="Web-{8E1543BD-FA74-FA15-F429-2EAD4932EBC3}" dt="2021-10-13T20:38:12.313" v="302" actId="20577"/>
-          <ac:spMkLst>
-            <pc:docMk/>
-            <pc:sldMk cId="3897879143" sldId="260"/>
-            <ac:spMk id="4" creationId="{320AC5B4-EFFA-44B6-B094-865E799117AE}"/>
-          </ac:spMkLst>
-        </pc:spChg>
-      </pc:sldChg>
-      <pc:sldChg chg="addSp delSp modSp add replId">
-        <pc:chgData name="Guest User" userId="S::urn:spo:anon#72c5720deaa68f254aac8efc0ea8d5e0a574867443caa9a0b7e211a72f51235c::" providerId="AD" clId="Web-{8E1543BD-FA74-FA15-F429-2EAD4932EBC3}" dt="2021-10-13T20:37:56.327" v="291" actId="20577"/>
-        <pc:sldMkLst>
-          <pc:docMk/>
-          <pc:sldMk cId="1830676071" sldId="261"/>
-        </pc:sldMkLst>
-        <pc:spChg chg="mod">
-          <ac:chgData name="Guest User" userId="S::urn:spo:anon#72c5720deaa68f254aac8efc0ea8d5e0a574867443caa9a0b7e211a72f51235c::" providerId="AD" clId="Web-{8E1543BD-FA74-FA15-F429-2EAD4932EBC3}" dt="2021-10-13T20:19:06.402" v="118" actId="20577"/>
-          <ac:spMkLst>
-            <pc:docMk/>
-            <pc:sldMk cId="1830676071" sldId="261"/>
-            <ac:spMk id="2" creationId="{DF7BA0E1-31E1-423F-B5FB-2BC813221B19}"/>
-          </ac:spMkLst>
-        </pc:spChg>
-        <pc:spChg chg="mod">
-          <ac:chgData name="Guest User" userId="S::urn:spo:anon#72c5720deaa68f254aac8efc0ea8d5e0a574867443caa9a0b7e211a72f51235c::" providerId="AD" clId="Web-{8E1543BD-FA74-FA15-F429-2EAD4932EBC3}" dt="2021-10-13T20:35:53.834" v="277" actId="20577"/>
-          <ac:spMkLst>
-            <pc:docMk/>
-            <pc:sldMk cId="1830676071" sldId="261"/>
-            <ac:spMk id="3" creationId="{41BF94BE-B895-47A8-AD1B-ECDD4E6EE575}"/>
-          </ac:spMkLst>
-        </pc:spChg>
-        <pc:spChg chg="mod">
-          <ac:chgData name="Guest User" userId="S::urn:spo:anon#72c5720deaa68f254aac8efc0ea8d5e0a574867443caa9a0b7e211a72f51235c::" providerId="AD" clId="Web-{8E1543BD-FA74-FA15-F429-2EAD4932EBC3}" dt="2021-10-13T20:37:56.327" v="291" actId="20577"/>
-          <ac:spMkLst>
-            <pc:docMk/>
-            <pc:sldMk cId="1830676071" sldId="261"/>
-            <ac:spMk id="4" creationId="{320AC5B4-EFFA-44B6-B094-865E799117AE}"/>
-          </ac:spMkLst>
-        </pc:spChg>
-        <pc:spChg chg="add del">
-          <ac:chgData name="Guest User" userId="S::urn:spo:anon#72c5720deaa68f254aac8efc0ea8d5e0a574867443caa9a0b7e211a72f51235c::" providerId="AD" clId="Web-{8E1543BD-FA74-FA15-F429-2EAD4932EBC3}" dt="2021-10-13T20:06:41.895" v="41"/>
-          <ac:spMkLst>
-            <pc:docMk/>
-            <pc:sldMk cId="1830676071" sldId="261"/>
-            <ac:spMk id="5" creationId="{05456E34-F21D-4D93-8F6E-3F1790059E08}"/>
-          </ac:spMkLst>
-        </pc:spChg>
-      </pc:sldChg>
-      <pc:sldChg chg="new del">
-        <pc:chgData name="Guest User" userId="S::urn:spo:anon#72c5720deaa68f254aac8efc0ea8d5e0a574867443caa9a0b7e211a72f51235c::" providerId="AD" clId="Web-{8E1543BD-FA74-FA15-F429-2EAD4932EBC3}" dt="2021-10-13T20:05:29.281" v="9"/>
-        <pc:sldMkLst>
-          <pc:docMk/>
-          <pc:sldMk cId="4009278244" sldId="261"/>
-        </pc:sldMkLst>
-      </pc:sldChg>
-      <pc:sldChg chg="new del">
-        <pc:chgData name="Guest User" userId="S::urn:spo:anon#72c5720deaa68f254aac8efc0ea8d5e0a574867443caa9a0b7e211a72f51235c::" providerId="AD" clId="Web-{8E1543BD-FA74-FA15-F429-2EAD4932EBC3}" dt="2021-10-13T20:05:27.562" v="8"/>
-        <pc:sldMkLst>
-          <pc:docMk/>
-          <pc:sldMk cId="4125978579" sldId="262"/>
-        </pc:sldMkLst>
-      </pc:sldChg>
-      <pc:sldChg chg="modSp">
-        <pc:chgData name="Guest User" userId="S::urn:spo:anon#72c5720deaa68f254aac8efc0ea8d5e0a574867443caa9a0b7e211a72f51235c::" providerId="AD" clId="Web-{8E1543BD-FA74-FA15-F429-2EAD4932EBC3}" dt="2021-10-13T21:45:32.670" v="399" actId="20577"/>
-        <pc:sldMkLst>
-          <pc:docMk/>
-          <pc:sldMk cId="927412229" sldId="263"/>
-        </pc:sldMkLst>
-        <pc:spChg chg="mod">
-          <ac:chgData name="Guest User" userId="S::urn:spo:anon#72c5720deaa68f254aac8efc0ea8d5e0a574867443caa9a0b7e211a72f51235c::" providerId="AD" clId="Web-{8E1543BD-FA74-FA15-F429-2EAD4932EBC3}" dt="2021-10-13T21:45:32.670" v="399" actId="20577"/>
-          <ac:spMkLst>
-            <pc:docMk/>
-            <pc:sldMk cId="927412229" sldId="263"/>
-            <ac:spMk id="4" creationId="{320AC5B4-EFFA-44B6-B094-865E799117AE}"/>
-          </ac:spMkLst>
-        </pc:spChg>
-      </pc:sldChg>
-      <pc:sldChg chg="modSp">
-        <pc:chgData name="Guest User" userId="S::urn:spo:anon#72c5720deaa68f254aac8efc0ea8d5e0a574867443caa9a0b7e211a72f51235c::" providerId="AD" clId="Web-{8E1543BD-FA74-FA15-F429-2EAD4932EBC3}" dt="2021-10-13T21:48:58.419" v="425" actId="20577"/>
-        <pc:sldMkLst>
-          <pc:docMk/>
-          <pc:sldMk cId="549344656" sldId="266"/>
-        </pc:sldMkLst>
-        <pc:spChg chg="mod">
-          <ac:chgData name="Guest User" userId="S::urn:spo:anon#72c5720deaa68f254aac8efc0ea8d5e0a574867443caa9a0b7e211a72f51235c::" providerId="AD" clId="Web-{8E1543BD-FA74-FA15-F429-2EAD4932EBC3}" dt="2021-10-13T21:48:58.419" v="425" actId="20577"/>
-          <ac:spMkLst>
-            <pc:docMk/>
-            <pc:sldMk cId="549344656" sldId="266"/>
-            <ac:spMk id="3" creationId="{41BF94BE-B895-47A8-AD1B-ECDD4E6EE575}"/>
-          </ac:spMkLst>
-        </pc:spChg>
-      </pc:sldChg>
-      <pc:sldChg chg="modSp new">
-        <pc:chgData name="Guest User" userId="S::urn:spo:anon#72c5720deaa68f254aac8efc0ea8d5e0a574867443caa9a0b7e211a72f51235c::" providerId="AD" clId="Web-{8E1543BD-FA74-FA15-F429-2EAD4932EBC3}" dt="2021-10-13T21:47:32.178" v="406" actId="20577"/>
-        <pc:sldMkLst>
-          <pc:docMk/>
-          <pc:sldMk cId="22853581" sldId="267"/>
-        </pc:sldMkLst>
-        <pc:spChg chg="mod">
-          <ac:chgData name="Guest User" userId="S::urn:spo:anon#72c5720deaa68f254aac8efc0ea8d5e0a574867443caa9a0b7e211a72f51235c::" providerId="AD" clId="Web-{8E1543BD-FA74-FA15-F429-2EAD4932EBC3}" dt="2021-10-13T21:47:32.178" v="406" actId="20577"/>
-          <ac:spMkLst>
-            <pc:docMk/>
-            <pc:sldMk cId="22853581" sldId="267"/>
-            <ac:spMk id="2" creationId="{3FDBAEDE-38BE-4C53-AC77-CA8314033556}"/>
-          </ac:spMkLst>
-        </pc:spChg>
-      </pc:sldChg>
-      <pc:sldChg chg="modSp new">
-        <pc:chgData name="Guest User" userId="S::urn:spo:anon#72c5720deaa68f254aac8efc0ea8d5e0a574867443caa9a0b7e211a72f51235c::" providerId="AD" clId="Web-{8E1543BD-FA74-FA15-F429-2EAD4932EBC3}" dt="2021-10-13T21:47:44.820" v="416" actId="20577"/>
-        <pc:sldMkLst>
-          <pc:docMk/>
-          <pc:sldMk cId="1987780603" sldId="268"/>
-        </pc:sldMkLst>
-        <pc:spChg chg="mod">
-          <ac:chgData name="Guest User" userId="S::urn:spo:anon#72c5720deaa68f254aac8efc0ea8d5e0a574867443caa9a0b7e211a72f51235c::" providerId="AD" clId="Web-{8E1543BD-FA74-FA15-F429-2EAD4932EBC3}" dt="2021-10-13T21:47:44.820" v="416" actId="20577"/>
-          <ac:spMkLst>
-            <pc:docMk/>
-            <pc:sldMk cId="1987780603" sldId="268"/>
-            <ac:spMk id="2" creationId="{557014CB-512D-4D84-B71E-00A6DA2DE372}"/>
-          </ac:spMkLst>
-        </pc:spChg>
-      </pc:sldChg>
-    </pc:docChg>
-  </pc:docChgLst>
-  <pc:docChgLst>
-    <pc:chgData name="Patricia Ding" userId="S::patricia.ding@mail.utoronto.ca::cd042982-3d61-4be1-9d3c-ee5f666787f0" providerId="AD" clId="Web-{73C2600F-B75E-E60E-5517-1D176486C47D}"/>
-    <pc:docChg chg="modSld">
-      <pc:chgData name="Patricia Ding" userId="S::patricia.ding@mail.utoronto.ca::cd042982-3d61-4be1-9d3c-ee5f666787f0" providerId="AD" clId="Web-{73C2600F-B75E-E60E-5517-1D176486C47D}" dt="2021-10-14T00:44:53.209" v="37" actId="20577"/>
-      <pc:docMkLst>
-        <pc:docMk/>
-      </pc:docMkLst>
-      <pc:sldChg chg="modSp">
-        <pc:chgData name="Patricia Ding" userId="S::patricia.ding@mail.utoronto.ca::cd042982-3d61-4be1-9d3c-ee5f666787f0" providerId="AD" clId="Web-{73C2600F-B75E-E60E-5517-1D176486C47D}" dt="2021-10-14T00:44:02.146" v="0" actId="20577"/>
-        <pc:sldMkLst>
-          <pc:docMk/>
-          <pc:sldMk cId="3897879143" sldId="260"/>
-        </pc:sldMkLst>
-        <pc:spChg chg="mod">
-          <ac:chgData name="Patricia Ding" userId="S::patricia.ding@mail.utoronto.ca::cd042982-3d61-4be1-9d3c-ee5f666787f0" providerId="AD" clId="Web-{73C2600F-B75E-E60E-5517-1D176486C47D}" dt="2021-10-14T00:44:02.146" v="0" actId="20577"/>
-          <ac:spMkLst>
-            <pc:docMk/>
-            <pc:sldMk cId="3897879143" sldId="260"/>
-            <ac:spMk id="2" creationId="{DF7BA0E1-31E1-423F-B5FB-2BC813221B19}"/>
-          </ac:spMkLst>
-        </pc:spChg>
-      </pc:sldChg>
-      <pc:sldChg chg="modSp">
-        <pc:chgData name="Patricia Ding" userId="S::patricia.ding@mail.utoronto.ca::cd042982-3d61-4be1-9d3c-ee5f666787f0" providerId="AD" clId="Web-{73C2600F-B75E-E60E-5517-1D176486C47D}" dt="2021-10-14T00:44:53.209" v="37" actId="20577"/>
-        <pc:sldMkLst>
-          <pc:docMk/>
-          <pc:sldMk cId="1830676071" sldId="261"/>
-        </pc:sldMkLst>
-        <pc:spChg chg="mod">
-          <ac:chgData name="Patricia Ding" userId="S::patricia.ding@mail.utoronto.ca::cd042982-3d61-4be1-9d3c-ee5f666787f0" providerId="AD" clId="Web-{73C2600F-B75E-E60E-5517-1D176486C47D}" dt="2021-10-14T00:44:12.959" v="5" actId="20577"/>
-          <ac:spMkLst>
-            <pc:docMk/>
-            <pc:sldMk cId="1830676071" sldId="261"/>
-            <ac:spMk id="2" creationId="{DF7BA0E1-31E1-423F-B5FB-2BC813221B19}"/>
-          </ac:spMkLst>
-        </pc:spChg>
-        <pc:spChg chg="mod">
-          <ac:chgData name="Patricia Ding" userId="S::patricia.ding@mail.utoronto.ca::cd042982-3d61-4be1-9d3c-ee5f666787f0" providerId="AD" clId="Web-{73C2600F-B75E-E60E-5517-1D176486C47D}" dt="2021-10-14T00:44:53.209" v="37" actId="20577"/>
-          <ac:spMkLst>
-            <pc:docMk/>
-            <pc:sldMk cId="1830676071" sldId="261"/>
-            <ac:spMk id="3" creationId="{41BF94BE-B895-47A8-AD1B-ECDD4E6EE575}"/>
-          </ac:spMkLst>
-        </pc:spChg>
-        <pc:spChg chg="mod">
-          <ac:chgData name="Patricia Ding" userId="S::patricia.ding@mail.utoronto.ca::cd042982-3d61-4be1-9d3c-ee5f666787f0" providerId="AD" clId="Web-{73C2600F-B75E-E60E-5517-1D176486C47D}" dt="2021-10-14T00:44:50.944" v="31" actId="20577"/>
-          <ac:spMkLst>
-            <pc:docMk/>
-            <pc:sldMk cId="1830676071" sldId="261"/>
-            <ac:spMk id="4" creationId="{320AC5B4-EFFA-44B6-B094-865E799117AE}"/>
-          </ac:spMkLst>
-        </pc:spChg>
-      </pc:sldChg>
-    </pc:docChg>
-  </pc:docChgLst>
-  <pc:docChgLst>
-    <pc:chgData name="Guest User" userId="S::urn:spo:anon#31e3ae501a7dfd02034e7315c50c438a59f387a7c8832c9bb229d242a19a8f23::" providerId="AD" clId="Web-{1F9723DE-2FF3-9A06-2F35-C092B107C5DF}"/>
-    <pc:docChg chg="addSld modSld">
-      <pc:chgData name="Guest User" userId="S::urn:spo:anon#31e3ae501a7dfd02034e7315c50c438a59f387a7c8832c9bb229d242a19a8f23::" providerId="AD" clId="Web-{1F9723DE-2FF3-9A06-2F35-C092B107C5DF}" dt="2021-10-06T18:49:05.889" v="42" actId="20577"/>
-      <pc:docMkLst>
-        <pc:docMk/>
-      </pc:docMkLst>
-      <pc:sldChg chg="modSp">
-        <pc:chgData name="Guest User" userId="S::urn:spo:anon#31e3ae501a7dfd02034e7315c50c438a59f387a7c8832c9bb229d242a19a8f23::" providerId="AD" clId="Web-{1F9723DE-2FF3-9A06-2F35-C092B107C5DF}" dt="2021-10-06T18:25:08.463" v="2" actId="20577"/>
-        <pc:sldMkLst>
-          <pc:docMk/>
-          <pc:sldMk cId="533009411" sldId="258"/>
-        </pc:sldMkLst>
-        <pc:spChg chg="mod">
-          <ac:chgData name="Guest User" userId="S::urn:spo:anon#31e3ae501a7dfd02034e7315c50c438a59f387a7c8832c9bb229d242a19a8f23::" providerId="AD" clId="Web-{1F9723DE-2FF3-9A06-2F35-C092B107C5DF}" dt="2021-10-06T18:25:08.463" v="2" actId="20577"/>
-          <ac:spMkLst>
-            <pc:docMk/>
-            <pc:sldMk cId="533009411" sldId="258"/>
-            <ac:spMk id="2" creationId="{D5DE2408-689C-4C2E-AB7A-103011392E09}"/>
-          </ac:spMkLst>
-        </pc:spChg>
-      </pc:sldChg>
-      <pc:sldChg chg="modSp new">
-        <pc:chgData name="Guest User" userId="S::urn:spo:anon#31e3ae501a7dfd02034e7315c50c438a59f387a7c8832c9bb229d242a19a8f23::" providerId="AD" clId="Web-{1F9723DE-2FF3-9A06-2F35-C092B107C5DF}" dt="2021-10-06T18:49:04.201" v="33" actId="20577"/>
-        <pc:sldMkLst>
-          <pc:docMk/>
-          <pc:sldMk cId="1272629317" sldId="264"/>
-        </pc:sldMkLst>
-        <pc:spChg chg="mod">
-          <ac:chgData name="Guest User" userId="S::urn:spo:anon#31e3ae501a7dfd02034e7315c50c438a59f387a7c8832c9bb229d242a19a8f23::" providerId="AD" clId="Web-{1F9723DE-2FF3-9A06-2F35-C092B107C5DF}" dt="2021-10-06T18:43:14.743" v="17" actId="20577"/>
-          <ac:spMkLst>
-            <pc:docMk/>
-            <pc:sldMk cId="1272629317" sldId="264"/>
-            <ac:spMk id="2" creationId="{5D64F029-0AC4-421F-A2B0-1BEAEE0D3E22}"/>
-          </ac:spMkLst>
-        </pc:spChg>
-        <pc:spChg chg="mod">
-          <ac:chgData name="Guest User" userId="S::urn:spo:anon#31e3ae501a7dfd02034e7315c50c438a59f387a7c8832c9bb229d242a19a8f23::" providerId="AD" clId="Web-{1F9723DE-2FF3-9A06-2F35-C092B107C5DF}" dt="2021-10-06T18:49:04.201" v="33" actId="20577"/>
-          <ac:spMkLst>
-            <pc:docMk/>
-            <pc:sldMk cId="1272629317" sldId="264"/>
-            <ac:spMk id="3" creationId="{AE796E4D-989A-4354-A199-9CEBD8F15D2D}"/>
-          </ac:spMkLst>
-        </pc:spChg>
-      </pc:sldChg>
-      <pc:sldChg chg="modSp new">
-        <pc:chgData name="Guest User" userId="S::urn:spo:anon#31e3ae501a7dfd02034e7315c50c438a59f387a7c8832c9bb229d242a19a8f23::" providerId="AD" clId="Web-{1F9723DE-2FF3-9A06-2F35-C092B107C5DF}" dt="2021-10-06T18:49:05.889" v="42" actId="20577"/>
-        <pc:sldMkLst>
-          <pc:docMk/>
-          <pc:sldMk cId="1912783605" sldId="265"/>
-        </pc:sldMkLst>
-        <pc:spChg chg="mod">
-          <ac:chgData name="Guest User" userId="S::urn:spo:anon#31e3ae501a7dfd02034e7315c50c438a59f387a7c8832c9bb229d242a19a8f23::" providerId="AD" clId="Web-{1F9723DE-2FF3-9A06-2F35-C092B107C5DF}" dt="2021-10-06T18:49:05.654" v="38" actId="20577"/>
-          <ac:spMkLst>
-            <pc:docMk/>
-            <pc:sldMk cId="1912783605" sldId="265"/>
-            <ac:spMk id="2" creationId="{E8FA8AB8-060B-4176-9102-DE93D286ABC7}"/>
-          </ac:spMkLst>
-        </pc:spChg>
-        <pc:spChg chg="mod">
-          <ac:chgData name="Guest User" userId="S::urn:spo:anon#31e3ae501a7dfd02034e7315c50c438a59f387a7c8832c9bb229d242a19a8f23::" providerId="AD" clId="Web-{1F9723DE-2FF3-9A06-2F35-C092B107C5DF}" dt="2021-10-06T18:49:05.889" v="42" actId="20577"/>
-          <ac:spMkLst>
-            <pc:docMk/>
-            <pc:sldMk cId="1912783605" sldId="265"/>
-            <ac:spMk id="3" creationId="{9125C23C-905B-4654-B79E-6C1A86BB1053}"/>
-          </ac:spMkLst>
-        </pc:spChg>
-      </pc:sldChg>
-    </pc:docChg>
-  </pc:docChgLst>
-  <pc:docChgLst>
-    <pc:chgData name="Guest User" userId="S::urn:spo:anon#72c5720deaa68f254aac8efc0ea8d5e0a574867443caa9a0b7e211a72f51235c::" providerId="AD" clId="Web-{752060AF-EFFE-4CEB-84FA-0DB07544295E}"/>
-    <pc:docChg chg="modSld">
-      <pc:chgData name="Guest User" userId="S::urn:spo:anon#72c5720deaa68f254aac8efc0ea8d5e0a574867443caa9a0b7e211a72f51235c::" providerId="AD" clId="Web-{752060AF-EFFE-4CEB-84FA-0DB07544295E}" dt="2021-10-06T20:47:47.155" v="139" actId="20577"/>
-      <pc:docMkLst>
-        <pc:docMk/>
-      </pc:docMkLst>
-      <pc:sldChg chg="modSp">
-        <pc:chgData name="Guest User" userId="S::urn:spo:anon#72c5720deaa68f254aac8efc0ea8d5e0a574867443caa9a0b7e211a72f51235c::" providerId="AD" clId="Web-{752060AF-EFFE-4CEB-84FA-0DB07544295E}" dt="2021-10-06T20:46:47.373" v="121" actId="20577"/>
-        <pc:sldMkLst>
-          <pc:docMk/>
-          <pc:sldMk cId="3358865612" sldId="257"/>
-        </pc:sldMkLst>
-        <pc:spChg chg="mod">
-          <ac:chgData name="Guest User" userId="S::urn:spo:anon#72c5720deaa68f254aac8efc0ea8d5e0a574867443caa9a0b7e211a72f51235c::" providerId="AD" clId="Web-{752060AF-EFFE-4CEB-84FA-0DB07544295E}" dt="2021-10-06T20:46:47.373" v="121" actId="20577"/>
-          <ac:spMkLst>
-            <pc:docMk/>
-            <pc:sldMk cId="3358865612" sldId="257"/>
-            <ac:spMk id="2" creationId="{D5DE2408-689C-4C2E-AB7A-103011392E09}"/>
-          </ac:spMkLst>
-        </pc:spChg>
-      </pc:sldChg>
-      <pc:sldChg chg="modSp">
-        <pc:chgData name="Guest User" userId="S::urn:spo:anon#72c5720deaa68f254aac8efc0ea8d5e0a574867443caa9a0b7e211a72f51235c::" providerId="AD" clId="Web-{752060AF-EFFE-4CEB-84FA-0DB07544295E}" dt="2021-10-06T20:47:00.764" v="128" actId="20577"/>
-        <pc:sldMkLst>
-          <pc:docMk/>
-          <pc:sldMk cId="533009411" sldId="258"/>
-        </pc:sldMkLst>
-        <pc:spChg chg="mod">
-          <ac:chgData name="Guest User" userId="S::urn:spo:anon#72c5720deaa68f254aac8efc0ea8d5e0a574867443caa9a0b7e211a72f51235c::" providerId="AD" clId="Web-{752060AF-EFFE-4CEB-84FA-0DB07544295E}" dt="2021-10-06T20:47:00.764" v="128" actId="20577"/>
-          <ac:spMkLst>
-            <pc:docMk/>
-            <pc:sldMk cId="533009411" sldId="258"/>
-            <ac:spMk id="2" creationId="{D5DE2408-689C-4C2E-AB7A-103011392E09}"/>
-          </ac:spMkLst>
-        </pc:spChg>
-      </pc:sldChg>
-      <pc:sldChg chg="modSp">
-        <pc:chgData name="Guest User" userId="S::urn:spo:anon#72c5720deaa68f254aac8efc0ea8d5e0a574867443caa9a0b7e211a72f51235c::" providerId="AD" clId="Web-{752060AF-EFFE-4CEB-84FA-0DB07544295E}" dt="2021-10-06T20:47:16.420" v="137" actId="20577"/>
-        <pc:sldMkLst>
-          <pc:docMk/>
-          <pc:sldMk cId="3891368792" sldId="259"/>
-        </pc:sldMkLst>
-        <pc:spChg chg="mod">
-          <ac:chgData name="Guest User" userId="S::urn:spo:anon#72c5720deaa68f254aac8efc0ea8d5e0a574867443caa9a0b7e211a72f51235c::" providerId="AD" clId="Web-{752060AF-EFFE-4CEB-84FA-0DB07544295E}" dt="2021-10-06T20:47:16.420" v="137" actId="20577"/>
-          <ac:spMkLst>
-            <pc:docMk/>
-            <pc:sldMk cId="3891368792" sldId="259"/>
-            <ac:spMk id="2" creationId="{D5DE2408-689C-4C2E-AB7A-103011392E09}"/>
-          </ac:spMkLst>
-        </pc:spChg>
-        <pc:spChg chg="mod">
-          <ac:chgData name="Guest User" userId="S::urn:spo:anon#72c5720deaa68f254aac8efc0ea8d5e0a574867443caa9a0b7e211a72f51235c::" providerId="AD" clId="Web-{752060AF-EFFE-4CEB-84FA-0DB07544295E}" dt="2021-10-06T20:47:12.092" v="130" actId="20577"/>
-          <ac:spMkLst>
-            <pc:docMk/>
-            <pc:sldMk cId="3891368792" sldId="259"/>
-            <ac:spMk id="3" creationId="{4A75C19D-97C3-4E16-B487-ABE1ABF86217}"/>
-          </ac:spMkLst>
-        </pc:spChg>
-      </pc:sldChg>
-      <pc:sldChg chg="modSp">
-        <pc:chgData name="Guest User" userId="S::urn:spo:anon#72c5720deaa68f254aac8efc0ea8d5e0a574867443caa9a0b7e211a72f51235c::" providerId="AD" clId="Web-{752060AF-EFFE-4CEB-84FA-0DB07544295E}" dt="2021-10-06T20:47:47.155" v="139" actId="20577"/>
-        <pc:sldMkLst>
-          <pc:docMk/>
-          <pc:sldMk cId="1912783605" sldId="265"/>
-        </pc:sldMkLst>
-        <pc:spChg chg="mod">
-          <ac:chgData name="Guest User" userId="S::urn:spo:anon#72c5720deaa68f254aac8efc0ea8d5e0a574867443caa9a0b7e211a72f51235c::" providerId="AD" clId="Web-{752060AF-EFFE-4CEB-84FA-0DB07544295E}" dt="2021-10-06T20:47:47.155" v="139" actId="20577"/>
-          <ac:spMkLst>
-            <pc:docMk/>
-            <pc:sldMk cId="1912783605" sldId="265"/>
-            <ac:spMk id="2" creationId="{E8FA8AB8-060B-4176-9102-DE93D286ABC7}"/>
-          </ac:spMkLst>
-        </pc:spChg>
-      </pc:sldChg>
-    </pc:docChg>
-  </pc:docChgLst>
-  <pc:docChgLst>
-    <pc:chgData name="Guest User" userId="S::urn:spo:anon#72c5720deaa68f254aac8efc0ea8d5e0a574867443caa9a0b7e211a72f51235c::" providerId="AD" clId="Web-{1F0C370F-ADC1-D9ED-CE23-79DA2C754CA7}"/>
-    <pc:docChg chg="modSld">
-      <pc:chgData name="Guest User" userId="S::urn:spo:anon#72c5720deaa68f254aac8efc0ea8d5e0a574867443caa9a0b7e211a72f51235c::" providerId="AD" clId="Web-{1F0C370F-ADC1-D9ED-CE23-79DA2C754CA7}" dt="2021-10-15T19:21:59.873" v="649" actId="20577"/>
-      <pc:docMkLst>
-        <pc:docMk/>
-      </pc:docMkLst>
-      <pc:sldChg chg="modSp">
-        <pc:chgData name="Guest User" userId="S::urn:spo:anon#72c5720deaa68f254aac8efc0ea8d5e0a574867443caa9a0b7e211a72f51235c::" providerId="AD" clId="Web-{1F0C370F-ADC1-D9ED-CE23-79DA2C754CA7}" dt="2021-10-15T19:21:59.873" v="649" actId="20577"/>
-        <pc:sldMkLst>
-          <pc:docMk/>
-          <pc:sldMk cId="109857222" sldId="256"/>
-        </pc:sldMkLst>
-        <pc:spChg chg="mod">
-          <ac:chgData name="Guest User" userId="S::urn:spo:anon#72c5720deaa68f254aac8efc0ea8d5e0a574867443caa9a0b7e211a72f51235c::" providerId="AD" clId="Web-{1F0C370F-ADC1-D9ED-CE23-79DA2C754CA7}" dt="2021-10-15T19:21:59.873" v="649" actId="20577"/>
-          <ac:spMkLst>
-            <pc:docMk/>
-            <pc:sldMk cId="109857222" sldId="256"/>
-            <ac:spMk id="3" creationId="{00000000-0000-0000-0000-000000000000}"/>
-          </ac:spMkLst>
-        </pc:spChg>
-      </pc:sldChg>
-      <pc:sldChg chg="modSp">
-        <pc:chgData name="Guest User" userId="S::urn:spo:anon#72c5720deaa68f254aac8efc0ea8d5e0a574867443caa9a0b7e211a72f51235c::" providerId="AD" clId="Web-{1F0C370F-ADC1-D9ED-CE23-79DA2C754CA7}" dt="2021-10-15T18:05:13.904" v="627" actId="20577"/>
-        <pc:sldMkLst>
-          <pc:docMk/>
-          <pc:sldMk cId="4210067527" sldId="258"/>
-        </pc:sldMkLst>
-        <pc:spChg chg="mod">
-          <ac:chgData name="Guest User" userId="S::urn:spo:anon#72c5720deaa68f254aac8efc0ea8d5e0a574867443caa9a0b7e211a72f51235c::" providerId="AD" clId="Web-{1F0C370F-ADC1-D9ED-CE23-79DA2C754CA7}" dt="2021-10-15T18:05:13.904" v="627" actId="20577"/>
-          <ac:spMkLst>
-            <pc:docMk/>
-            <pc:sldMk cId="4210067527" sldId="258"/>
-            <ac:spMk id="3" creationId="{41BF94BE-B895-47A8-AD1B-ECDD4E6EE575}"/>
-          </ac:spMkLst>
-        </pc:spChg>
-        <pc:spChg chg="mod">
-          <ac:chgData name="Guest User" userId="S::urn:spo:anon#72c5720deaa68f254aac8efc0ea8d5e0a574867443caa9a0b7e211a72f51235c::" providerId="AD" clId="Web-{1F0C370F-ADC1-D9ED-CE23-79DA2C754CA7}" dt="2021-10-15T18:04:41.528" v="611" actId="20577"/>
-          <ac:spMkLst>
-            <pc:docMk/>
-            <pc:sldMk cId="4210067527" sldId="258"/>
-            <ac:spMk id="4" creationId="{320AC5B4-EFFA-44B6-B094-865E799117AE}"/>
-          </ac:spMkLst>
-        </pc:spChg>
-      </pc:sldChg>
-      <pc:sldChg chg="modSp">
-        <pc:chgData name="Guest User" userId="S::urn:spo:anon#72c5720deaa68f254aac8efc0ea8d5e0a574867443caa9a0b7e211a72f51235c::" providerId="AD" clId="Web-{1F0C370F-ADC1-D9ED-CE23-79DA2C754CA7}" dt="2021-10-15T17:05:50.221" v="100" actId="20577"/>
-        <pc:sldMkLst>
-          <pc:docMk/>
-          <pc:sldMk cId="1680003108" sldId="259"/>
-        </pc:sldMkLst>
-        <pc:spChg chg="mod">
-          <ac:chgData name="Guest User" userId="S::urn:spo:anon#72c5720deaa68f254aac8efc0ea8d5e0a574867443caa9a0b7e211a72f51235c::" providerId="AD" clId="Web-{1F0C370F-ADC1-D9ED-CE23-79DA2C754CA7}" dt="2021-10-15T17:05:50.221" v="100" actId="20577"/>
-          <ac:spMkLst>
-            <pc:docMk/>
-            <pc:sldMk cId="1680003108" sldId="259"/>
-            <ac:spMk id="3" creationId="{41BF94BE-B895-47A8-AD1B-ECDD4E6EE575}"/>
-          </ac:spMkLst>
-        </pc:spChg>
-      </pc:sldChg>
-      <pc:sldChg chg="modSp">
-        <pc:chgData name="Guest User" userId="S::urn:spo:anon#72c5720deaa68f254aac8efc0ea8d5e0a574867443caa9a0b7e211a72f51235c::" providerId="AD" clId="Web-{1F0C370F-ADC1-D9ED-CE23-79DA2C754CA7}" dt="2021-10-15T18:01:09.393" v="466" actId="20577"/>
-        <pc:sldMkLst>
-          <pc:docMk/>
-          <pc:sldMk cId="3897879143" sldId="260"/>
-        </pc:sldMkLst>
-        <pc:spChg chg="mod">
-          <ac:chgData name="Guest User" userId="S::urn:spo:anon#72c5720deaa68f254aac8efc0ea8d5e0a574867443caa9a0b7e211a72f51235c::" providerId="AD" clId="Web-{1F0C370F-ADC1-D9ED-CE23-79DA2C754CA7}" dt="2021-10-15T17:50:02.017" v="296" actId="20577"/>
-          <ac:spMkLst>
-            <pc:docMk/>
-            <pc:sldMk cId="3897879143" sldId="260"/>
-            <ac:spMk id="3" creationId="{41BF94BE-B895-47A8-AD1B-ECDD4E6EE575}"/>
-          </ac:spMkLst>
-        </pc:spChg>
-        <pc:spChg chg="mod">
-          <ac:chgData name="Guest User" userId="S::urn:spo:anon#72c5720deaa68f254aac8efc0ea8d5e0a574867443caa9a0b7e211a72f51235c::" providerId="AD" clId="Web-{1F0C370F-ADC1-D9ED-CE23-79DA2C754CA7}" dt="2021-10-15T18:01:09.393" v="466" actId="20577"/>
-          <ac:spMkLst>
-            <pc:docMk/>
-            <pc:sldMk cId="3897879143" sldId="260"/>
-            <ac:spMk id="4" creationId="{320AC5B4-EFFA-44B6-B094-865E799117AE}"/>
-          </ac:spMkLst>
-        </pc:spChg>
-      </pc:sldChg>
-      <pc:sldChg chg="modSp">
-        <pc:chgData name="Guest User" userId="S::urn:spo:anon#72c5720deaa68f254aac8efc0ea8d5e0a574867443caa9a0b7e211a72f51235c::" providerId="AD" clId="Web-{1F0C370F-ADC1-D9ED-CE23-79DA2C754CA7}" dt="2021-10-15T18:01:43.082" v="483" actId="20577"/>
-        <pc:sldMkLst>
-          <pc:docMk/>
-          <pc:sldMk cId="1830676071" sldId="261"/>
-        </pc:sldMkLst>
-        <pc:spChg chg="mod">
-          <ac:chgData name="Guest User" userId="S::urn:spo:anon#72c5720deaa68f254aac8efc0ea8d5e0a574867443caa9a0b7e211a72f51235c::" providerId="AD" clId="Web-{1F0C370F-ADC1-D9ED-CE23-79DA2C754CA7}" dt="2021-10-15T18:01:43.082" v="483" actId="20577"/>
-          <ac:spMkLst>
-            <pc:docMk/>
-            <pc:sldMk cId="1830676071" sldId="261"/>
-            <ac:spMk id="4" creationId="{320AC5B4-EFFA-44B6-B094-865E799117AE}"/>
-          </ac:spMkLst>
-        </pc:spChg>
-      </pc:sldChg>
-      <pc:sldChg chg="modSp">
-        <pc:chgData name="Guest User" userId="S::urn:spo:anon#72c5720deaa68f254aac8efc0ea8d5e0a574867443caa9a0b7e211a72f51235c::" providerId="AD" clId="Web-{1F0C370F-ADC1-D9ED-CE23-79DA2C754CA7}" dt="2021-10-15T18:02:46.147" v="564" actId="20577"/>
-        <pc:sldMkLst>
-          <pc:docMk/>
-          <pc:sldMk cId="3551447798" sldId="262"/>
-        </pc:sldMkLst>
-        <pc:spChg chg="mod">
-          <ac:chgData name="Guest User" userId="S::urn:spo:anon#72c5720deaa68f254aac8efc0ea8d5e0a574867443caa9a0b7e211a72f51235c::" providerId="AD" clId="Web-{1F0C370F-ADC1-D9ED-CE23-79DA2C754CA7}" dt="2021-10-15T18:02:46.147" v="564" actId="20577"/>
-          <ac:spMkLst>
-            <pc:docMk/>
-            <pc:sldMk cId="3551447798" sldId="262"/>
-            <ac:spMk id="4" creationId="{320AC5B4-EFFA-44B6-B094-865E799117AE}"/>
-          </ac:spMkLst>
-        </pc:spChg>
-      </pc:sldChg>
-      <pc:sldChg chg="modSp">
-        <pc:chgData name="Guest User" userId="S::urn:spo:anon#72c5720deaa68f254aac8efc0ea8d5e0a574867443caa9a0b7e211a72f51235c::" providerId="AD" clId="Web-{1F0C370F-ADC1-D9ED-CE23-79DA2C754CA7}" dt="2021-10-15T18:02:59.976" v="566" actId="20577"/>
-        <pc:sldMkLst>
-          <pc:docMk/>
-          <pc:sldMk cId="2117415416" sldId="264"/>
-        </pc:sldMkLst>
-        <pc:spChg chg="mod">
-          <ac:chgData name="Guest User" userId="S::urn:spo:anon#72c5720deaa68f254aac8efc0ea8d5e0a574867443caa9a0b7e211a72f51235c::" providerId="AD" clId="Web-{1F0C370F-ADC1-D9ED-CE23-79DA2C754CA7}" dt="2021-10-15T18:02:59.976" v="566" actId="20577"/>
-          <ac:spMkLst>
-            <pc:docMk/>
-            <pc:sldMk cId="2117415416" sldId="264"/>
-            <ac:spMk id="4" creationId="{320AC5B4-EFFA-44B6-B094-865E799117AE}"/>
-          </ac:spMkLst>
-        </pc:spChg>
-      </pc:sldChg>
-      <pc:sldChg chg="modSp delCm">
-        <pc:chgData name="Guest User" userId="S::urn:spo:anon#72c5720deaa68f254aac8efc0ea8d5e0a574867443caa9a0b7e211a72f51235c::" providerId="AD" clId="Web-{1F0C370F-ADC1-D9ED-CE23-79DA2C754CA7}" dt="2021-10-15T18:01:58.551" v="507" actId="20577"/>
-        <pc:sldMkLst>
-          <pc:docMk/>
-          <pc:sldMk cId="1148785392" sldId="265"/>
-        </pc:sldMkLst>
-        <pc:spChg chg="mod">
-          <ac:chgData name="Guest User" userId="S::urn:spo:anon#72c5720deaa68f254aac8efc0ea8d5e0a574867443caa9a0b7e211a72f51235c::" providerId="AD" clId="Web-{1F0C370F-ADC1-D9ED-CE23-79DA2C754CA7}" dt="2021-10-15T17:57:35.664" v="421" actId="20577"/>
-          <ac:spMkLst>
-            <pc:docMk/>
-            <pc:sldMk cId="1148785392" sldId="265"/>
-            <ac:spMk id="3" creationId="{41BF94BE-B895-47A8-AD1B-ECDD4E6EE575}"/>
-          </ac:spMkLst>
-        </pc:spChg>
-        <pc:spChg chg="mod">
-          <ac:chgData name="Guest User" userId="S::urn:spo:anon#72c5720deaa68f254aac8efc0ea8d5e0a574867443caa9a0b7e211a72f51235c::" providerId="AD" clId="Web-{1F0C370F-ADC1-D9ED-CE23-79DA2C754CA7}" dt="2021-10-15T18:01:58.551" v="507" actId="20577"/>
-          <ac:spMkLst>
-            <pc:docMk/>
-            <pc:sldMk cId="1148785392" sldId="265"/>
-            <ac:spMk id="4" creationId="{320AC5B4-EFFA-44B6-B094-865E799117AE}"/>
-          </ac:spMkLst>
-        </pc:spChg>
-      </pc:sldChg>
-      <pc:sldChg chg="modSp delCm">
-        <pc:chgData name="Guest User" userId="S::urn:spo:anon#72c5720deaa68f254aac8efc0ea8d5e0a574867443caa9a0b7e211a72f51235c::" providerId="AD" clId="Web-{1F0C370F-ADC1-D9ED-CE23-79DA2C754CA7}" dt="2021-10-15T18:03:03.820" v="567" actId="20577"/>
-        <pc:sldMkLst>
-          <pc:docMk/>
-          <pc:sldMk cId="1641759715" sldId="270"/>
-        </pc:sldMkLst>
-        <pc:spChg chg="mod">
-          <ac:chgData name="Guest User" userId="S::urn:spo:anon#72c5720deaa68f254aac8efc0ea8d5e0a574867443caa9a0b7e211a72f51235c::" providerId="AD" clId="Web-{1F0C370F-ADC1-D9ED-CE23-79DA2C754CA7}" dt="2021-10-15T17:59:45.936" v="429" actId="20577"/>
-          <ac:spMkLst>
-            <pc:docMk/>
-            <pc:sldMk cId="1641759715" sldId="270"/>
-            <ac:spMk id="3" creationId="{41BF94BE-B895-47A8-AD1B-ECDD4E6EE575}"/>
-          </ac:spMkLst>
-        </pc:spChg>
-        <pc:spChg chg="mod">
-          <ac:chgData name="Guest User" userId="S::urn:spo:anon#72c5720deaa68f254aac8efc0ea8d5e0a574867443caa9a0b7e211a72f51235c::" providerId="AD" clId="Web-{1F0C370F-ADC1-D9ED-CE23-79DA2C754CA7}" dt="2021-10-15T18:03:03.820" v="567" actId="20577"/>
-          <ac:spMkLst>
-            <pc:docMk/>
-            <pc:sldMk cId="1641759715" sldId="270"/>
-            <ac:spMk id="4" creationId="{320AC5B4-EFFA-44B6-B094-865E799117AE}"/>
-          </ac:spMkLst>
-        </pc:spChg>
-      </pc:sldChg>
-      <pc:sldChg chg="modSp">
-        <pc:chgData name="Guest User" userId="S::urn:spo:anon#72c5720deaa68f254aac8efc0ea8d5e0a574867443caa9a0b7e211a72f51235c::" providerId="AD" clId="Web-{1F0C370F-ADC1-D9ED-CE23-79DA2C754CA7}" dt="2021-10-15T18:03:07.133" v="569" actId="20577"/>
-        <pc:sldMkLst>
-          <pc:docMk/>
-          <pc:sldMk cId="3261510237" sldId="271"/>
-        </pc:sldMkLst>
-        <pc:spChg chg="mod">
-          <ac:chgData name="Guest User" userId="S::urn:spo:anon#72c5720deaa68f254aac8efc0ea8d5e0a574867443caa9a0b7e211a72f51235c::" providerId="AD" clId="Web-{1F0C370F-ADC1-D9ED-CE23-79DA2C754CA7}" dt="2021-10-15T18:03:07.133" v="569" actId="20577"/>
-          <ac:spMkLst>
-            <pc:docMk/>
-            <pc:sldMk cId="3261510237" sldId="271"/>
-            <ac:spMk id="4" creationId="{320AC5B4-EFFA-44B6-B094-865E799117AE}"/>
-          </ac:spMkLst>
-        </pc:spChg>
-      </pc:sldChg>
-      <pc:sldChg chg="modSp">
-        <pc:chgData name="Guest User" userId="S::urn:spo:anon#72c5720deaa68f254aac8efc0ea8d5e0a574867443caa9a0b7e211a72f51235c::" providerId="AD" clId="Web-{1F0C370F-ADC1-D9ED-CE23-79DA2C754CA7}" dt="2021-10-15T17:58:01.243" v="427" actId="20577"/>
-        <pc:sldMkLst>
-          <pc:docMk/>
-          <pc:sldMk cId="1970194833" sldId="272"/>
-        </pc:sldMkLst>
-        <pc:spChg chg="mod">
-          <ac:chgData name="Guest User" userId="S::urn:spo:anon#72c5720deaa68f254aac8efc0ea8d5e0a574867443caa9a0b7e211a72f51235c::" providerId="AD" clId="Web-{1F0C370F-ADC1-D9ED-CE23-79DA2C754CA7}" dt="2021-10-15T17:58:01.243" v="427" actId="20577"/>
-          <ac:spMkLst>
-            <pc:docMk/>
-            <pc:sldMk cId="1970194833" sldId="272"/>
-            <ac:spMk id="4" creationId="{320AC5B4-EFFA-44B6-B094-865E799117AE}"/>
-          </ac:spMkLst>
-        </pc:spChg>
-      </pc:sldChg>
-      <pc:sldChg chg="modSp">
-        <pc:chgData name="Guest User" userId="S::urn:spo:anon#72c5720deaa68f254aac8efc0ea8d5e0a574867443caa9a0b7e211a72f51235c::" providerId="AD" clId="Web-{1F0C370F-ADC1-D9ED-CE23-79DA2C754CA7}" dt="2021-10-15T18:03:55.447" v="573" actId="20577"/>
-        <pc:sldMkLst>
-          <pc:docMk/>
-          <pc:sldMk cId="2854695675" sldId="273"/>
-        </pc:sldMkLst>
-        <pc:spChg chg="mod">
-          <ac:chgData name="Guest User" userId="S::urn:spo:anon#72c5720deaa68f254aac8efc0ea8d5e0a574867443caa9a0b7e211a72f51235c::" providerId="AD" clId="Web-{1F0C370F-ADC1-D9ED-CE23-79DA2C754CA7}" dt="2021-10-15T17:55:41.205" v="362" actId="20577"/>
-          <ac:spMkLst>
-            <pc:docMk/>
-            <pc:sldMk cId="2854695675" sldId="273"/>
-            <ac:spMk id="3" creationId="{41BF94BE-B895-47A8-AD1B-ECDD4E6EE575}"/>
-          </ac:spMkLst>
-        </pc:spChg>
-        <pc:spChg chg="mod">
-          <ac:chgData name="Guest User" userId="S::urn:spo:anon#72c5720deaa68f254aac8efc0ea8d5e0a574867443caa9a0b7e211a72f51235c::" providerId="AD" clId="Web-{1F0C370F-ADC1-D9ED-CE23-79DA2C754CA7}" dt="2021-10-15T18:03:55.447" v="573" actId="20577"/>
-          <ac:spMkLst>
-            <pc:docMk/>
-            <pc:sldMk cId="2854695675" sldId="273"/>
-            <ac:spMk id="4" creationId="{320AC5B4-EFFA-44B6-B094-865E799117AE}"/>
-          </ac:spMkLst>
-        </pc:spChg>
-      </pc:sldChg>
-    </pc:docChg>
-  </pc:docChgLst>
-  <pc:docChgLst>
-    <pc:chgData name="Guest User" userId="S::urn:spo:anon#72c5720deaa68f254aac8efc0ea8d5e0a574867443caa9a0b7e211a72f51235c::" providerId="AD" clId="Web-{610DBD9A-905C-7B81-D922-EF4C6691F615}"/>
-    <pc:docChg chg="delSld modSld">
-      <pc:chgData name="Guest User" userId="S::urn:spo:anon#72c5720deaa68f254aac8efc0ea8d5e0a574867443caa9a0b7e211a72f51235c::" providerId="AD" clId="Web-{610DBD9A-905C-7B81-D922-EF4C6691F615}" dt="2021-10-15T16:08:39.834" v="20" actId="20577"/>
-      <pc:docMkLst>
-        <pc:docMk/>
-      </pc:docMkLst>
-      <pc:sldChg chg="modSp">
-        <pc:chgData name="Guest User" userId="S::urn:spo:anon#72c5720deaa68f254aac8efc0ea8d5e0a574867443caa9a0b7e211a72f51235c::" providerId="AD" clId="Web-{610DBD9A-905C-7B81-D922-EF4C6691F615}" dt="2021-10-15T16:04:36.950" v="2" actId="20577"/>
-        <pc:sldMkLst>
-          <pc:docMk/>
-          <pc:sldMk cId="1680003108" sldId="259"/>
-        </pc:sldMkLst>
-        <pc:spChg chg="mod">
-          <ac:chgData name="Guest User" userId="S::urn:spo:anon#72c5720deaa68f254aac8efc0ea8d5e0a574867443caa9a0b7e211a72f51235c::" providerId="AD" clId="Web-{610DBD9A-905C-7B81-D922-EF4C6691F615}" dt="2021-10-15T16:04:36.950" v="2" actId="20577"/>
-          <ac:spMkLst>
-            <pc:docMk/>
-            <pc:sldMk cId="1680003108" sldId="259"/>
-            <ac:spMk id="3" creationId="{41BF94BE-B895-47A8-AD1B-ECDD4E6EE575}"/>
-          </ac:spMkLst>
-        </pc:spChg>
-      </pc:sldChg>
-      <pc:sldChg chg="del">
-        <pc:chgData name="Guest User" userId="S::urn:spo:anon#72c5720deaa68f254aac8efc0ea8d5e0a574867443caa9a0b7e211a72f51235c::" providerId="AD" clId="Web-{610DBD9A-905C-7B81-D922-EF4C6691F615}" dt="2021-10-15T16:03:36.760" v="0"/>
-        <pc:sldMkLst>
-          <pc:docMk/>
-          <pc:sldMk cId="549344656" sldId="266"/>
-        </pc:sldMkLst>
-      </pc:sldChg>
-      <pc:sldChg chg="modSp">
-        <pc:chgData name="Guest User" userId="S::urn:spo:anon#72c5720deaa68f254aac8efc0ea8d5e0a574867443caa9a0b7e211a72f51235c::" providerId="AD" clId="Web-{610DBD9A-905C-7B81-D922-EF4C6691F615}" dt="2021-10-15T16:08:39.834" v="20" actId="20577"/>
-        <pc:sldMkLst>
-          <pc:docMk/>
-          <pc:sldMk cId="2854695675" sldId="273"/>
-        </pc:sldMkLst>
-        <pc:spChg chg="mod">
-          <ac:chgData name="Guest User" userId="S::urn:spo:anon#72c5720deaa68f254aac8efc0ea8d5e0a574867443caa9a0b7e211a72f51235c::" providerId="AD" clId="Web-{610DBD9A-905C-7B81-D922-EF4C6691F615}" dt="2021-10-15T16:08:39.834" v="20" actId="20577"/>
-          <ac:spMkLst>
-            <pc:docMk/>
-            <pc:sldMk cId="2854695675" sldId="273"/>
-            <ac:spMk id="3" creationId="{41BF94BE-B895-47A8-AD1B-ECDD4E6EE575}"/>
-          </ac:spMkLst>
-        </pc:spChg>
-      </pc:sldChg>
-    </pc:docChg>
-  </pc:docChgLst>
-  <pc:docChgLst>
-    <pc:chgData name="Guest User" userId="S::urn:spo:anon#72c5720deaa68f254aac8efc0ea8d5e0a574867443caa9a0b7e211a72f51235c::" providerId="AD" clId="Web-{ABAD65F0-9FD1-FA11-215C-4AEA3FC06AAB}"/>
-    <pc:docChg chg="addSld modSld">
-      <pc:chgData name="Guest User" userId="S::urn:spo:anon#72c5720deaa68f254aac8efc0ea8d5e0a574867443caa9a0b7e211a72f51235c::" providerId="AD" clId="Web-{ABAD65F0-9FD1-FA11-215C-4AEA3FC06AAB}" dt="2021-10-14T19:01:54.675" v="400" actId="20577"/>
-      <pc:docMkLst>
-        <pc:docMk/>
-      </pc:docMkLst>
-      <pc:sldChg chg="modSp delCm">
-        <pc:chgData name="Guest User" userId="S::urn:spo:anon#72c5720deaa68f254aac8efc0ea8d5e0a574867443caa9a0b7e211a72f51235c::" providerId="AD" clId="Web-{ABAD65F0-9FD1-FA11-215C-4AEA3FC06AAB}" dt="2021-10-14T19:01:54.675" v="400" actId="20577"/>
-        <pc:sldMkLst>
-          <pc:docMk/>
-          <pc:sldMk cId="1680003108" sldId="259"/>
-        </pc:sldMkLst>
-        <pc:spChg chg="mod">
-          <ac:chgData name="Guest User" userId="S::urn:spo:anon#72c5720deaa68f254aac8efc0ea8d5e0a574867443caa9a0b7e211a72f51235c::" providerId="AD" clId="Web-{ABAD65F0-9FD1-FA11-215C-4AEA3FC06AAB}" dt="2021-10-14T18:38:42.003" v="5" actId="20577"/>
-          <ac:spMkLst>
-            <pc:docMk/>
-            <pc:sldMk cId="1680003108" sldId="259"/>
-            <ac:spMk id="2" creationId="{DF7BA0E1-31E1-423F-B5FB-2BC813221B19}"/>
-          </ac:spMkLst>
-        </pc:spChg>
-        <pc:spChg chg="mod">
-          <ac:chgData name="Guest User" userId="S::urn:spo:anon#72c5720deaa68f254aac8efc0ea8d5e0a574867443caa9a0b7e211a72f51235c::" providerId="AD" clId="Web-{ABAD65F0-9FD1-FA11-215C-4AEA3FC06AAB}" dt="2021-10-14T19:01:54.675" v="400" actId="20577"/>
-          <ac:spMkLst>
-            <pc:docMk/>
-            <pc:sldMk cId="1680003108" sldId="259"/>
-            <ac:spMk id="3" creationId="{41BF94BE-B895-47A8-AD1B-ECDD4E6EE575}"/>
-          </ac:spMkLst>
-        </pc:spChg>
-        <pc:spChg chg="mod">
-          <ac:chgData name="Guest User" userId="S::urn:spo:anon#72c5720deaa68f254aac8efc0ea8d5e0a574867443caa9a0b7e211a72f51235c::" providerId="AD" clId="Web-{ABAD65F0-9FD1-FA11-215C-4AEA3FC06AAB}" dt="2021-10-14T19:01:51.440" v="388" actId="20577"/>
-          <ac:spMkLst>
-            <pc:docMk/>
-            <pc:sldMk cId="1680003108" sldId="259"/>
-            <ac:spMk id="4" creationId="{320AC5B4-EFFA-44B6-B094-865E799117AE}"/>
-          </ac:spMkLst>
-        </pc:spChg>
-      </pc:sldChg>
-      <pc:sldChg chg="modSp add replId delCm">
-        <pc:chgData name="Guest User" userId="S::urn:spo:anon#72c5720deaa68f254aac8efc0ea8d5e0a574867443caa9a0b7e211a72f51235c::" providerId="AD" clId="Web-{ABAD65F0-9FD1-FA11-215C-4AEA3FC06AAB}" dt="2021-10-14T18:59:26.418" v="246"/>
-        <pc:sldMkLst>
-          <pc:docMk/>
-          <pc:sldMk cId="1970194833" sldId="272"/>
-        </pc:sldMkLst>
-        <pc:spChg chg="mod">
-          <ac:chgData name="Guest User" userId="S::urn:spo:anon#72c5720deaa68f254aac8efc0ea8d5e0a574867443caa9a0b7e211a72f51235c::" providerId="AD" clId="Web-{ABAD65F0-9FD1-FA11-215C-4AEA3FC06AAB}" dt="2021-10-14T18:38:59.644" v="12" actId="20577"/>
-          <ac:spMkLst>
-            <pc:docMk/>
-            <pc:sldMk cId="1970194833" sldId="272"/>
-            <ac:spMk id="2" creationId="{DF7BA0E1-31E1-423F-B5FB-2BC813221B19}"/>
-          </ac:spMkLst>
-        </pc:spChg>
-        <pc:spChg chg="mod">
-          <ac:chgData name="Guest User" userId="S::urn:spo:anon#72c5720deaa68f254aac8efc0ea8d5e0a574867443caa9a0b7e211a72f51235c::" providerId="AD" clId="Web-{ABAD65F0-9FD1-FA11-215C-4AEA3FC06AAB}" dt="2021-10-14T18:54:20.139" v="164" actId="20577"/>
-          <ac:spMkLst>
-            <pc:docMk/>
-            <pc:sldMk cId="1970194833" sldId="272"/>
-            <ac:spMk id="3" creationId="{41BF94BE-B895-47A8-AD1B-ECDD4E6EE575}"/>
-          </ac:spMkLst>
-        </pc:spChg>
-        <pc:spChg chg="mod">
-          <ac:chgData name="Guest User" userId="S::urn:spo:anon#72c5720deaa68f254aac8efc0ea8d5e0a574867443caa9a0b7e211a72f51235c::" providerId="AD" clId="Web-{ABAD65F0-9FD1-FA11-215C-4AEA3FC06AAB}" dt="2021-10-14T18:54:17.170" v="160" actId="20577"/>
-          <ac:spMkLst>
-            <pc:docMk/>
-            <pc:sldMk cId="1970194833" sldId="272"/>
-            <ac:spMk id="4" creationId="{320AC5B4-EFFA-44B6-B094-865E799117AE}"/>
-          </ac:spMkLst>
-        </pc:spChg>
-      </pc:sldChg>
-    </pc:docChg>
-  </pc:docChgLst>
-  <pc:docChgLst>
-    <pc:chgData name="Guest User" userId="S::urn:spo:anon#72c5720deaa68f254aac8efc0ea8d5e0a574867443caa9a0b7e211a72f51235c::" providerId="AD" clId="Web-{DF0C2BCD-17B7-CF2C-B7B4-BC1084EFB969}"/>
-    <pc:docChg chg="modSld">
-      <pc:chgData name="Guest User" userId="S::urn:spo:anon#72c5720deaa68f254aac8efc0ea8d5e0a574867443caa9a0b7e211a72f51235c::" providerId="AD" clId="Web-{DF0C2BCD-17B7-CF2C-B7B4-BC1084EFB969}" dt="2021-10-06T20:55:40.019" v="70" actId="20577"/>
-      <pc:docMkLst>
-        <pc:docMk/>
-      </pc:docMkLst>
-      <pc:sldChg chg="modSp">
-        <pc:chgData name="Guest User" userId="S::urn:spo:anon#72c5720deaa68f254aac8efc0ea8d5e0a574867443caa9a0b7e211a72f51235c::" providerId="AD" clId="Web-{DF0C2BCD-17B7-CF2C-B7B4-BC1084EFB969}" dt="2021-10-06T20:55:09.551" v="54" actId="20577"/>
-        <pc:sldMkLst>
-          <pc:docMk/>
-          <pc:sldMk cId="3358865612" sldId="257"/>
-        </pc:sldMkLst>
-        <pc:spChg chg="mod">
-          <ac:chgData name="Guest User" userId="S::urn:spo:anon#72c5720deaa68f254aac8efc0ea8d5e0a574867443caa9a0b7e211a72f51235c::" providerId="AD" clId="Web-{DF0C2BCD-17B7-CF2C-B7B4-BC1084EFB969}" dt="2021-10-06T20:55:09.551" v="54" actId="20577"/>
-          <ac:spMkLst>
-            <pc:docMk/>
-            <pc:sldMk cId="3358865612" sldId="257"/>
-            <ac:spMk id="2" creationId="{D5DE2408-689C-4C2E-AB7A-103011392E09}"/>
-          </ac:spMkLst>
-        </pc:spChg>
-      </pc:sldChg>
-      <pc:sldChg chg="modSp">
-        <pc:chgData name="Guest User" userId="S::urn:spo:anon#72c5720deaa68f254aac8efc0ea8d5e0a574867443caa9a0b7e211a72f51235c::" providerId="AD" clId="Web-{DF0C2BCD-17B7-CF2C-B7B4-BC1084EFB969}" dt="2021-10-06T20:55:16.035" v="61" actId="20577"/>
-        <pc:sldMkLst>
-          <pc:docMk/>
-          <pc:sldMk cId="533009411" sldId="258"/>
-        </pc:sldMkLst>
-        <pc:spChg chg="mod">
-          <ac:chgData name="Guest User" userId="S::urn:spo:anon#72c5720deaa68f254aac8efc0ea8d5e0a574867443caa9a0b7e211a72f51235c::" providerId="AD" clId="Web-{DF0C2BCD-17B7-CF2C-B7B4-BC1084EFB969}" dt="2021-10-06T20:55:16.035" v="61" actId="20577"/>
-          <ac:spMkLst>
-            <pc:docMk/>
-            <pc:sldMk cId="533009411" sldId="258"/>
-            <ac:spMk id="2" creationId="{D5DE2408-689C-4C2E-AB7A-103011392E09}"/>
-          </ac:spMkLst>
-        </pc:spChg>
-      </pc:sldChg>
-      <pc:sldChg chg="modSp">
-        <pc:chgData name="Guest User" userId="S::urn:spo:anon#72c5720deaa68f254aac8efc0ea8d5e0a574867443caa9a0b7e211a72f51235c::" providerId="AD" clId="Web-{DF0C2BCD-17B7-CF2C-B7B4-BC1084EFB969}" dt="2021-10-06T20:55:21.191" v="62" actId="20577"/>
-        <pc:sldMkLst>
-          <pc:docMk/>
-          <pc:sldMk cId="3891368792" sldId="259"/>
-        </pc:sldMkLst>
-        <pc:spChg chg="mod">
-          <ac:chgData name="Guest User" userId="S::urn:spo:anon#72c5720deaa68f254aac8efc0ea8d5e0a574867443caa9a0b7e211a72f51235c::" providerId="AD" clId="Web-{DF0C2BCD-17B7-CF2C-B7B4-BC1084EFB969}" dt="2021-10-06T20:55:21.191" v="62" actId="20577"/>
-          <ac:spMkLst>
-            <pc:docMk/>
-            <pc:sldMk cId="3891368792" sldId="259"/>
-            <ac:spMk id="2" creationId="{D5DE2408-689C-4C2E-AB7A-103011392E09}"/>
-          </ac:spMkLst>
-        </pc:spChg>
-      </pc:sldChg>
-      <pc:sldChg chg="modSp">
-        <pc:chgData name="Guest User" userId="S::urn:spo:anon#72c5720deaa68f254aac8efc0ea8d5e0a574867443caa9a0b7e211a72f51235c::" providerId="AD" clId="Web-{DF0C2BCD-17B7-CF2C-B7B4-BC1084EFB969}" dt="2021-10-06T20:55:40.019" v="70" actId="20577"/>
-        <pc:sldMkLst>
-          <pc:docMk/>
-          <pc:sldMk cId="1272629317" sldId="264"/>
-        </pc:sldMkLst>
-        <pc:spChg chg="mod">
-          <ac:chgData name="Guest User" userId="S::urn:spo:anon#72c5720deaa68f254aac8efc0ea8d5e0a574867443caa9a0b7e211a72f51235c::" providerId="AD" clId="Web-{DF0C2BCD-17B7-CF2C-B7B4-BC1084EFB969}" dt="2021-10-06T20:55:35.238" v="69" actId="20577"/>
-          <ac:spMkLst>
-            <pc:docMk/>
-            <pc:sldMk cId="1272629317" sldId="264"/>
-            <ac:spMk id="2" creationId="{5D64F029-0AC4-421F-A2B0-1BEAEE0D3E22}"/>
-          </ac:spMkLst>
-        </pc:spChg>
-        <pc:spChg chg="mod">
-          <ac:chgData name="Guest User" userId="S::urn:spo:anon#72c5720deaa68f254aac8efc0ea8d5e0a574867443caa9a0b7e211a72f51235c::" providerId="AD" clId="Web-{DF0C2BCD-17B7-CF2C-B7B4-BC1084EFB969}" dt="2021-10-06T20:55:40.019" v="70" actId="20577"/>
-          <ac:spMkLst>
-            <pc:docMk/>
-            <pc:sldMk cId="1272629317" sldId="264"/>
-            <ac:spMk id="3" creationId="{AE796E4D-989A-4354-A199-9CEBD8F15D2D}"/>
-          </ac:spMkLst>
-        </pc:spChg>
-      </pc:sldChg>
-      <pc:sldChg chg="modSp">
-        <pc:chgData name="Guest User" userId="S::urn:spo:anon#72c5720deaa68f254aac8efc0ea8d5e0a574867443caa9a0b7e211a72f51235c::" providerId="AD" clId="Web-{DF0C2BCD-17B7-CF2C-B7B4-BC1084EFB969}" dt="2021-10-06T20:55:29.004" v="66" actId="20577"/>
-        <pc:sldMkLst>
-          <pc:docMk/>
-          <pc:sldMk cId="1912783605" sldId="265"/>
-        </pc:sldMkLst>
-        <pc:spChg chg="mod">
-          <ac:chgData name="Guest User" userId="S::urn:spo:anon#72c5720deaa68f254aac8efc0ea8d5e0a574867443caa9a0b7e211a72f51235c::" providerId="AD" clId="Web-{DF0C2BCD-17B7-CF2C-B7B4-BC1084EFB969}" dt="2021-10-06T20:55:29.004" v="66" actId="20577"/>
-          <ac:spMkLst>
-            <pc:docMk/>
-            <pc:sldMk cId="1912783605" sldId="265"/>
-            <ac:spMk id="2" creationId="{E8FA8AB8-060B-4176-9102-DE93D286ABC7}"/>
-          </ac:spMkLst>
-        </pc:spChg>
-      </pc:sldChg>
-    </pc:docChg>
-  </pc:docChgLst>
-  <pc:docChgLst>
-    <pc:chgData name="Patricia Ding" userId="cd042982-3d61-4be1-9d3c-ee5f666787f0" providerId="ADAL" clId="{32334593-B33C-4DE8-A7CE-A6EA15CCBF8B}"/>
-    <pc:docChg chg="custSel addSld delSld modSld">
-      <pc:chgData name="Patricia Ding" userId="cd042982-3d61-4be1-9d3c-ee5f666787f0" providerId="ADAL" clId="{32334593-B33C-4DE8-A7CE-A6EA15CCBF8B}" dt="2021-10-06T18:51:00.910" v="9" actId="2696"/>
-      <pc:docMkLst>
-        <pc:docMk/>
-      </pc:docMkLst>
-      <pc:sldChg chg="addSp delSp modSp new del mod modClrScheme chgLayout">
-        <pc:chgData name="Patricia Ding" userId="cd042982-3d61-4be1-9d3c-ee5f666787f0" providerId="ADAL" clId="{32334593-B33C-4DE8-A7CE-A6EA15CCBF8B}" dt="2021-10-06T18:51:00.910" v="9" actId="2696"/>
-        <pc:sldMkLst>
-          <pc:docMk/>
-          <pc:sldMk cId="2450501893" sldId="266"/>
-        </pc:sldMkLst>
-        <pc:spChg chg="del">
-          <ac:chgData name="Patricia Ding" userId="cd042982-3d61-4be1-9d3c-ee5f666787f0" providerId="ADAL" clId="{32334593-B33C-4DE8-A7CE-A6EA15CCBF8B}" dt="2021-10-06T18:49:58.404" v="1" actId="700"/>
-          <ac:spMkLst>
-            <pc:docMk/>
-            <pc:sldMk cId="2450501893" sldId="266"/>
-            <ac:spMk id="2" creationId="{17149DE8-745E-4A9D-848C-5F3F43DDDDF6}"/>
-          </ac:spMkLst>
-        </pc:spChg>
-        <pc:spChg chg="del">
-          <ac:chgData name="Patricia Ding" userId="cd042982-3d61-4be1-9d3c-ee5f666787f0" providerId="ADAL" clId="{32334593-B33C-4DE8-A7CE-A6EA15CCBF8B}" dt="2021-10-06T18:49:58.404" v="1" actId="700"/>
-          <ac:spMkLst>
-            <pc:docMk/>
-            <pc:sldMk cId="2450501893" sldId="266"/>
-            <ac:spMk id="3" creationId="{CEDD7919-EE95-48D3-8B47-BC6B9EC1BF17}"/>
-          </ac:spMkLst>
-        </pc:spChg>
-        <pc:spChg chg="add mod">
-          <ac:chgData name="Patricia Ding" userId="cd042982-3d61-4be1-9d3c-ee5f666787f0" providerId="ADAL" clId="{32334593-B33C-4DE8-A7CE-A6EA15CCBF8B}" dt="2021-10-06T18:50:41.750" v="8" actId="1076"/>
-          <ac:spMkLst>
-            <pc:docMk/>
-            <pc:sldMk cId="2450501893" sldId="266"/>
-            <ac:spMk id="4" creationId="{58832D54-562D-433B-BB26-C7B4D0795B7E}"/>
-          </ac:spMkLst>
-        </pc:spChg>
-      </pc:sldChg>
-    </pc:docChg>
-  </pc:docChgLst>
-  <pc:docChgLst>
-    <pc:chgData name="Guest User" userId="S::urn:spo:anon#72c5720deaa68f254aac8efc0ea8d5e0a574867443caa9a0b7e211a72f51235c::" providerId="AD" clId="Web-{22D8F910-780E-4275-BFC3-A8312261B8BE}"/>
-    <pc:docChg chg="addSld delSld modSld">
-      <pc:chgData name="Guest User" userId="S::urn:spo:anon#72c5720deaa68f254aac8efc0ea8d5e0a574867443caa9a0b7e211a72f51235c::" providerId="AD" clId="Web-{22D8F910-780E-4275-BFC3-A8312261B8BE}" dt="2021-10-14T15:54:27.092" v="2739" actId="20577"/>
-      <pc:docMkLst>
-        <pc:docMk/>
-      </pc:docMkLst>
-      <pc:sldChg chg="modSp">
-        <pc:chgData name="Guest User" userId="S::urn:spo:anon#72c5720deaa68f254aac8efc0ea8d5e0a574867443caa9a0b7e211a72f51235c::" providerId="AD" clId="Web-{22D8F910-780E-4275-BFC3-A8312261B8BE}" dt="2021-10-14T15:50:08.035" v="2712" actId="20577"/>
-        <pc:sldMkLst>
-          <pc:docMk/>
-          <pc:sldMk cId="4210067527" sldId="258"/>
-        </pc:sldMkLst>
-        <pc:spChg chg="mod">
-          <ac:chgData name="Guest User" userId="S::urn:spo:anon#72c5720deaa68f254aac8efc0ea8d5e0a574867443caa9a0b7e211a72f51235c::" providerId="AD" clId="Web-{22D8F910-780E-4275-BFC3-A8312261B8BE}" dt="2021-10-14T15:33:13.358" v="2511" actId="20577"/>
-          <ac:spMkLst>
-            <pc:docMk/>
-            <pc:sldMk cId="4210067527" sldId="258"/>
-            <ac:spMk id="2" creationId="{DF7BA0E1-31E1-423F-B5FB-2BC813221B19}"/>
-          </ac:spMkLst>
-        </pc:spChg>
-        <pc:spChg chg="mod">
-          <ac:chgData name="Guest User" userId="S::urn:spo:anon#72c5720deaa68f254aac8efc0ea8d5e0a574867443caa9a0b7e211a72f51235c::" providerId="AD" clId="Web-{22D8F910-780E-4275-BFC3-A8312261B8BE}" dt="2021-10-14T15:50:08.035" v="2712" actId="20577"/>
-          <ac:spMkLst>
-            <pc:docMk/>
-            <pc:sldMk cId="4210067527" sldId="258"/>
-            <ac:spMk id="3" creationId="{41BF94BE-B895-47A8-AD1B-ECDD4E6EE575}"/>
-          </ac:spMkLst>
-        </pc:spChg>
-        <pc:spChg chg="mod">
-          <ac:chgData name="Guest User" userId="S::urn:spo:anon#72c5720deaa68f254aac8efc0ea8d5e0a574867443caa9a0b7e211a72f51235c::" providerId="AD" clId="Web-{22D8F910-780E-4275-BFC3-A8312261B8BE}" dt="2021-10-14T15:50:08.035" v="2712" actId="20577"/>
-          <ac:spMkLst>
-            <pc:docMk/>
-            <pc:sldMk cId="4210067527" sldId="258"/>
-            <ac:spMk id="4" creationId="{320AC5B4-EFFA-44B6-B094-865E799117AE}"/>
-          </ac:spMkLst>
-        </pc:spChg>
-      </pc:sldChg>
-      <pc:sldChg chg="addSp modSp addCm">
-        <pc:chgData name="Guest User" userId="S::urn:spo:anon#72c5720deaa68f254aac8efc0ea8d5e0a574867443caa9a0b7e211a72f51235c::" providerId="AD" clId="Web-{22D8F910-780E-4275-BFC3-A8312261B8BE}" dt="2021-10-14T15:54:27.092" v="2739" actId="20577"/>
-        <pc:sldMkLst>
-          <pc:docMk/>
-          <pc:sldMk cId="1680003108" sldId="259"/>
-        </pc:sldMkLst>
-        <pc:spChg chg="mod">
-          <ac:chgData name="Guest User" userId="S::urn:spo:anon#72c5720deaa68f254aac8efc0ea8d5e0a574867443caa9a0b7e211a72f51235c::" providerId="AD" clId="Web-{22D8F910-780E-4275-BFC3-A8312261B8BE}" dt="2021-10-14T15:33:44.734" v="2529" actId="20577"/>
-          <ac:spMkLst>
-            <pc:docMk/>
-            <pc:sldMk cId="1680003108" sldId="259"/>
-            <ac:spMk id="2" creationId="{DF7BA0E1-31E1-423F-B5FB-2BC813221B19}"/>
-          </ac:spMkLst>
-        </pc:spChg>
-        <pc:spChg chg="mod">
-          <ac:chgData name="Guest User" userId="S::urn:spo:anon#72c5720deaa68f254aac8efc0ea8d5e0a574867443caa9a0b7e211a72f51235c::" providerId="AD" clId="Web-{22D8F910-780E-4275-BFC3-A8312261B8BE}" dt="2021-10-14T15:54:27.092" v="2739" actId="20577"/>
-          <ac:spMkLst>
-            <pc:docMk/>
-            <pc:sldMk cId="1680003108" sldId="259"/>
-            <ac:spMk id="3" creationId="{41BF94BE-B895-47A8-AD1B-ECDD4E6EE575}"/>
-          </ac:spMkLst>
-        </pc:spChg>
-        <pc:spChg chg="mod">
-          <ac:chgData name="Guest User" userId="S::urn:spo:anon#72c5720deaa68f254aac8efc0ea8d5e0a574867443caa9a0b7e211a72f51235c::" providerId="AD" clId="Web-{22D8F910-780E-4275-BFC3-A8312261B8BE}" dt="2021-10-14T15:38:34.072" v="2649" actId="20577"/>
-          <ac:spMkLst>
-            <pc:docMk/>
-            <pc:sldMk cId="1680003108" sldId="259"/>
-            <ac:spMk id="4" creationId="{320AC5B4-EFFA-44B6-B094-865E799117AE}"/>
-          </ac:spMkLst>
-        </pc:spChg>
-        <pc:spChg chg="add mod">
-          <ac:chgData name="Guest User" userId="S::urn:spo:anon#72c5720deaa68f254aac8efc0ea8d5e0a574867443caa9a0b7e211a72f51235c::" providerId="AD" clId="Web-{22D8F910-780E-4275-BFC3-A8312261B8BE}" dt="2021-10-13T20:38:43.162" v="272" actId="20577"/>
-          <ac:spMkLst>
-            <pc:docMk/>
-            <pc:sldMk cId="1680003108" sldId="259"/>
-            <ac:spMk id="5" creationId="{80D4FA1D-0316-4191-8C05-C30C7404D769}"/>
-          </ac:spMkLst>
-        </pc:spChg>
-      </pc:sldChg>
-      <pc:sldChg chg="modSp">
-        <pc:chgData name="Guest User" userId="S::urn:spo:anon#72c5720deaa68f254aac8efc0ea8d5e0a574867443caa9a0b7e211a72f51235c::" providerId="AD" clId="Web-{22D8F910-780E-4275-BFC3-A8312261B8BE}" dt="2021-10-14T15:47:24.061" v="2673" actId="20577"/>
-        <pc:sldMkLst>
-          <pc:docMk/>
-          <pc:sldMk cId="3897879143" sldId="260"/>
-        </pc:sldMkLst>
-        <pc:spChg chg="mod">
-          <ac:chgData name="Guest User" userId="S::urn:spo:anon#72c5720deaa68f254aac8efc0ea8d5e0a574867443caa9a0b7e211a72f51235c::" providerId="AD" clId="Web-{22D8F910-780E-4275-BFC3-A8312261B8BE}" dt="2021-10-14T15:33:15.920" v="2513" actId="20577"/>
-          <ac:spMkLst>
-            <pc:docMk/>
-            <pc:sldMk cId="3897879143" sldId="260"/>
-            <ac:spMk id="2" creationId="{DF7BA0E1-31E1-423F-B5FB-2BC813221B19}"/>
-          </ac:spMkLst>
-        </pc:spChg>
-        <pc:spChg chg="mod">
-          <ac:chgData name="Guest User" userId="S::urn:spo:anon#72c5720deaa68f254aac8efc0ea8d5e0a574867443caa9a0b7e211a72f51235c::" providerId="AD" clId="Web-{22D8F910-780E-4275-BFC3-A8312261B8BE}" dt="2021-10-14T15:47:24.061" v="2673" actId="20577"/>
-          <ac:spMkLst>
-            <pc:docMk/>
-            <pc:sldMk cId="3897879143" sldId="260"/>
-            <ac:spMk id="3" creationId="{41BF94BE-B895-47A8-AD1B-ECDD4E6EE575}"/>
-          </ac:spMkLst>
-        </pc:spChg>
-        <pc:spChg chg="mod">
-          <ac:chgData name="Guest User" userId="S::urn:spo:anon#72c5720deaa68f254aac8efc0ea8d5e0a574867443caa9a0b7e211a72f51235c::" providerId="AD" clId="Web-{22D8F910-780E-4275-BFC3-A8312261B8BE}" dt="2021-10-13T20:19:12.258" v="17" actId="20577"/>
-          <ac:spMkLst>
-            <pc:docMk/>
-            <pc:sldMk cId="3897879143" sldId="260"/>
-            <ac:spMk id="4" creationId="{320AC5B4-EFFA-44B6-B094-865E799117AE}"/>
-          </ac:spMkLst>
-        </pc:spChg>
-      </pc:sldChg>
-      <pc:sldChg chg="modSp">
-        <pc:chgData name="Guest User" userId="S::urn:spo:anon#72c5720deaa68f254aac8efc0ea8d5e0a574867443caa9a0b7e211a72f51235c::" providerId="AD" clId="Web-{22D8F910-780E-4275-BFC3-A8312261B8BE}" dt="2021-10-14T15:33:20.577" v="2516" actId="20577"/>
-        <pc:sldMkLst>
-          <pc:docMk/>
-          <pc:sldMk cId="1830676071" sldId="261"/>
-        </pc:sldMkLst>
-        <pc:spChg chg="mod">
-          <ac:chgData name="Guest User" userId="S::urn:spo:anon#72c5720deaa68f254aac8efc0ea8d5e0a574867443caa9a0b7e211a72f51235c::" providerId="AD" clId="Web-{22D8F910-780E-4275-BFC3-A8312261B8BE}" dt="2021-10-14T15:33:20.577" v="2516" actId="20577"/>
-          <ac:spMkLst>
-            <pc:docMk/>
-            <pc:sldMk cId="1830676071" sldId="261"/>
-            <ac:spMk id="2" creationId="{DF7BA0E1-31E1-423F-B5FB-2BC813221B19}"/>
-          </ac:spMkLst>
-        </pc:spChg>
-        <pc:spChg chg="mod">
-          <ac:chgData name="Guest User" userId="S::urn:spo:anon#72c5720deaa68f254aac8efc0ea8d5e0a574867443caa9a0b7e211a72f51235c::" providerId="AD" clId="Web-{22D8F910-780E-4275-BFC3-A8312261B8BE}" dt="2021-10-14T03:24:24.202" v="1185" actId="20577"/>
-          <ac:spMkLst>
-            <pc:docMk/>
-            <pc:sldMk cId="1830676071" sldId="261"/>
-            <ac:spMk id="3" creationId="{41BF94BE-B895-47A8-AD1B-ECDD4E6EE575}"/>
-          </ac:spMkLst>
-        </pc:spChg>
-        <pc:spChg chg="mod">
-          <ac:chgData name="Guest User" userId="S::urn:spo:anon#72c5720deaa68f254aac8efc0ea8d5e0a574867443caa9a0b7e211a72f51235c::" providerId="AD" clId="Web-{22D8F910-780E-4275-BFC3-A8312261B8BE}" dt="2021-10-14T03:24:23.389" v="1180" actId="20577"/>
-          <ac:spMkLst>
-            <pc:docMk/>
-            <pc:sldMk cId="1830676071" sldId="261"/>
-            <ac:spMk id="4" creationId="{320AC5B4-EFFA-44B6-B094-865E799117AE}"/>
-          </ac:spMkLst>
-        </pc:spChg>
-      </pc:sldChg>
-      <pc:sldChg chg="modSp">
-        <pc:chgData name="Guest User" userId="S::urn:spo:anon#72c5720deaa68f254aac8efc0ea8d5e0a574867443caa9a0b7e211a72f51235c::" providerId="AD" clId="Web-{22D8F910-780E-4275-BFC3-A8312261B8BE}" dt="2021-10-14T15:36:01.208" v="2546" actId="20577"/>
-        <pc:sldMkLst>
-          <pc:docMk/>
-          <pc:sldMk cId="3551447798" sldId="262"/>
-        </pc:sldMkLst>
-        <pc:spChg chg="mod">
-          <ac:chgData name="Guest User" userId="S::urn:spo:anon#72c5720deaa68f254aac8efc0ea8d5e0a574867443caa9a0b7e211a72f51235c::" providerId="AD" clId="Web-{22D8F910-780E-4275-BFC3-A8312261B8BE}" dt="2021-10-14T15:33:05.795" v="2508" actId="20577"/>
-          <ac:spMkLst>
-            <pc:docMk/>
-            <pc:sldMk cId="3551447798" sldId="262"/>
-            <ac:spMk id="2" creationId="{DF7BA0E1-31E1-423F-B5FB-2BC813221B19}"/>
-          </ac:spMkLst>
-        </pc:spChg>
-        <pc:spChg chg="mod">
-          <ac:chgData name="Guest User" userId="S::urn:spo:anon#72c5720deaa68f254aac8efc0ea8d5e0a574867443caa9a0b7e211a72f51235c::" providerId="AD" clId="Web-{22D8F910-780E-4275-BFC3-A8312261B8BE}" dt="2021-10-14T15:36:01.208" v="2546" actId="20577"/>
-          <ac:spMkLst>
-            <pc:docMk/>
-            <pc:sldMk cId="3551447798" sldId="262"/>
-            <ac:spMk id="3" creationId="{41BF94BE-B895-47A8-AD1B-ECDD4E6EE575}"/>
-          </ac:spMkLst>
-        </pc:spChg>
-        <pc:spChg chg="mod">
-          <ac:chgData name="Guest User" userId="S::urn:spo:anon#72c5720deaa68f254aac8efc0ea8d5e0a574867443caa9a0b7e211a72f51235c::" providerId="AD" clId="Web-{22D8F910-780E-4275-BFC3-A8312261B8BE}" dt="2021-10-14T15:23:55.384" v="1911" actId="20577"/>
-          <ac:spMkLst>
-            <pc:docMk/>
-            <pc:sldMk cId="3551447798" sldId="262"/>
-            <ac:spMk id="4" creationId="{320AC5B4-EFFA-44B6-B094-865E799117AE}"/>
-          </ac:spMkLst>
-        </pc:spChg>
-      </pc:sldChg>
-      <pc:sldChg chg="addSp delSp modSp addCm delCm">
-        <pc:chgData name="Guest User" userId="S::urn:spo:anon#72c5720deaa68f254aac8efc0ea8d5e0a574867443caa9a0b7e211a72f51235c::" providerId="AD" clId="Web-{22D8F910-780E-4275-BFC3-A8312261B8BE}" dt="2021-10-14T15:36:15.521" v="2548"/>
-        <pc:sldMkLst>
-          <pc:docMk/>
-          <pc:sldMk cId="927412229" sldId="263"/>
-        </pc:sldMkLst>
-        <pc:spChg chg="mod">
-          <ac:chgData name="Guest User" userId="S::urn:spo:anon#72c5720deaa68f254aac8efc0ea8d5e0a574867443caa9a0b7e211a72f51235c::" providerId="AD" clId="Web-{22D8F910-780E-4275-BFC3-A8312261B8BE}" dt="2021-10-14T15:33:25.733" v="2519" actId="20577"/>
-          <ac:spMkLst>
-            <pc:docMk/>
-            <pc:sldMk cId="927412229" sldId="263"/>
-            <ac:spMk id="2" creationId="{DF7BA0E1-31E1-423F-B5FB-2BC813221B19}"/>
-          </ac:spMkLst>
-        </pc:spChg>
-        <pc:spChg chg="mod">
-          <ac:chgData name="Guest User" userId="S::urn:spo:anon#72c5720deaa68f254aac8efc0ea8d5e0a574867443caa9a0b7e211a72f51235c::" providerId="AD" clId="Web-{22D8F910-780E-4275-BFC3-A8312261B8BE}" dt="2021-10-14T15:35:54.676" v="2543" actId="20577"/>
-          <ac:spMkLst>
-            <pc:docMk/>
-            <pc:sldMk cId="927412229" sldId="263"/>
-            <ac:spMk id="3" creationId="{41BF94BE-B895-47A8-AD1B-ECDD4E6EE575}"/>
-          </ac:spMkLst>
-        </pc:spChg>
-        <pc:spChg chg="mod">
-          <ac:chgData name="Guest User" userId="S::urn:spo:anon#72c5720deaa68f254aac8efc0ea8d5e0a574867443caa9a0b7e211a72f51235c::" providerId="AD" clId="Web-{22D8F910-780E-4275-BFC3-A8312261B8BE}" dt="2021-10-14T15:29:21.568" v="2438" actId="20577"/>
-          <ac:spMkLst>
-            <pc:docMk/>
-            <pc:sldMk cId="927412229" sldId="263"/>
-            <ac:spMk id="4" creationId="{320AC5B4-EFFA-44B6-B094-865E799117AE}"/>
-          </ac:spMkLst>
-        </pc:spChg>
-        <pc:spChg chg="add del">
-          <ac:chgData name="Guest User" userId="S::urn:spo:anon#72c5720deaa68f254aac8efc0ea8d5e0a574867443caa9a0b7e211a72f51235c::" providerId="AD" clId="Web-{22D8F910-780E-4275-BFC3-A8312261B8BE}" dt="2021-10-14T03:19:28.965" v="1040"/>
-          <ac:spMkLst>
-            <pc:docMk/>
-            <pc:sldMk cId="927412229" sldId="263"/>
-            <ac:spMk id="5" creationId="{D5A62BDC-C2E9-4349-B4E5-DBA6BAB5DC55}"/>
-          </ac:spMkLst>
-        </pc:spChg>
-      </pc:sldChg>
-      <pc:sldChg chg="modSp add replId">
-        <pc:chgData name="Guest User" userId="S::urn:spo:anon#72c5720deaa68f254aac8efc0ea8d5e0a574867443caa9a0b7e211a72f51235c::" providerId="AD" clId="Web-{22D8F910-780E-4275-BFC3-A8312261B8BE}" dt="2021-10-14T15:35:57.520" v="2544" actId="20577"/>
-        <pc:sldMkLst>
-          <pc:docMk/>
-          <pc:sldMk cId="2117415416" sldId="264"/>
-        </pc:sldMkLst>
-        <pc:spChg chg="mod">
-          <ac:chgData name="Guest User" userId="S::urn:spo:anon#72c5720deaa68f254aac8efc0ea8d5e0a574867443caa9a0b7e211a72f51235c::" providerId="AD" clId="Web-{22D8F910-780E-4275-BFC3-A8312261B8BE}" dt="2021-10-14T15:33:36.140" v="2523" actId="20577"/>
-          <ac:spMkLst>
-            <pc:docMk/>
-            <pc:sldMk cId="2117415416" sldId="264"/>
-            <ac:spMk id="2" creationId="{DF7BA0E1-31E1-423F-B5FB-2BC813221B19}"/>
-          </ac:spMkLst>
-        </pc:spChg>
-        <pc:spChg chg="mod">
-          <ac:chgData name="Guest User" userId="S::urn:spo:anon#72c5720deaa68f254aac8efc0ea8d5e0a574867443caa9a0b7e211a72f51235c::" providerId="AD" clId="Web-{22D8F910-780E-4275-BFC3-A8312261B8BE}" dt="2021-10-14T15:35:57.520" v="2544" actId="20577"/>
-          <ac:spMkLst>
-            <pc:docMk/>
-            <pc:sldMk cId="2117415416" sldId="264"/>
-            <ac:spMk id="3" creationId="{41BF94BE-B895-47A8-AD1B-ECDD4E6EE575}"/>
-          </ac:spMkLst>
-        </pc:spChg>
-        <pc:spChg chg="mod">
-          <ac:chgData name="Guest User" userId="S::urn:spo:anon#72c5720deaa68f254aac8efc0ea8d5e0a574867443caa9a0b7e211a72f51235c::" providerId="AD" clId="Web-{22D8F910-780E-4275-BFC3-A8312261B8BE}" dt="2021-10-14T15:22:29.115" v="1789" actId="20577"/>
-          <ac:spMkLst>
-            <pc:docMk/>
-            <pc:sldMk cId="2117415416" sldId="264"/>
-            <ac:spMk id="4" creationId="{320AC5B4-EFFA-44B6-B094-865E799117AE}"/>
-          </ac:spMkLst>
-        </pc:spChg>
-      </pc:sldChg>
-      <pc:sldChg chg="modSp addCm delCm modCm">
-        <pc:chgData name="Guest User" userId="S::urn:spo:anon#72c5720deaa68f254aac8efc0ea8d5e0a574867443caa9a0b7e211a72f51235c::" providerId="AD" clId="Web-{22D8F910-780E-4275-BFC3-A8312261B8BE}" dt="2021-10-14T15:36:47.319" v="2549"/>
-        <pc:sldMkLst>
-          <pc:docMk/>
-          <pc:sldMk cId="1148785392" sldId="265"/>
-        </pc:sldMkLst>
-        <pc:spChg chg="mod">
-          <ac:chgData name="Guest User" userId="S::urn:spo:anon#72c5720deaa68f254aac8efc0ea8d5e0a574867443caa9a0b7e211a72f51235c::" providerId="AD" clId="Web-{22D8F910-780E-4275-BFC3-A8312261B8BE}" dt="2021-10-14T15:33:31.014" v="2521" actId="20577"/>
-          <ac:spMkLst>
-            <pc:docMk/>
-            <pc:sldMk cId="1148785392" sldId="265"/>
-            <ac:spMk id="2" creationId="{DF7BA0E1-31E1-423F-B5FB-2BC813221B19}"/>
-          </ac:spMkLst>
-        </pc:spChg>
-        <pc:spChg chg="mod">
-          <ac:chgData name="Guest User" userId="S::urn:spo:anon#72c5720deaa68f254aac8efc0ea8d5e0a574867443caa9a0b7e211a72f51235c::" providerId="AD" clId="Web-{22D8F910-780E-4275-BFC3-A8312261B8BE}" dt="2021-10-14T15:30:50.212" v="2504" actId="20577"/>
-          <ac:spMkLst>
-            <pc:docMk/>
-            <pc:sldMk cId="1148785392" sldId="265"/>
-            <ac:spMk id="3" creationId="{41BF94BE-B895-47A8-AD1B-ECDD4E6EE575}"/>
-          </ac:spMkLst>
-        </pc:spChg>
-        <pc:spChg chg="mod">
-          <ac:chgData name="Guest User" userId="S::urn:spo:anon#72c5720deaa68f254aac8efc0ea8d5e0a574867443caa9a0b7e211a72f51235c::" providerId="AD" clId="Web-{22D8F910-780E-4275-BFC3-A8312261B8BE}" dt="2021-10-14T04:10:02.015" v="1478" actId="20577"/>
-          <ac:spMkLst>
-            <pc:docMk/>
-            <pc:sldMk cId="1148785392" sldId="265"/>
-            <ac:spMk id="4" creationId="{320AC5B4-EFFA-44B6-B094-865E799117AE}"/>
-          </ac:spMkLst>
-        </pc:spChg>
-      </pc:sldChg>
-      <pc:sldChg chg="modSp add mod replId modShow">
-        <pc:chgData name="Guest User" userId="S::urn:spo:anon#72c5720deaa68f254aac8efc0ea8d5e0a574867443caa9a0b7e211a72f51235c::" providerId="AD" clId="Web-{22D8F910-780E-4275-BFC3-A8312261B8BE}" dt="2021-10-14T15:35:58.457" v="2545" actId="20577"/>
-        <pc:sldMkLst>
-          <pc:docMk/>
-          <pc:sldMk cId="549344656" sldId="266"/>
-        </pc:sldMkLst>
-        <pc:spChg chg="mod">
-          <ac:chgData name="Guest User" userId="S::urn:spo:anon#72c5720deaa68f254aac8efc0ea8d5e0a574867443caa9a0b7e211a72f51235c::" providerId="AD" clId="Web-{22D8F910-780E-4275-BFC3-A8312261B8BE}" dt="2021-10-14T15:33:10.154" v="2510" actId="20577"/>
-          <ac:spMkLst>
-            <pc:docMk/>
-            <pc:sldMk cId="549344656" sldId="266"/>
-            <ac:spMk id="2" creationId="{DF7BA0E1-31E1-423F-B5FB-2BC813221B19}"/>
-          </ac:spMkLst>
-        </pc:spChg>
-        <pc:spChg chg="mod">
-          <ac:chgData name="Guest User" userId="S::urn:spo:anon#72c5720deaa68f254aac8efc0ea8d5e0a574867443caa9a0b7e211a72f51235c::" providerId="AD" clId="Web-{22D8F910-780E-4275-BFC3-A8312261B8BE}" dt="2021-10-14T15:35:58.457" v="2545" actId="20577"/>
-          <ac:spMkLst>
-            <pc:docMk/>
-            <pc:sldMk cId="549344656" sldId="266"/>
-            <ac:spMk id="3" creationId="{41BF94BE-B895-47A8-AD1B-ECDD4E6EE575}"/>
-          </ac:spMkLst>
-        </pc:spChg>
-        <pc:spChg chg="mod">
-          <ac:chgData name="Guest User" userId="S::urn:spo:anon#72c5720deaa68f254aac8efc0ea8d5e0a574867443caa9a0b7e211a72f51235c::" providerId="AD" clId="Web-{22D8F910-780E-4275-BFC3-A8312261B8BE}" dt="2021-10-14T15:22:51.897" v="1827" actId="20577"/>
-          <ac:spMkLst>
-            <pc:docMk/>
-            <pc:sldMk cId="549344656" sldId="266"/>
-            <ac:spMk id="4" creationId="{320AC5B4-EFFA-44B6-B094-865E799117AE}"/>
-          </ac:spMkLst>
-        </pc:spChg>
-      </pc:sldChg>
-      <pc:sldChg chg="modSp del">
-        <pc:chgData name="Guest User" userId="S::urn:spo:anon#72c5720deaa68f254aac8efc0ea8d5e0a574867443caa9a0b7e211a72f51235c::" providerId="AD" clId="Web-{22D8F910-780E-4275-BFC3-A8312261B8BE}" dt="2021-10-14T02:23:55.731" v="639"/>
-        <pc:sldMkLst>
-          <pc:docMk/>
-          <pc:sldMk cId="22853581" sldId="267"/>
-        </pc:sldMkLst>
-        <pc:spChg chg="mod">
-          <ac:chgData name="Guest User" userId="S::urn:spo:anon#72c5720deaa68f254aac8efc0ea8d5e0a574867443caa9a0b7e211a72f51235c::" providerId="AD" clId="Web-{22D8F910-780E-4275-BFC3-A8312261B8BE}" dt="2021-10-14T02:23:07.638" v="618" actId="20577"/>
-          <ac:spMkLst>
-            <pc:docMk/>
-            <pc:sldMk cId="22853581" sldId="267"/>
-            <ac:spMk id="3" creationId="{E80FE1D4-0BBA-4923-AEC1-A6A2D9DFCEF8}"/>
-          </ac:spMkLst>
-        </pc:spChg>
-        <pc:spChg chg="mod">
-          <ac:chgData name="Guest User" userId="S::urn:spo:anon#72c5720deaa68f254aac8efc0ea8d5e0a574867443caa9a0b7e211a72f51235c::" providerId="AD" clId="Web-{22D8F910-780E-4275-BFC3-A8312261B8BE}" dt="2021-10-14T02:23:20.059" v="625" actId="20577"/>
-          <ac:spMkLst>
-            <pc:docMk/>
-            <pc:sldMk cId="22853581" sldId="267"/>
-            <ac:spMk id="4" creationId="{659B2B1C-0B7F-4176-A1D1-DF27B1A7C761}"/>
-          </ac:spMkLst>
-        </pc:spChg>
-      </pc:sldChg>
-      <pc:sldChg chg="del">
-        <pc:chgData name="Guest User" userId="S::urn:spo:anon#72c5720deaa68f254aac8efc0ea8d5e0a574867443caa9a0b7e211a72f51235c::" providerId="AD" clId="Web-{22D8F910-780E-4275-BFC3-A8312261B8BE}" dt="2021-10-14T02:24:18.622" v="642"/>
-        <pc:sldMkLst>
-          <pc:docMk/>
-          <pc:sldMk cId="1987780603" sldId="268"/>
-        </pc:sldMkLst>
-      </pc:sldChg>
-      <pc:sldChg chg="addSp modSp add del replId">
-        <pc:chgData name="Guest User" userId="S::urn:spo:anon#72c5720deaa68f254aac8efc0ea8d5e0a574867443caa9a0b7e211a72f51235c::" providerId="AD" clId="Web-{22D8F910-780E-4275-BFC3-A8312261B8BE}" dt="2021-10-14T02:26:46.717" v="661"/>
-        <pc:sldMkLst>
-          <pc:docMk/>
-          <pc:sldMk cId="4151632319" sldId="269"/>
-        </pc:sldMkLst>
-        <pc:spChg chg="mod">
-          <ac:chgData name="Guest User" userId="S::urn:spo:anon#72c5720deaa68f254aac8efc0ea8d5e0a574867443caa9a0b7e211a72f51235c::" providerId="AD" clId="Web-{22D8F910-780E-4275-BFC3-A8312261B8BE}" dt="2021-10-14T02:23:18.559" v="624" actId="20577"/>
-          <ac:spMkLst>
-            <pc:docMk/>
-            <pc:sldMk cId="4151632319" sldId="269"/>
-            <ac:spMk id="4" creationId="{320AC5B4-EFFA-44B6-B094-865E799117AE}"/>
-          </ac:spMkLst>
-        </pc:spChg>
-        <pc:spChg chg="add">
-          <ac:chgData name="Guest User" userId="S::urn:spo:anon#72c5720deaa68f254aac8efc0ea8d5e0a574867443caa9a0b7e211a72f51235c::" providerId="AD" clId="Web-{22D8F910-780E-4275-BFC3-A8312261B8BE}" dt="2021-10-14T02:23:11.965" v="619"/>
-          <ac:spMkLst>
-            <pc:docMk/>
-            <pc:sldMk cId="4151632319" sldId="269"/>
-            <ac:spMk id="5" creationId="{17CCAF99-FCED-41A1-9A83-7F5B09668D75}"/>
-          </ac:spMkLst>
-        </pc:spChg>
-      </pc:sldChg>
-      <pc:sldChg chg="delSp modSp add replId">
-        <pc:chgData name="Guest User" userId="S::urn:spo:anon#72c5720deaa68f254aac8efc0ea8d5e0a574867443caa9a0b7e211a72f51235c::" providerId="AD" clId="Web-{22D8F910-780E-4275-BFC3-A8312261B8BE}" dt="2021-10-14T15:36:06.192" v="2547" actId="20577"/>
-        <pc:sldMkLst>
-          <pc:docMk/>
-          <pc:sldMk cId="1641759715" sldId="270"/>
-        </pc:sldMkLst>
-        <pc:spChg chg="mod">
-          <ac:chgData name="Guest User" userId="S::urn:spo:anon#72c5720deaa68f254aac8efc0ea8d5e0a574867443caa9a0b7e211a72f51235c::" providerId="AD" clId="Web-{22D8F910-780E-4275-BFC3-A8312261B8BE}" dt="2021-10-14T15:33:38.859" v="2524" actId="20577"/>
-          <ac:spMkLst>
-            <pc:docMk/>
-            <pc:sldMk cId="1641759715" sldId="270"/>
-            <ac:spMk id="2" creationId="{DF7BA0E1-31E1-423F-B5FB-2BC813221B19}"/>
-          </ac:spMkLst>
-        </pc:spChg>
-        <pc:spChg chg="mod">
-          <ac:chgData name="Guest User" userId="S::urn:spo:anon#72c5720deaa68f254aac8efc0ea8d5e0a574867443caa9a0b7e211a72f51235c::" providerId="AD" clId="Web-{22D8F910-780E-4275-BFC3-A8312261B8BE}" dt="2021-10-14T15:36:06.192" v="2547" actId="20577"/>
-          <ac:spMkLst>
-            <pc:docMk/>
-            <pc:sldMk cId="1641759715" sldId="270"/>
-            <ac:spMk id="3" creationId="{41BF94BE-B895-47A8-AD1B-ECDD4E6EE575}"/>
-          </ac:spMkLst>
-        </pc:spChg>
-        <pc:spChg chg="mod">
-          <ac:chgData name="Guest User" userId="S::urn:spo:anon#72c5720deaa68f254aac8efc0ea8d5e0a574867443caa9a0b7e211a72f51235c::" providerId="AD" clId="Web-{22D8F910-780E-4275-BFC3-A8312261B8BE}" dt="2021-10-14T15:24:58.871" v="1960" actId="20577"/>
-          <ac:spMkLst>
-            <pc:docMk/>
-            <pc:sldMk cId="1641759715" sldId="270"/>
-            <ac:spMk id="4" creationId="{320AC5B4-EFFA-44B6-B094-865E799117AE}"/>
-          </ac:spMkLst>
-        </pc:spChg>
-        <pc:spChg chg="del">
-          <ac:chgData name="Guest User" userId="S::urn:spo:anon#72c5720deaa68f254aac8efc0ea8d5e0a574867443caa9a0b7e211a72f51235c::" providerId="AD" clId="Web-{22D8F910-780E-4275-BFC3-A8312261B8BE}" dt="2021-10-14T02:23:52.481" v="638"/>
-          <ac:spMkLst>
-            <pc:docMk/>
-            <pc:sldMk cId="1641759715" sldId="270"/>
-            <ac:spMk id="5" creationId="{17CCAF99-FCED-41A1-9A83-7F5B09668D75}"/>
-          </ac:spMkLst>
-        </pc:spChg>
-      </pc:sldChg>
-      <pc:sldChg chg="modSp add replId">
-        <pc:chgData name="Guest User" userId="S::urn:spo:anon#72c5720deaa68f254aac8efc0ea8d5e0a574867443caa9a0b7e211a72f51235c::" providerId="AD" clId="Web-{22D8F910-780E-4275-BFC3-A8312261B8BE}" dt="2021-10-14T15:33:41.999" v="2525" actId="20577"/>
-        <pc:sldMkLst>
-          <pc:docMk/>
-          <pc:sldMk cId="3261510237" sldId="271"/>
-        </pc:sldMkLst>
-        <pc:spChg chg="mod">
-          <ac:chgData name="Guest User" userId="S::urn:spo:anon#72c5720deaa68f254aac8efc0ea8d5e0a574867443caa9a0b7e211a72f51235c::" providerId="AD" clId="Web-{22D8F910-780E-4275-BFC3-A8312261B8BE}" dt="2021-10-14T15:33:41.999" v="2525" actId="20577"/>
-          <ac:spMkLst>
-            <pc:docMk/>
-            <pc:sldMk cId="3261510237" sldId="271"/>
-            <ac:spMk id="2" creationId="{DF7BA0E1-31E1-423F-B5FB-2BC813221B19}"/>
-          </ac:spMkLst>
-        </pc:spChg>
-        <pc:spChg chg="mod">
-          <ac:chgData name="Guest User" userId="S::urn:spo:anon#72c5720deaa68f254aac8efc0ea8d5e0a574867443caa9a0b7e211a72f51235c::" providerId="AD" clId="Web-{22D8F910-780E-4275-BFC3-A8312261B8BE}" dt="2021-10-14T15:25:32.309" v="1985" actId="20577"/>
-          <ac:spMkLst>
-            <pc:docMk/>
-            <pc:sldMk cId="3261510237" sldId="271"/>
-            <ac:spMk id="3" creationId="{41BF94BE-B895-47A8-AD1B-ECDD4E6EE575}"/>
-          </ac:spMkLst>
-        </pc:spChg>
-        <pc:spChg chg="mod">
-          <ac:chgData name="Guest User" userId="S::urn:spo:anon#72c5720deaa68f254aac8efc0ea8d5e0a574867443caa9a0b7e211a72f51235c::" providerId="AD" clId="Web-{22D8F910-780E-4275-BFC3-A8312261B8BE}" dt="2021-10-14T15:25:32.309" v="1985" actId="20577"/>
-          <ac:spMkLst>
-            <pc:docMk/>
-            <pc:sldMk cId="3261510237" sldId="271"/>
-            <ac:spMk id="4" creationId="{320AC5B4-EFFA-44B6-B094-865E799117AE}"/>
-          </ac:spMkLst>
-        </pc:spChg>
-      </pc:sldChg>
-    </pc:docChg>
-  </pc:docChgLst>
-  <pc:docChgLst>
-    <pc:chgData name="Patricia Ding" userId="S::patricia.ding@mail.utoronto.ca::cd042982-3d61-4be1-9d3c-ee5f666787f0" providerId="AD" clId="Web-{D10E5A23-AE00-11C3-0571-40CBAC6EAF06}"/>
-    <pc:docChg chg="modSld">
-      <pc:chgData name="Patricia Ding" userId="S::patricia.ding@mail.utoronto.ca::cd042982-3d61-4be1-9d3c-ee5f666787f0" providerId="AD" clId="Web-{D10E5A23-AE00-11C3-0571-40CBAC6EAF06}" dt="2021-10-15T17:03:04.337" v="67" actId="20577"/>
-      <pc:docMkLst>
-        <pc:docMk/>
-      </pc:docMkLst>
-      <pc:sldChg chg="addSp delSp modSp">
-        <pc:chgData name="Patricia Ding" userId="S::patricia.ding@mail.utoronto.ca::cd042982-3d61-4be1-9d3c-ee5f666787f0" providerId="AD" clId="Web-{D10E5A23-AE00-11C3-0571-40CBAC6EAF06}" dt="2021-10-15T17:03:04.337" v="67" actId="20577"/>
-        <pc:sldMkLst>
-          <pc:docMk/>
-          <pc:sldMk cId="4210067527" sldId="258"/>
-        </pc:sldMkLst>
-        <pc:spChg chg="mod">
-          <ac:chgData name="Patricia Ding" userId="S::patricia.ding@mail.utoronto.ca::cd042982-3d61-4be1-9d3c-ee5f666787f0" providerId="AD" clId="Web-{D10E5A23-AE00-11C3-0571-40CBAC6EAF06}" dt="2021-10-15T17:03:04.337" v="67" actId="20577"/>
-          <ac:spMkLst>
-            <pc:docMk/>
-            <pc:sldMk cId="4210067527" sldId="258"/>
-            <ac:spMk id="4" creationId="{320AC5B4-EFFA-44B6-B094-865E799117AE}"/>
-          </ac:spMkLst>
-        </pc:spChg>
-        <pc:spChg chg="add del mod">
-          <ac:chgData name="Patricia Ding" userId="S::patricia.ding@mail.utoronto.ca::cd042982-3d61-4be1-9d3c-ee5f666787f0" providerId="AD" clId="Web-{D10E5A23-AE00-11C3-0571-40CBAC6EAF06}" dt="2021-10-15T17:02:16.009" v="31"/>
-          <ac:spMkLst>
-            <pc:docMk/>
-            <pc:sldMk cId="4210067527" sldId="258"/>
-            <ac:spMk id="5" creationId="{85A3B140-2C64-4D06-9B4C-B748AC6BDEA5}"/>
-          </ac:spMkLst>
-        </pc:spChg>
-      </pc:sldChg>
-      <pc:sldChg chg="modSp">
-        <pc:chgData name="Patricia Ding" userId="S::patricia.ding@mail.utoronto.ca::cd042982-3d61-4be1-9d3c-ee5f666787f0" providerId="AD" clId="Web-{D10E5A23-AE00-11C3-0571-40CBAC6EAF06}" dt="2021-10-15T16:53:07.542" v="28" actId="20577"/>
-        <pc:sldMkLst>
-          <pc:docMk/>
-          <pc:sldMk cId="1680003108" sldId="259"/>
-        </pc:sldMkLst>
-        <pc:spChg chg="mod">
-          <ac:chgData name="Patricia Ding" userId="S::patricia.ding@mail.utoronto.ca::cd042982-3d61-4be1-9d3c-ee5f666787f0" providerId="AD" clId="Web-{D10E5A23-AE00-11C3-0571-40CBAC6EAF06}" dt="2021-10-15T16:53:07.542" v="28" actId="20577"/>
-          <ac:spMkLst>
-            <pc:docMk/>
-            <pc:sldMk cId="1680003108" sldId="259"/>
-            <ac:spMk id="4" creationId="{320AC5B4-EFFA-44B6-B094-865E799117AE}"/>
-          </ac:spMkLst>
-        </pc:spChg>
-      </pc:sldChg>
-      <pc:sldChg chg="modSp">
-        <pc:chgData name="Patricia Ding" userId="S::patricia.ding@mail.utoronto.ca::cd042982-3d61-4be1-9d3c-ee5f666787f0" providerId="AD" clId="Web-{D10E5A23-AE00-11C3-0571-40CBAC6EAF06}" dt="2021-10-15T16:29:56.704" v="1" actId="20577"/>
-        <pc:sldMkLst>
-          <pc:docMk/>
-          <pc:sldMk cId="3897879143" sldId="260"/>
-        </pc:sldMkLst>
-        <pc:spChg chg="mod">
-          <ac:chgData name="Patricia Ding" userId="S::patricia.ding@mail.utoronto.ca::cd042982-3d61-4be1-9d3c-ee5f666787f0" providerId="AD" clId="Web-{D10E5A23-AE00-11C3-0571-40CBAC6EAF06}" dt="2021-10-15T16:29:56.704" v="1" actId="20577"/>
-          <ac:spMkLst>
-            <pc:docMk/>
-            <pc:sldMk cId="3897879143" sldId="260"/>
-            <ac:spMk id="4" creationId="{320AC5B4-EFFA-44B6-B094-865E799117AE}"/>
-          </ac:spMkLst>
-        </pc:spChg>
-      </pc:sldChg>
-      <pc:sldChg chg="modSp">
-        <pc:chgData name="Patricia Ding" userId="S::patricia.ding@mail.utoronto.ca::cd042982-3d61-4be1-9d3c-ee5f666787f0" providerId="AD" clId="Web-{D10E5A23-AE00-11C3-0571-40CBAC6EAF06}" dt="2021-10-15T16:34:37.312" v="3" actId="20577"/>
-        <pc:sldMkLst>
-          <pc:docMk/>
-          <pc:sldMk cId="1830676071" sldId="261"/>
-        </pc:sldMkLst>
-        <pc:spChg chg="mod">
-          <ac:chgData name="Patricia Ding" userId="S::patricia.ding@mail.utoronto.ca::cd042982-3d61-4be1-9d3c-ee5f666787f0" providerId="AD" clId="Web-{D10E5A23-AE00-11C3-0571-40CBAC6EAF06}" dt="2021-10-15T16:34:37.312" v="3" actId="20577"/>
-          <ac:spMkLst>
-            <pc:docMk/>
-            <pc:sldMk cId="1830676071" sldId="261"/>
-            <ac:spMk id="3" creationId="{41BF94BE-B895-47A8-AD1B-ECDD4E6EE575}"/>
-          </ac:spMkLst>
-        </pc:spChg>
-      </pc:sldChg>
-    </pc:docChg>
-  </pc:docChgLst>
-  <pc:docChgLst>
-    <pc:chgData name="Guest User" userId="S::urn:spo:anon#72c5720deaa68f254aac8efc0ea8d5e0a574867443caa9a0b7e211a72f51235c::" providerId="AD" clId="Web-{024D780C-EB76-4A6A-87CC-42A135182A6F}"/>
-    <pc:docChg chg="addSld delSld modSld sldOrd">
-      <pc:chgData name="Guest User" userId="S::urn:spo:anon#72c5720deaa68f254aac8efc0ea8d5e0a574867443caa9a0b7e211a72f51235c::" providerId="AD" clId="Web-{024D780C-EB76-4A6A-87CC-42A135182A6F}" dt="2021-10-13T21:57:52.650" v="1442" actId="20577"/>
-      <pc:docMkLst>
-        <pc:docMk/>
-      </pc:docMkLst>
-      <pc:sldChg chg="addSp delSp modSp del">
-        <pc:chgData name="Guest User" userId="S::urn:spo:anon#72c5720deaa68f254aac8efc0ea8d5e0a574867443caa9a0b7e211a72f51235c::" providerId="AD" clId="Web-{024D780C-EB76-4A6A-87CC-42A135182A6F}" dt="2021-10-13T20:04:06.432" v="46"/>
-        <pc:sldMkLst>
-          <pc:docMk/>
-          <pc:sldMk cId="3358865612" sldId="257"/>
-        </pc:sldMkLst>
-        <pc:spChg chg="mod">
-          <ac:chgData name="Guest User" userId="S::urn:spo:anon#72c5720deaa68f254aac8efc0ea8d5e0a574867443caa9a0b7e211a72f51235c::" providerId="AD" clId="Web-{024D780C-EB76-4A6A-87CC-42A135182A6F}" dt="2021-10-13T20:03:16.087" v="39" actId="20577"/>
-          <ac:spMkLst>
-            <pc:docMk/>
-            <pc:sldMk cId="3358865612" sldId="257"/>
-            <ac:spMk id="2" creationId="{D5DE2408-689C-4C2E-AB7A-103011392E09}"/>
-          </ac:spMkLst>
-        </pc:spChg>
-        <pc:spChg chg="del">
-          <ac:chgData name="Guest User" userId="S::urn:spo:anon#72c5720deaa68f254aac8efc0ea8d5e0a574867443caa9a0b7e211a72f51235c::" providerId="AD" clId="Web-{024D780C-EB76-4A6A-87CC-42A135182A6F}" dt="2021-10-13T20:03:19.415" v="40"/>
-          <ac:spMkLst>
-            <pc:docMk/>
-            <pc:sldMk cId="3358865612" sldId="257"/>
-            <ac:spMk id="3" creationId="{4A75C19D-97C3-4E16-B487-ABE1ABF86217}"/>
-          </ac:spMkLst>
-        </pc:spChg>
-        <pc:graphicFrameChg chg="add mod modGraphic">
-          <ac:chgData name="Guest User" userId="S::urn:spo:anon#72c5720deaa68f254aac8efc0ea8d5e0a574867443caa9a0b7e211a72f51235c::" providerId="AD" clId="Web-{024D780C-EB76-4A6A-87CC-42A135182A6F}" dt="2021-10-13T20:03:42.291" v="45"/>
-          <ac:graphicFrameMkLst>
-            <pc:docMk/>
-            <pc:sldMk cId="3358865612" sldId="257"/>
-            <ac:graphicFrameMk id="4" creationId="{9737F90C-9584-4D3B-96D5-4E515D46085E}"/>
-          </ac:graphicFrameMkLst>
-        </pc:graphicFrameChg>
-      </pc:sldChg>
-      <pc:sldChg chg="del">
-        <pc:chgData name="Guest User" userId="S::urn:spo:anon#72c5720deaa68f254aac8efc0ea8d5e0a574867443caa9a0b7e211a72f51235c::" providerId="AD" clId="Web-{024D780C-EB76-4A6A-87CC-42A135182A6F}" dt="2021-10-13T20:02:57.118" v="7"/>
-        <pc:sldMkLst>
-          <pc:docMk/>
-          <pc:sldMk cId="533009411" sldId="258"/>
-        </pc:sldMkLst>
-      </pc:sldChg>
-      <pc:sldChg chg="modSp">
-        <pc:chgData name="Guest User" userId="S::urn:spo:anon#72c5720deaa68f254aac8efc0ea8d5e0a574867443caa9a0b7e211a72f51235c::" providerId="AD" clId="Web-{024D780C-EB76-4A6A-87CC-42A135182A6F}" dt="2021-10-13T20:16:53.376" v="491" actId="20577"/>
-        <pc:sldMkLst>
-          <pc:docMk/>
-          <pc:sldMk cId="4210067527" sldId="258"/>
-        </pc:sldMkLst>
-        <pc:spChg chg="mod">
-          <ac:chgData name="Guest User" userId="S::urn:spo:anon#72c5720deaa68f254aac8efc0ea8d5e0a574867443caa9a0b7e211a72f51235c::" providerId="AD" clId="Web-{024D780C-EB76-4A6A-87CC-42A135182A6F}" dt="2021-10-13T20:16:49.423" v="490" actId="20577"/>
-          <ac:spMkLst>
-            <pc:docMk/>
-            <pc:sldMk cId="4210067527" sldId="258"/>
-            <ac:spMk id="2" creationId="{DF7BA0E1-31E1-423F-B5FB-2BC813221B19}"/>
-          </ac:spMkLst>
-        </pc:spChg>
-        <pc:spChg chg="mod">
-          <ac:chgData name="Guest User" userId="S::urn:spo:anon#72c5720deaa68f254aac8efc0ea8d5e0a574867443caa9a0b7e211a72f51235c::" providerId="AD" clId="Web-{024D780C-EB76-4A6A-87CC-42A135182A6F}" dt="2021-10-13T20:16:53.376" v="491" actId="20577"/>
-          <ac:spMkLst>
-            <pc:docMk/>
-            <pc:sldMk cId="4210067527" sldId="258"/>
-            <ac:spMk id="3" creationId="{41BF94BE-B895-47A8-AD1B-ECDD4E6EE575}"/>
-          </ac:spMkLst>
-        </pc:spChg>
-        <pc:spChg chg="mod">
-          <ac:chgData name="Guest User" userId="S::urn:spo:anon#72c5720deaa68f254aac8efc0ea8d5e0a574867443caa9a0b7e211a72f51235c::" providerId="AD" clId="Web-{024D780C-EB76-4A6A-87CC-42A135182A6F}" dt="2021-10-13T20:13:53.421" v="470" actId="20577"/>
-          <ac:spMkLst>
-            <pc:docMk/>
-            <pc:sldMk cId="4210067527" sldId="258"/>
-            <ac:spMk id="4" creationId="{320AC5B4-EFFA-44B6-B094-865E799117AE}"/>
-          </ac:spMkLst>
-        </pc:spChg>
-      </pc:sldChg>
-      <pc:sldChg chg="add replId">
-        <pc:chgData name="Guest User" userId="S::urn:spo:anon#72c5720deaa68f254aac8efc0ea8d5e0a574867443caa9a0b7e211a72f51235c::" providerId="AD" clId="Web-{024D780C-EB76-4A6A-87CC-42A135182A6F}" dt="2021-10-13T20:05:36.010" v="53"/>
-        <pc:sldMkLst>
-          <pc:docMk/>
-          <pc:sldMk cId="1680003108" sldId="259"/>
-        </pc:sldMkLst>
-      </pc:sldChg>
-      <pc:sldChg chg="del">
-        <pc:chgData name="Guest User" userId="S::urn:spo:anon#72c5720deaa68f254aac8efc0ea8d5e0a574867443caa9a0b7e211a72f51235c::" providerId="AD" clId="Web-{024D780C-EB76-4A6A-87CC-42A135182A6F}" dt="2021-10-13T20:02:56.337" v="6"/>
-        <pc:sldMkLst>
-          <pc:docMk/>
-          <pc:sldMk cId="3891368792" sldId="259"/>
-        </pc:sldMkLst>
-      </pc:sldChg>
-      <pc:sldChg chg="del">
-        <pc:chgData name="Guest User" userId="S::urn:spo:anon#72c5720deaa68f254aac8efc0ea8d5e0a574867443caa9a0b7e211a72f51235c::" providerId="AD" clId="Web-{024D780C-EB76-4A6A-87CC-42A135182A6F}" dt="2021-10-13T20:02:54.978" v="3"/>
-        <pc:sldMkLst>
-          <pc:docMk/>
-          <pc:sldMk cId="2145247342" sldId="260"/>
-        </pc:sldMkLst>
-      </pc:sldChg>
-      <pc:sldChg chg="modSp">
-        <pc:chgData name="Guest User" userId="S::urn:spo:anon#72c5720deaa68f254aac8efc0ea8d5e0a574867443caa9a0b7e211a72f51235c::" providerId="AD" clId="Web-{024D780C-EB76-4A6A-87CC-42A135182A6F}" dt="2021-10-13T20:14:21.468" v="484" actId="20577"/>
-        <pc:sldMkLst>
-          <pc:docMk/>
-          <pc:sldMk cId="3897879143" sldId="260"/>
-        </pc:sldMkLst>
-        <pc:spChg chg="mod">
-          <ac:chgData name="Guest User" userId="S::urn:spo:anon#72c5720deaa68f254aac8efc0ea8d5e0a574867443caa9a0b7e211a72f51235c::" providerId="AD" clId="Web-{024D780C-EB76-4A6A-87CC-42A135182A6F}" dt="2021-10-13T20:06:36.886" v="109" actId="20577"/>
-          <ac:spMkLst>
-            <pc:docMk/>
-            <pc:sldMk cId="3897879143" sldId="260"/>
-            <ac:spMk id="2" creationId="{DF7BA0E1-31E1-423F-B5FB-2BC813221B19}"/>
-          </ac:spMkLst>
-        </pc:spChg>
-        <pc:spChg chg="mod">
-          <ac:chgData name="Guest User" userId="S::urn:spo:anon#72c5720deaa68f254aac8efc0ea8d5e0a574867443caa9a0b7e211a72f51235c::" providerId="AD" clId="Web-{024D780C-EB76-4A6A-87CC-42A135182A6F}" dt="2021-10-13T20:14:21.468" v="484" actId="20577"/>
-          <ac:spMkLst>
-            <pc:docMk/>
-            <pc:sldMk cId="3897879143" sldId="260"/>
-            <ac:spMk id="3" creationId="{41BF94BE-B895-47A8-AD1B-ECDD4E6EE575}"/>
-          </ac:spMkLst>
-        </pc:spChg>
-        <pc:spChg chg="mod">
-          <ac:chgData name="Guest User" userId="S::urn:spo:anon#72c5720deaa68f254aac8efc0ea8d5e0a574867443caa9a0b7e211a72f51235c::" providerId="AD" clId="Web-{024D780C-EB76-4A6A-87CC-42A135182A6F}" dt="2021-10-13T20:14:12.921" v="483" actId="20577"/>
-          <ac:spMkLst>
-            <pc:docMk/>
-            <pc:sldMk cId="3897879143" sldId="260"/>
-            <ac:spMk id="4" creationId="{320AC5B4-EFFA-44B6-B094-865E799117AE}"/>
-          </ac:spMkLst>
-        </pc:spChg>
-      </pc:sldChg>
-      <pc:sldChg chg="del">
-        <pc:chgData name="Guest User" userId="S::urn:spo:anon#72c5720deaa68f254aac8efc0ea8d5e0a574867443caa9a0b7e211a72f51235c::" providerId="AD" clId="Web-{024D780C-EB76-4A6A-87CC-42A135182A6F}" dt="2021-10-13T20:02:54.306" v="2"/>
-        <pc:sldMkLst>
-          <pc:docMk/>
-          <pc:sldMk cId="1399151562" sldId="261"/>
-        </pc:sldMkLst>
-      </pc:sldChg>
-      <pc:sldChg chg="modSp">
-        <pc:chgData name="Guest User" userId="S::urn:spo:anon#72c5720deaa68f254aac8efc0ea8d5e0a574867443caa9a0b7e211a72f51235c::" providerId="AD" clId="Web-{024D780C-EB76-4A6A-87CC-42A135182A6F}" dt="2021-10-13T20:19:51.033" v="554" actId="20577"/>
-        <pc:sldMkLst>
-          <pc:docMk/>
-          <pc:sldMk cId="1830676071" sldId="261"/>
-        </pc:sldMkLst>
-        <pc:spChg chg="mod">
-          <ac:chgData name="Guest User" userId="S::urn:spo:anon#72c5720deaa68f254aac8efc0ea8d5e0a574867443caa9a0b7e211a72f51235c::" providerId="AD" clId="Web-{024D780C-EB76-4A6A-87CC-42A135182A6F}" dt="2021-10-13T20:19:51.033" v="554" actId="20577"/>
-          <ac:spMkLst>
-            <pc:docMk/>
-            <pc:sldMk cId="1830676071" sldId="261"/>
-            <ac:spMk id="3" creationId="{41BF94BE-B895-47A8-AD1B-ECDD4E6EE575}"/>
-          </ac:spMkLst>
-        </pc:spChg>
-        <pc:spChg chg="mod">
-          <ac:chgData name="Guest User" userId="S::urn:spo:anon#72c5720deaa68f254aac8efc0ea8d5e0a574867443caa9a0b7e211a72f51235c::" providerId="AD" clId="Web-{024D780C-EB76-4A6A-87CC-42A135182A6F}" dt="2021-10-13T20:18:57.017" v="536" actId="20577"/>
-          <ac:spMkLst>
-            <pc:docMk/>
-            <pc:sldMk cId="1830676071" sldId="261"/>
-            <ac:spMk id="4" creationId="{320AC5B4-EFFA-44B6-B094-865E799117AE}"/>
-          </ac:spMkLst>
-        </pc:spChg>
-      </pc:sldChg>
-      <pc:sldChg chg="addSp delSp modSp add ord replId">
-        <pc:chgData name="Guest User" userId="S::urn:spo:anon#72c5720deaa68f254aac8efc0ea8d5e0a574867443caa9a0b7e211a72f51235c::" providerId="AD" clId="Web-{024D780C-EB76-4A6A-87CC-42A135182A6F}" dt="2021-10-13T21:01:37.930" v="1186" actId="20577"/>
-        <pc:sldMkLst>
-          <pc:docMk/>
-          <pc:sldMk cId="3551447798" sldId="262"/>
-        </pc:sldMkLst>
-        <pc:spChg chg="mod">
-          <ac:chgData name="Guest User" userId="S::urn:spo:anon#72c5720deaa68f254aac8efc0ea8d5e0a574867443caa9a0b7e211a72f51235c::" providerId="AD" clId="Web-{024D780C-EB76-4A6A-87CC-42A135182A6F}" dt="2021-10-13T20:29:51.351" v="631" actId="20577"/>
-          <ac:spMkLst>
-            <pc:docMk/>
-            <pc:sldMk cId="3551447798" sldId="262"/>
-            <ac:spMk id="2" creationId="{DF7BA0E1-31E1-423F-B5FB-2BC813221B19}"/>
-          </ac:spMkLst>
-        </pc:spChg>
-        <pc:spChg chg="mod">
-          <ac:chgData name="Guest User" userId="S::urn:spo:anon#72c5720deaa68f254aac8efc0ea8d5e0a574867443caa9a0b7e211a72f51235c::" providerId="AD" clId="Web-{024D780C-EB76-4A6A-87CC-42A135182A6F}" dt="2021-10-13T21:01:37.930" v="1186" actId="20577"/>
-          <ac:spMkLst>
-            <pc:docMk/>
-            <pc:sldMk cId="3551447798" sldId="262"/>
-            <ac:spMk id="3" creationId="{41BF94BE-B895-47A8-AD1B-ECDD4E6EE575}"/>
-          </ac:spMkLst>
-        </pc:spChg>
-        <pc:spChg chg="mod">
-          <ac:chgData name="Guest User" userId="S::urn:spo:anon#72c5720deaa68f254aac8efc0ea8d5e0a574867443caa9a0b7e211a72f51235c::" providerId="AD" clId="Web-{024D780C-EB76-4A6A-87CC-42A135182A6F}" dt="2021-10-13T21:01:29.274" v="1179" actId="20577"/>
-          <ac:spMkLst>
-            <pc:docMk/>
-            <pc:sldMk cId="3551447798" sldId="262"/>
-            <ac:spMk id="4" creationId="{320AC5B4-EFFA-44B6-B094-865E799117AE}"/>
-          </ac:spMkLst>
-        </pc:spChg>
-        <pc:spChg chg="add del">
-          <ac:chgData name="Guest User" userId="S::urn:spo:anon#72c5720deaa68f254aac8efc0ea8d5e0a574867443caa9a0b7e211a72f51235c::" providerId="AD" clId="Web-{024D780C-EB76-4A6A-87CC-42A135182A6F}" dt="2021-10-13T20:29:46.320" v="620"/>
-          <ac:spMkLst>
-            <pc:docMk/>
-            <pc:sldMk cId="3551447798" sldId="262"/>
-            <ac:spMk id="5" creationId="{940A4285-87D9-4F99-A9A9-28BD12DD7D39}"/>
-          </ac:spMkLst>
-        </pc:spChg>
-      </pc:sldChg>
-      <pc:sldChg chg="del">
-        <pc:chgData name="Guest User" userId="S::urn:spo:anon#72c5720deaa68f254aac8efc0ea8d5e0a574867443caa9a0b7e211a72f51235c::" providerId="AD" clId="Web-{024D780C-EB76-4A6A-87CC-42A135182A6F}" dt="2021-10-13T20:02:53.759" v="1"/>
-        <pc:sldMkLst>
-          <pc:docMk/>
-          <pc:sldMk cId="3800121808" sldId="262"/>
-        </pc:sldMkLst>
-      </pc:sldChg>
-      <pc:sldChg chg="modSp add ord replId">
-        <pc:chgData name="Guest User" userId="S::urn:spo:anon#72c5720deaa68f254aac8efc0ea8d5e0a574867443caa9a0b7e211a72f51235c::" providerId="AD" clId="Web-{024D780C-EB76-4A6A-87CC-42A135182A6F}" dt="2021-10-13T20:27:53.038" v="587" actId="20577"/>
-        <pc:sldMkLst>
-          <pc:docMk/>
-          <pc:sldMk cId="927412229" sldId="263"/>
-        </pc:sldMkLst>
-        <pc:spChg chg="mod">
-          <ac:chgData name="Guest User" userId="S::urn:spo:anon#72c5720deaa68f254aac8efc0ea8d5e0a574867443caa9a0b7e211a72f51235c::" providerId="AD" clId="Web-{024D780C-EB76-4A6A-87CC-42A135182A6F}" dt="2021-10-13T20:27:53.038" v="587" actId="20577"/>
-          <ac:spMkLst>
-            <pc:docMk/>
-            <pc:sldMk cId="927412229" sldId="263"/>
-            <ac:spMk id="2" creationId="{DF7BA0E1-31E1-423F-B5FB-2BC813221B19}"/>
-          </ac:spMkLst>
-        </pc:spChg>
-        <pc:spChg chg="mod">
-          <ac:chgData name="Guest User" userId="S::urn:spo:anon#72c5720deaa68f254aac8efc0ea8d5e0a574867443caa9a0b7e211a72f51235c::" providerId="AD" clId="Web-{024D780C-EB76-4A6A-87CC-42A135182A6F}" dt="2021-10-13T20:27:48.147" v="584" actId="20577"/>
-          <ac:spMkLst>
-            <pc:docMk/>
-            <pc:sldMk cId="927412229" sldId="263"/>
-            <ac:spMk id="3" creationId="{41BF94BE-B895-47A8-AD1B-ECDD4E6EE575}"/>
-          </ac:spMkLst>
-        </pc:spChg>
-      </pc:sldChg>
-      <pc:sldChg chg="del">
-        <pc:chgData name="Guest User" userId="S::urn:spo:anon#72c5720deaa68f254aac8efc0ea8d5e0a574867443caa9a0b7e211a72f51235c::" providerId="AD" clId="Web-{024D780C-EB76-4A6A-87CC-42A135182A6F}" dt="2021-10-13T20:02:52.150" v="0"/>
-        <pc:sldMkLst>
-          <pc:docMk/>
-          <pc:sldMk cId="3520043353" sldId="263"/>
-        </pc:sldMkLst>
-      </pc:sldChg>
-      <pc:sldChg chg="del">
-        <pc:chgData name="Guest User" userId="S::urn:spo:anon#72c5720deaa68f254aac8efc0ea8d5e0a574867443caa9a0b7e211a72f51235c::" providerId="AD" clId="Web-{024D780C-EB76-4A6A-87CC-42A135182A6F}" dt="2021-10-13T20:02:55.290" v="4"/>
-        <pc:sldMkLst>
-          <pc:docMk/>
-          <pc:sldMk cId="1272629317" sldId="264"/>
-        </pc:sldMkLst>
-      </pc:sldChg>
-      <pc:sldChg chg="addSp delSp modSp ord">
-        <pc:chgData name="Guest User" userId="S::urn:spo:anon#72c5720deaa68f254aac8efc0ea8d5e0a574867443caa9a0b7e211a72f51235c::" providerId="AD" clId="Web-{024D780C-EB76-4A6A-87CC-42A135182A6F}" dt="2021-10-13T20:31:15.524" v="746" actId="20577"/>
-        <pc:sldMkLst>
-          <pc:docMk/>
-          <pc:sldMk cId="2117415416" sldId="264"/>
-        </pc:sldMkLst>
-        <pc:spChg chg="mod">
-          <ac:chgData name="Guest User" userId="S::urn:spo:anon#72c5720deaa68f254aac8efc0ea8d5e0a574867443caa9a0b7e211a72f51235c::" providerId="AD" clId="Web-{024D780C-EB76-4A6A-87CC-42A135182A6F}" dt="2021-10-13T20:28:05.053" v="591" actId="20577"/>
-          <ac:spMkLst>
-            <pc:docMk/>
-            <pc:sldMk cId="2117415416" sldId="264"/>
-            <ac:spMk id="2" creationId="{DF7BA0E1-31E1-423F-B5FB-2BC813221B19}"/>
-          </ac:spMkLst>
-        </pc:spChg>
-        <pc:spChg chg="mod">
-          <ac:chgData name="Guest User" userId="S::urn:spo:anon#72c5720deaa68f254aac8efc0ea8d5e0a574867443caa9a0b7e211a72f51235c::" providerId="AD" clId="Web-{024D780C-EB76-4A6A-87CC-42A135182A6F}" dt="2021-10-13T20:31:15.524" v="746" actId="20577"/>
-          <ac:spMkLst>
-            <pc:docMk/>
-            <pc:sldMk cId="2117415416" sldId="264"/>
-            <ac:spMk id="3" creationId="{41BF94BE-B895-47A8-AD1B-ECDD4E6EE575}"/>
-          </ac:spMkLst>
-        </pc:spChg>
-        <pc:spChg chg="mod">
-          <ac:chgData name="Guest User" userId="S::urn:spo:anon#72c5720deaa68f254aac8efc0ea8d5e0a574867443caa9a0b7e211a72f51235c::" providerId="AD" clId="Web-{024D780C-EB76-4A6A-87CC-42A135182A6F}" dt="2021-10-13T20:28:20.038" v="617" actId="20577"/>
-          <ac:spMkLst>
-            <pc:docMk/>
-            <pc:sldMk cId="2117415416" sldId="264"/>
-            <ac:spMk id="4" creationId="{320AC5B4-EFFA-44B6-B094-865E799117AE}"/>
-          </ac:spMkLst>
-        </pc:spChg>
-        <pc:spChg chg="add del">
-          <ac:chgData name="Guest User" userId="S::urn:spo:anon#72c5720deaa68f254aac8efc0ea8d5e0a574867443caa9a0b7e211a72f51235c::" providerId="AD" clId="Web-{024D780C-EB76-4A6A-87CC-42A135182A6F}" dt="2021-10-13T20:28:21.725" v="618"/>
-          <ac:spMkLst>
-            <pc:docMk/>
-            <pc:sldMk cId="2117415416" sldId="264"/>
-            <ac:spMk id="5" creationId="{AD97DCAE-F46F-4D7A-BD6C-CD63BB3FBC03}"/>
-          </ac:spMkLst>
-        </pc:spChg>
-      </pc:sldChg>
-      <pc:sldChg chg="modSp add replId">
-        <pc:chgData name="Guest User" userId="S::urn:spo:anon#72c5720deaa68f254aac8efc0ea8d5e0a574867443caa9a0b7e211a72f51235c::" providerId="AD" clId="Web-{024D780C-EB76-4A6A-87CC-42A135182A6F}" dt="2021-10-13T21:57:52.650" v="1442" actId="20577"/>
-        <pc:sldMkLst>
-          <pc:docMk/>
-          <pc:sldMk cId="1148785392" sldId="265"/>
-        </pc:sldMkLst>
-        <pc:spChg chg="mod">
-          <ac:chgData name="Guest User" userId="S::urn:spo:anon#72c5720deaa68f254aac8efc0ea8d5e0a574867443caa9a0b7e211a72f51235c::" providerId="AD" clId="Web-{024D780C-EB76-4A6A-87CC-42A135182A6F}" dt="2021-10-13T21:43:23.908" v="1250" actId="20577"/>
-          <ac:spMkLst>
-            <pc:docMk/>
-            <pc:sldMk cId="1148785392" sldId="265"/>
-            <ac:spMk id="2" creationId="{DF7BA0E1-31E1-423F-B5FB-2BC813221B19}"/>
-          </ac:spMkLst>
-        </pc:spChg>
-        <pc:spChg chg="mod">
-          <ac:chgData name="Guest User" userId="S::urn:spo:anon#72c5720deaa68f254aac8efc0ea8d5e0a574867443caa9a0b7e211a72f51235c::" providerId="AD" clId="Web-{024D780C-EB76-4A6A-87CC-42A135182A6F}" dt="2021-10-13T21:57:52.650" v="1442" actId="20577"/>
-          <ac:spMkLst>
-            <pc:docMk/>
-            <pc:sldMk cId="1148785392" sldId="265"/>
-            <ac:spMk id="3" creationId="{41BF94BE-B895-47A8-AD1B-ECDD4E6EE575}"/>
-          </ac:spMkLst>
-        </pc:spChg>
-        <pc:spChg chg="mod">
-          <ac:chgData name="Guest User" userId="S::urn:spo:anon#72c5720deaa68f254aac8efc0ea8d5e0a574867443caa9a0b7e211a72f51235c::" providerId="AD" clId="Web-{024D780C-EB76-4A6A-87CC-42A135182A6F}" dt="2021-10-13T21:57:51.103" v="1441" actId="20577"/>
-          <ac:spMkLst>
-            <pc:docMk/>
-            <pc:sldMk cId="1148785392" sldId="265"/>
-            <ac:spMk id="4" creationId="{320AC5B4-EFFA-44B6-B094-865E799117AE}"/>
-          </ac:spMkLst>
-        </pc:spChg>
-      </pc:sldChg>
-      <pc:sldChg chg="del">
-        <pc:chgData name="Guest User" userId="S::urn:spo:anon#72c5720deaa68f254aac8efc0ea8d5e0a574867443caa9a0b7e211a72f51235c::" providerId="AD" clId="Web-{024D780C-EB76-4A6A-87CC-42A135182A6F}" dt="2021-10-13T20:02:55.822" v="5"/>
-        <pc:sldMkLst>
-          <pc:docMk/>
-          <pc:sldMk cId="1912783605" sldId="265"/>
-        </pc:sldMkLst>
-      </pc:sldChg>
-      <pc:sldChg chg="modSp add del ord replId">
-        <pc:chgData name="Guest User" userId="S::urn:spo:anon#72c5720deaa68f254aac8efc0ea8d5e0a574867443caa9a0b7e211a72f51235c::" providerId="AD" clId="Web-{024D780C-EB76-4A6A-87CC-42A135182A6F}" dt="2021-10-13T21:42:54.235" v="1244"/>
-        <pc:sldMkLst>
-          <pc:docMk/>
-          <pc:sldMk cId="2553273127" sldId="265"/>
-        </pc:sldMkLst>
-        <pc:spChg chg="mod">
-          <ac:chgData name="Guest User" userId="S::urn:spo:anon#72c5720deaa68f254aac8efc0ea8d5e0a574867443caa9a0b7e211a72f51235c::" providerId="AD" clId="Web-{024D780C-EB76-4A6A-87CC-42A135182A6F}" dt="2021-10-13T20:41:35.685" v="1027" actId="20577"/>
-          <ac:spMkLst>
-            <pc:docMk/>
-            <pc:sldMk cId="2553273127" sldId="265"/>
-            <ac:spMk id="2" creationId="{DF7BA0E1-31E1-423F-B5FB-2BC813221B19}"/>
-          </ac:spMkLst>
-        </pc:spChg>
-        <pc:spChg chg="mod">
-          <ac:chgData name="Guest User" userId="S::urn:spo:anon#72c5720deaa68f254aac8efc0ea8d5e0a574867443caa9a0b7e211a72f51235c::" providerId="AD" clId="Web-{024D780C-EB76-4A6A-87CC-42A135182A6F}" dt="2021-10-13T21:08:58.653" v="1243" actId="20577"/>
-          <ac:spMkLst>
-            <pc:docMk/>
-            <pc:sldMk cId="2553273127" sldId="265"/>
-            <ac:spMk id="3" creationId="{41BF94BE-B895-47A8-AD1B-ECDD4E6EE575}"/>
-          </ac:spMkLst>
-        </pc:spChg>
-        <pc:spChg chg="mod">
-          <ac:chgData name="Guest User" userId="S::urn:spo:anon#72c5720deaa68f254aac8efc0ea8d5e0a574867443caa9a0b7e211a72f51235c::" providerId="AD" clId="Web-{024D780C-EB76-4A6A-87CC-42A135182A6F}" dt="2021-10-13T20:41:46.061" v="1038" actId="20577"/>
-          <ac:spMkLst>
-            <pc:docMk/>
-            <pc:sldMk cId="2553273127" sldId="265"/>
-            <ac:spMk id="4" creationId="{320AC5B4-EFFA-44B6-B094-865E799117AE}"/>
-          </ac:spMkLst>
-        </pc:spChg>
-      </pc:sldChg>
-    </pc:docChg>
-  </pc:docChgLst>
-  <pc:docChgLst>
-    <pc:chgData name="Guest User" userId="S::urn:spo:anon#72c5720deaa68f254aac8efc0ea8d5e0a574867443caa9a0b7e211a72f51235c::" providerId="AD" clId="Web-{20F90167-74B1-435D-581A-42BA7ABC474E}"/>
-    <pc:docChg chg="addSld modSld sldOrd">
-      <pc:chgData name="Guest User" userId="S::urn:spo:anon#72c5720deaa68f254aac8efc0ea8d5e0a574867443caa9a0b7e211a72f51235c::" providerId="AD" clId="Web-{20F90167-74B1-435D-581A-42BA7ABC474E}" dt="2021-10-15T05:41:41.149" v="1529" actId="20577"/>
-      <pc:docMkLst>
-        <pc:docMk/>
-      </pc:docMkLst>
-      <pc:sldChg chg="modSp ord">
-        <pc:chgData name="Guest User" userId="S::urn:spo:anon#72c5720deaa68f254aac8efc0ea8d5e0a574867443caa9a0b7e211a72f51235c::" providerId="AD" clId="Web-{20F90167-74B1-435D-581A-42BA7ABC474E}" dt="2021-10-15T05:28:37.718" v="1241" actId="20577"/>
-        <pc:sldMkLst>
-          <pc:docMk/>
-          <pc:sldMk cId="4210067527" sldId="258"/>
-        </pc:sldMkLst>
-        <pc:spChg chg="mod">
-          <ac:chgData name="Guest User" userId="S::urn:spo:anon#72c5720deaa68f254aac8efc0ea8d5e0a574867443caa9a0b7e211a72f51235c::" providerId="AD" clId="Web-{20F90167-74B1-435D-581A-42BA7ABC474E}" dt="2021-10-15T05:17:27.315" v="754" actId="20577"/>
-          <ac:spMkLst>
-            <pc:docMk/>
-            <pc:sldMk cId="4210067527" sldId="258"/>
-            <ac:spMk id="3" creationId="{41BF94BE-B895-47A8-AD1B-ECDD4E6EE575}"/>
-          </ac:spMkLst>
-        </pc:spChg>
-        <pc:spChg chg="mod">
-          <ac:chgData name="Guest User" userId="S::urn:spo:anon#72c5720deaa68f254aac8efc0ea8d5e0a574867443caa9a0b7e211a72f51235c::" providerId="AD" clId="Web-{20F90167-74B1-435D-581A-42BA7ABC474E}" dt="2021-10-15T05:28:37.718" v="1241" actId="20577"/>
-          <ac:spMkLst>
-            <pc:docMk/>
-            <pc:sldMk cId="4210067527" sldId="258"/>
-            <ac:spMk id="4" creationId="{320AC5B4-EFFA-44B6-B094-865E799117AE}"/>
-          </ac:spMkLst>
-        </pc:spChg>
-      </pc:sldChg>
-      <pc:sldChg chg="modSp">
-        <pc:chgData name="Guest User" userId="S::urn:spo:anon#72c5720deaa68f254aac8efc0ea8d5e0a574867443caa9a0b7e211a72f51235c::" providerId="AD" clId="Web-{20F90167-74B1-435D-581A-42BA7ABC474E}" dt="2021-10-15T05:27:33.042" v="1231" actId="20577"/>
-        <pc:sldMkLst>
-          <pc:docMk/>
-          <pc:sldMk cId="1680003108" sldId="259"/>
-        </pc:sldMkLst>
-        <pc:spChg chg="mod">
-          <ac:chgData name="Guest User" userId="S::urn:spo:anon#72c5720deaa68f254aac8efc0ea8d5e0a574867443caa9a0b7e211a72f51235c::" providerId="AD" clId="Web-{20F90167-74B1-435D-581A-42BA7ABC474E}" dt="2021-10-15T05:27:33.042" v="1231" actId="20577"/>
-          <ac:spMkLst>
-            <pc:docMk/>
-            <pc:sldMk cId="1680003108" sldId="259"/>
-            <ac:spMk id="3" creationId="{41BF94BE-B895-47A8-AD1B-ECDD4E6EE575}"/>
-          </ac:spMkLst>
-        </pc:spChg>
-        <pc:spChg chg="mod">
-          <ac:chgData name="Guest User" userId="S::urn:spo:anon#72c5720deaa68f254aac8efc0ea8d5e0a574867443caa9a0b7e211a72f51235c::" providerId="AD" clId="Web-{20F90167-74B1-435D-581A-42BA7ABC474E}" dt="2021-10-15T05:27:28.901" v="1230" actId="20577"/>
-          <ac:spMkLst>
-            <pc:docMk/>
-            <pc:sldMk cId="1680003108" sldId="259"/>
-            <ac:spMk id="4" creationId="{320AC5B4-EFFA-44B6-B094-865E799117AE}"/>
-          </ac:spMkLst>
-        </pc:spChg>
-      </pc:sldChg>
-      <pc:sldChg chg="modSp">
-        <pc:chgData name="Guest User" userId="S::urn:spo:anon#72c5720deaa68f254aac8efc0ea8d5e0a574867443caa9a0b7e211a72f51235c::" providerId="AD" clId="Web-{20F90167-74B1-435D-581A-42BA7ABC474E}" dt="2021-10-15T05:41:41.149" v="1529" actId="20577"/>
-        <pc:sldMkLst>
-          <pc:docMk/>
-          <pc:sldMk cId="3897879143" sldId="260"/>
-        </pc:sldMkLst>
-        <pc:spChg chg="mod">
-          <ac:chgData name="Guest User" userId="S::urn:spo:anon#72c5720deaa68f254aac8efc0ea8d5e0a574867443caa9a0b7e211a72f51235c::" providerId="AD" clId="Web-{20F90167-74B1-435D-581A-42BA7ABC474E}" dt="2021-10-15T05:41:41.149" v="1529" actId="20577"/>
-          <ac:spMkLst>
-            <pc:docMk/>
-            <pc:sldMk cId="3897879143" sldId="260"/>
-            <ac:spMk id="3" creationId="{41BF94BE-B895-47A8-AD1B-ECDD4E6EE575}"/>
-          </ac:spMkLst>
-        </pc:spChg>
-        <pc:spChg chg="mod">
-          <ac:chgData name="Guest User" userId="S::urn:spo:anon#72c5720deaa68f254aac8efc0ea8d5e0a574867443caa9a0b7e211a72f51235c::" providerId="AD" clId="Web-{20F90167-74B1-435D-581A-42BA7ABC474E}" dt="2021-10-15T05:32:40.718" v="1371" actId="20577"/>
-          <ac:spMkLst>
-            <pc:docMk/>
-            <pc:sldMk cId="3897879143" sldId="260"/>
-            <ac:spMk id="4" creationId="{320AC5B4-EFFA-44B6-B094-865E799117AE}"/>
-          </ac:spMkLst>
-        </pc:spChg>
-      </pc:sldChg>
-      <pc:sldChg chg="modSp">
-        <pc:chgData name="Guest User" userId="S::urn:spo:anon#72c5720deaa68f254aac8efc0ea8d5e0a574867443caa9a0b7e211a72f51235c::" providerId="AD" clId="Web-{20F90167-74B1-435D-581A-42BA7ABC474E}" dt="2021-10-15T05:38:43.684" v="1464" actId="20577"/>
-        <pc:sldMkLst>
-          <pc:docMk/>
-          <pc:sldMk cId="1830676071" sldId="261"/>
-        </pc:sldMkLst>
-        <pc:spChg chg="mod">
-          <ac:chgData name="Guest User" userId="S::urn:spo:anon#72c5720deaa68f254aac8efc0ea8d5e0a574867443caa9a0b7e211a72f51235c::" providerId="AD" clId="Web-{20F90167-74B1-435D-581A-42BA7ABC474E}" dt="2021-10-15T05:38:43.684" v="1464" actId="20577"/>
-          <ac:spMkLst>
-            <pc:docMk/>
-            <pc:sldMk cId="1830676071" sldId="261"/>
-            <ac:spMk id="3" creationId="{41BF94BE-B895-47A8-AD1B-ECDD4E6EE575}"/>
-          </ac:spMkLst>
-        </pc:spChg>
-        <pc:spChg chg="mod">
-          <ac:chgData name="Guest User" userId="S::urn:spo:anon#72c5720deaa68f254aac8efc0ea8d5e0a574867443caa9a0b7e211a72f51235c::" providerId="AD" clId="Web-{20F90167-74B1-435D-581A-42BA7ABC474E}" dt="2021-10-15T05:32:50.078" v="1372" actId="20577"/>
-          <ac:spMkLst>
-            <pc:docMk/>
-            <pc:sldMk cId="1830676071" sldId="261"/>
-            <ac:spMk id="4" creationId="{320AC5B4-EFFA-44B6-B094-865E799117AE}"/>
-          </ac:spMkLst>
-        </pc:spChg>
-      </pc:sldChg>
-      <pc:sldChg chg="modSp ord">
-        <pc:chgData name="Guest User" userId="S::urn:spo:anon#72c5720deaa68f254aac8efc0ea8d5e0a574867443caa9a0b7e211a72f51235c::" providerId="AD" clId="Web-{20F90167-74B1-435D-581A-42BA7ABC474E}" dt="2021-10-15T05:39:08.326" v="1486" actId="20577"/>
-        <pc:sldMkLst>
-          <pc:docMk/>
-          <pc:sldMk cId="927412229" sldId="263"/>
-        </pc:sldMkLst>
-        <pc:spChg chg="mod">
-          <ac:chgData name="Guest User" userId="S::urn:spo:anon#72c5720deaa68f254aac8efc0ea8d5e0a574867443caa9a0b7e211a72f51235c::" providerId="AD" clId="Web-{20F90167-74B1-435D-581A-42BA7ABC474E}" dt="2021-10-15T05:39:08.326" v="1486" actId="20577"/>
-          <ac:spMkLst>
-            <pc:docMk/>
-            <pc:sldMk cId="927412229" sldId="263"/>
-            <ac:spMk id="3" creationId="{41BF94BE-B895-47A8-AD1B-ECDD4E6EE575}"/>
-          </ac:spMkLst>
-        </pc:spChg>
-        <pc:spChg chg="mod">
-          <ac:chgData name="Guest User" userId="S::urn:spo:anon#72c5720deaa68f254aac8efc0ea8d5e0a574867443caa9a0b7e211a72f51235c::" providerId="AD" clId="Web-{20F90167-74B1-435D-581A-42BA7ABC474E}" dt="2021-10-15T05:20:19.748" v="790" actId="20577"/>
-          <ac:spMkLst>
-            <pc:docMk/>
-            <pc:sldMk cId="927412229" sldId="263"/>
-            <ac:spMk id="4" creationId="{320AC5B4-EFFA-44B6-B094-865E799117AE}"/>
-          </ac:spMkLst>
-        </pc:spChg>
-      </pc:sldChg>
-      <pc:sldChg chg="modSp">
-        <pc:chgData name="Guest User" userId="S::urn:spo:anon#72c5720deaa68f254aac8efc0ea8d5e0a574867443caa9a0b7e211a72f51235c::" providerId="AD" clId="Web-{20F90167-74B1-435D-581A-42BA7ABC474E}" dt="2021-10-15T05:33:08.798" v="1375" actId="20577"/>
-        <pc:sldMkLst>
-          <pc:docMk/>
-          <pc:sldMk cId="2117415416" sldId="264"/>
-        </pc:sldMkLst>
-        <pc:spChg chg="mod">
-          <ac:chgData name="Guest User" userId="S::urn:spo:anon#72c5720deaa68f254aac8efc0ea8d5e0a574867443caa9a0b7e211a72f51235c::" providerId="AD" clId="Web-{20F90167-74B1-435D-581A-42BA7ABC474E}" dt="2021-10-15T05:33:08.798" v="1375" actId="20577"/>
-          <ac:spMkLst>
-            <pc:docMk/>
-            <pc:sldMk cId="2117415416" sldId="264"/>
-            <ac:spMk id="4" creationId="{320AC5B4-EFFA-44B6-B094-865E799117AE}"/>
-          </ac:spMkLst>
-        </pc:spChg>
-      </pc:sldChg>
-      <pc:sldChg chg="modSp">
-        <pc:chgData name="Guest User" userId="S::urn:spo:anon#72c5720deaa68f254aac8efc0ea8d5e0a574867443caa9a0b7e211a72f51235c::" providerId="AD" clId="Web-{20F90167-74B1-435D-581A-42BA7ABC474E}" dt="2021-10-15T05:32:56.547" v="1373" actId="20577"/>
-        <pc:sldMkLst>
-          <pc:docMk/>
-          <pc:sldMk cId="1148785392" sldId="265"/>
-        </pc:sldMkLst>
-        <pc:spChg chg="mod">
-          <ac:chgData name="Guest User" userId="S::urn:spo:anon#72c5720deaa68f254aac8efc0ea8d5e0a574867443caa9a0b7e211a72f51235c::" providerId="AD" clId="Web-{20F90167-74B1-435D-581A-42BA7ABC474E}" dt="2021-10-15T05:20:55.219" v="803" actId="20577"/>
-          <ac:spMkLst>
-            <pc:docMk/>
-            <pc:sldMk cId="1148785392" sldId="265"/>
-            <ac:spMk id="3" creationId="{41BF94BE-B895-47A8-AD1B-ECDD4E6EE575}"/>
-          </ac:spMkLst>
-        </pc:spChg>
-        <pc:spChg chg="mod">
-          <ac:chgData name="Guest User" userId="S::urn:spo:anon#72c5720deaa68f254aac8efc0ea8d5e0a574867443caa9a0b7e211a72f51235c::" providerId="AD" clId="Web-{20F90167-74B1-435D-581A-42BA7ABC474E}" dt="2021-10-15T05:32:56.547" v="1373" actId="20577"/>
-          <ac:spMkLst>
-            <pc:docMk/>
-            <pc:sldMk cId="1148785392" sldId="265"/>
-            <ac:spMk id="4" creationId="{320AC5B4-EFFA-44B6-B094-865E799117AE}"/>
-          </ac:spMkLst>
-        </pc:spChg>
-      </pc:sldChg>
-      <pc:sldChg chg="modCm">
-        <pc:chgData name="Guest User" userId="S::urn:spo:anon#72c5720deaa68f254aac8efc0ea8d5e0a574867443caa9a0b7e211a72f51235c::" providerId="AD" clId="Web-{20F90167-74B1-435D-581A-42BA7ABC474E}" dt="2021-10-14T20:09:37.559" v="33"/>
-        <pc:sldMkLst>
-          <pc:docMk/>
-          <pc:sldMk cId="1641759715" sldId="270"/>
-        </pc:sldMkLst>
-      </pc:sldChg>
-      <pc:sldChg chg="modSp">
-        <pc:chgData name="Guest User" userId="S::urn:spo:anon#72c5720deaa68f254aac8efc0ea8d5e0a574867443caa9a0b7e211a72f51235c::" providerId="AD" clId="Web-{20F90167-74B1-435D-581A-42BA7ABC474E}" dt="2021-10-15T05:38:14.088" v="1457" actId="20577"/>
-        <pc:sldMkLst>
-          <pc:docMk/>
-          <pc:sldMk cId="1970194833" sldId="272"/>
-        </pc:sldMkLst>
-        <pc:spChg chg="mod">
-          <ac:chgData name="Guest User" userId="S::urn:spo:anon#72c5720deaa68f254aac8efc0ea8d5e0a574867443caa9a0b7e211a72f51235c::" providerId="AD" clId="Web-{20F90167-74B1-435D-581A-42BA7ABC474E}" dt="2021-10-15T05:38:14.088" v="1457" actId="20577"/>
-          <ac:spMkLst>
-            <pc:docMk/>
-            <pc:sldMk cId="1970194833" sldId="272"/>
-            <ac:spMk id="3" creationId="{41BF94BE-B895-47A8-AD1B-ECDD4E6EE575}"/>
-          </ac:spMkLst>
-        </pc:spChg>
-        <pc:spChg chg="mod">
-          <ac:chgData name="Guest User" userId="S::urn:spo:anon#72c5720deaa68f254aac8efc0ea8d5e0a574867443caa9a0b7e211a72f51235c::" providerId="AD" clId="Web-{20F90167-74B1-435D-581A-42BA7ABC474E}" dt="2021-10-15T05:32:31.061" v="1369" actId="20577"/>
-          <ac:spMkLst>
-            <pc:docMk/>
-            <pc:sldMk cId="1970194833" sldId="272"/>
-            <ac:spMk id="4" creationId="{320AC5B4-EFFA-44B6-B094-865E799117AE}"/>
-          </ac:spMkLst>
-        </pc:spChg>
-      </pc:sldChg>
-      <pc:sldChg chg="modSp add replId">
-        <pc:chgData name="Guest User" userId="S::urn:spo:anon#72c5720deaa68f254aac8efc0ea8d5e0a574867443caa9a0b7e211a72f51235c::" providerId="AD" clId="Web-{20F90167-74B1-435D-581A-42BA7ABC474E}" dt="2021-10-15T05:30:23.772" v="1360" actId="20577"/>
-        <pc:sldMkLst>
-          <pc:docMk/>
-          <pc:sldMk cId="2854695675" sldId="273"/>
-        </pc:sldMkLst>
-        <pc:spChg chg="mod">
-          <ac:chgData name="Guest User" userId="S::urn:spo:anon#72c5720deaa68f254aac8efc0ea8d5e0a574867443caa9a0b7e211a72f51235c::" providerId="AD" clId="Web-{20F90167-74B1-435D-581A-42BA7ABC474E}" dt="2021-10-15T04:45:51.832" v="80" actId="20577"/>
-          <ac:spMkLst>
-            <pc:docMk/>
-            <pc:sldMk cId="2854695675" sldId="273"/>
-            <ac:spMk id="2" creationId="{DF7BA0E1-31E1-423F-B5FB-2BC813221B19}"/>
-          </ac:spMkLst>
-        </pc:spChg>
-        <pc:spChg chg="mod">
-          <ac:chgData name="Guest User" userId="S::urn:spo:anon#72c5720deaa68f254aac8efc0ea8d5e0a574867443caa9a0b7e211a72f51235c::" providerId="AD" clId="Web-{20F90167-74B1-435D-581A-42BA7ABC474E}" dt="2021-10-15T05:11:52.246" v="514" actId="20577"/>
-          <ac:spMkLst>
-            <pc:docMk/>
-            <pc:sldMk cId="2854695675" sldId="273"/>
-            <ac:spMk id="3" creationId="{41BF94BE-B895-47A8-AD1B-ECDD4E6EE575}"/>
-          </ac:spMkLst>
-        </pc:spChg>
-        <pc:spChg chg="mod">
-          <ac:chgData name="Guest User" userId="S::urn:spo:anon#72c5720deaa68f254aac8efc0ea8d5e0a574867443caa9a0b7e211a72f51235c::" providerId="AD" clId="Web-{20F90167-74B1-435D-581A-42BA7ABC474E}" dt="2021-10-15T05:30:23.772" v="1360" actId="20577"/>
-          <ac:spMkLst>
-            <pc:docMk/>
-            <pc:sldMk cId="2854695675" sldId="273"/>
-            <ac:spMk id="4" creationId="{320AC5B4-EFFA-44B6-B094-865E799117AE}"/>
-          </ac:spMkLst>
-        </pc:spChg>
-      </pc:sldChg>
-    </pc:docChg>
-  </pc:docChgLst>
-  <pc:docChgLst>
-    <pc:chgData name="Guest User" userId="S::urn:spo:anon#72c5720deaa68f254aac8efc0ea8d5e0a574867443caa9a0b7e211a72f51235c::" providerId="AD" clId="Web-{741146A7-5CD3-A390-626F-815BF9AEBC17}"/>
-    <pc:docChg chg="modSld">
-      <pc:chgData name="Guest User" userId="S::urn:spo:anon#72c5720deaa68f254aac8efc0ea8d5e0a574867443caa9a0b7e211a72f51235c::" providerId="AD" clId="Web-{741146A7-5CD3-A390-626F-815BF9AEBC17}" dt="2021-10-14T17:05:33.237" v="16" actId="20577"/>
-      <pc:docMkLst>
-        <pc:docMk/>
-      </pc:docMkLst>
-      <pc:sldChg chg="modSp">
-        <pc:chgData name="Guest User" userId="S::urn:spo:anon#72c5720deaa68f254aac8efc0ea8d5e0a574867443caa9a0b7e211a72f51235c::" providerId="AD" clId="Web-{741146A7-5CD3-A390-626F-815BF9AEBC17}" dt="2021-10-14T17:05:33.237" v="16" actId="20577"/>
-        <pc:sldMkLst>
-          <pc:docMk/>
-          <pc:sldMk cId="4210067527" sldId="258"/>
-        </pc:sldMkLst>
-        <pc:spChg chg="mod">
-          <ac:chgData name="Guest User" userId="S::urn:spo:anon#72c5720deaa68f254aac8efc0ea8d5e0a574867443caa9a0b7e211a72f51235c::" providerId="AD" clId="Web-{741146A7-5CD3-A390-626F-815BF9AEBC17}" dt="2021-10-14T17:05:33.237" v="16" actId="20577"/>
-          <ac:spMkLst>
-            <pc:docMk/>
-            <pc:sldMk cId="4210067527" sldId="258"/>
-            <ac:spMk id="4" creationId="{320AC5B4-EFFA-44B6-B094-865E799117AE}"/>
-          </ac:spMkLst>
-        </pc:spChg>
-      </pc:sldChg>
-      <pc:sldChg chg="modSp">
-        <pc:chgData name="Guest User" userId="S::urn:spo:anon#72c5720deaa68f254aac8efc0ea8d5e0a574867443caa9a0b7e211a72f51235c::" providerId="AD" clId="Web-{741146A7-5CD3-A390-626F-815BF9AEBC17}" dt="2021-10-14T17:00:22.366" v="7" actId="20577"/>
-        <pc:sldMkLst>
-          <pc:docMk/>
-          <pc:sldMk cId="1830676071" sldId="261"/>
-        </pc:sldMkLst>
-        <pc:spChg chg="mod">
-          <ac:chgData name="Guest User" userId="S::urn:spo:anon#72c5720deaa68f254aac8efc0ea8d5e0a574867443caa9a0b7e211a72f51235c::" providerId="AD" clId="Web-{741146A7-5CD3-A390-626F-815BF9AEBC17}" dt="2021-10-14T17:00:22.366" v="7" actId="20577"/>
-          <ac:spMkLst>
-            <pc:docMk/>
-            <pc:sldMk cId="1830676071" sldId="261"/>
-            <ac:spMk id="3" creationId="{41BF94BE-B895-47A8-AD1B-ECDD4E6EE575}"/>
-          </ac:spMkLst>
-        </pc:spChg>
-      </pc:sldChg>
-      <pc:sldChg chg="modSp">
-        <pc:chgData name="Guest User" userId="S::urn:spo:anon#72c5720deaa68f254aac8efc0ea8d5e0a574867443caa9a0b7e211a72f51235c::" providerId="AD" clId="Web-{741146A7-5CD3-A390-626F-815BF9AEBC17}" dt="2021-10-14T15:10:38.327" v="4" actId="20577"/>
-        <pc:sldMkLst>
-          <pc:docMk/>
-          <pc:sldMk cId="1148785392" sldId="265"/>
-        </pc:sldMkLst>
-        <pc:spChg chg="mod">
-          <ac:chgData name="Guest User" userId="S::urn:spo:anon#72c5720deaa68f254aac8efc0ea8d5e0a574867443caa9a0b7e211a72f51235c::" providerId="AD" clId="Web-{741146A7-5CD3-A390-626F-815BF9AEBC17}" dt="2021-10-14T15:10:38.327" v="4" actId="20577"/>
-          <ac:spMkLst>
-            <pc:docMk/>
-            <pc:sldMk cId="1148785392" sldId="265"/>
-            <ac:spMk id="2" creationId="{DF7BA0E1-31E1-423F-B5FB-2BC813221B19}"/>
-          </ac:spMkLst>
-        </pc:spChg>
-      </pc:sldChg>
-      <pc:sldChg chg="addCm modCm">
-        <pc:chgData name="Guest User" userId="S::urn:spo:anon#72c5720deaa68f254aac8efc0ea8d5e0a574867443caa9a0b7e211a72f51235c::" providerId="AD" clId="Web-{741146A7-5CD3-A390-626F-815BF9AEBC17}" dt="2021-10-14T14:55:04.378" v="1"/>
-        <pc:sldMkLst>
-          <pc:docMk/>
-          <pc:sldMk cId="1641759715" sldId="270"/>
-        </pc:sldMkLst>
-      </pc:sldChg>
-    </pc:docChg>
-  </pc:docChgLst>
-</pc:chgInfo>
 </file>
 
 <file path=ppt/slideLayouts/slideLayout1.xml><?xml version="1.0" encoding="utf-8"?>
@@ -5912,16 +3687,22 @@
           <a:p>
             <a:pPr marL="457200" indent="-457200"/>
             <a:r>
-              <a:rPr lang="en-US">
+              <a:rPr lang="en-US" dirty="0">
                 <a:cs typeface="Calibri" panose="020F0502020204030204"/>
               </a:rPr>
-              <a:t>Stored and used in PrivateInfoManager </a:t>
-            </a:r>
-            <a:r>
-              <a:rPr lang="en-US" dirty="0">
+              <a:t>Stored and used in </a:t>
+            </a:r>
+            <a:r>
+              <a:rPr lang="en-US" dirty="0" err="1">
                 <a:cs typeface="Calibri" panose="020F0502020204030204"/>
               </a:rPr>
-              <a:t>Class</a:t>
+              <a:t>PrivateInfoManager</a:t>
+            </a:r>
+            <a:r>
+              <a:rPr lang="en-US" dirty="0">
+                <a:cs typeface="Calibri" panose="020F0502020204030204"/>
+              </a:rPr>
+              <a:t> Class</a:t>
             </a:r>
           </a:p>
           <a:p>
@@ -6028,12 +3809,12 @@
           <a:lstStyle/>
           <a:p>
             <a:r>
-              <a:rPr lang="en-US">
+              <a:rPr lang="en-US" dirty="0">
                 <a:cs typeface="Calibri Light"/>
               </a:rPr>
-              <a:t>UIMain(User Interface)</a:t>
-            </a:r>
-            <a:endParaRPr lang="en-US"/>
+              <a:t>Controller(Controller)</a:t>
+            </a:r>
+            <a:endParaRPr lang="en-US" dirty="0"/>
           </a:p>
         </p:txBody>
       </p:sp>
@@ -6066,127 +3847,179 @@
           </a:bodyPr>
           <a:lstStyle/>
           <a:p>
-            <a:pPr>
-              <a:buNone/>
-            </a:pPr>
-            <a:r>
-              <a:rPr lang="en-US">
-                <a:cs typeface="Calibri"/>
-              </a:rPr>
-              <a:t>Class handling the command line interface. Responsible for receiving user input and presenting outputs. In the final program this, a GUI will be added.</a:t>
-            </a:r>
-          </a:p>
-          <a:p>
-            <a:pPr>
-              <a:buNone/>
-            </a:pPr>
-            <a:r>
-              <a:rPr lang="en-US">
-                <a:cs typeface="Calibri"/>
-              </a:rPr>
-              <a:t>Instance Attributes:</a:t>
-            </a:r>
-            <a:endParaRPr lang="en-US"/>
-          </a:p>
-          <a:p>
             <a:pPr marL="0" indent="0">
               <a:buNone/>
             </a:pPr>
             <a:r>
-              <a:rPr lang="en-US">
-                <a:cs typeface="Calibri"/>
-              </a:rPr>
-              <a:t>Methods:</a:t>
-            </a:r>
-          </a:p>
-          <a:p>
-            <a:r>
-              <a:rPr lang="en-US">
-                <a:cs typeface="Calibri"/>
-              </a:rPr>
-              <a:t>Welcome()- prints a welcome message in the command line</a:t>
-            </a:r>
-          </a:p>
-          <a:p>
-            <a:pPr marL="457200" indent="-457200"/>
-            <a:r>
-              <a:rPr lang="en-US" err="1">
-                <a:cs typeface="Calibri"/>
-              </a:rPr>
-              <a:t>AccountPrompt</a:t>
-            </a:r>
-            <a:r>
-              <a:rPr lang="en-US">
-                <a:cs typeface="Calibri"/>
-              </a:rPr>
-              <a:t>() - prompts user to either register or login </a:t>
-            </a:r>
-          </a:p>
-          <a:p>
-            <a:pPr marL="457200" indent="-457200"/>
-            <a:r>
-              <a:rPr lang="en-US" err="1">
-                <a:cs typeface="Calibri"/>
-              </a:rPr>
-              <a:t>GetAccountCredentials</a:t>
-            </a:r>
-            <a:r>
-              <a:rPr lang="en-US">
-                <a:cs typeface="Calibri"/>
-              </a:rPr>
-              <a:t>() - gets a username, password, and encryption key from user for </a:t>
-            </a:r>
-            <a:r>
-              <a:rPr lang="en-US" err="1">
-                <a:cs typeface="Calibri"/>
-              </a:rPr>
-              <a:t>loggin</a:t>
-            </a:r>
-            <a:r>
-              <a:rPr lang="en-US">
-                <a:cs typeface="Calibri"/>
-              </a:rPr>
-              <a:t> in and registering</a:t>
-            </a:r>
-          </a:p>
-          <a:p>
-            <a:pPr marL="457200" indent="-457200"/>
-            <a:r>
-              <a:rPr lang="en-US" err="1">
-                <a:cs typeface="Calibri"/>
-              </a:rPr>
-              <a:t>MainMenuPrompt</a:t>
-            </a:r>
-            <a:r>
-              <a:rPr lang="en-US">
-                <a:cs typeface="Calibri"/>
-              </a:rPr>
-              <a:t>() - main prompt after logging in. Asks user which part of their "vault" they want to manage</a:t>
-            </a:r>
-          </a:p>
-          <a:p>
-            <a:pPr marL="457200" indent="-457200"/>
-            <a:r>
-              <a:rPr lang="en-US" err="1">
-                <a:cs typeface="Calibri"/>
-              </a:rPr>
-              <a:t>GetKey</a:t>
-            </a:r>
-            <a:r>
-              <a:rPr lang="en-US">
-                <a:cs typeface="Calibri"/>
-              </a:rPr>
-              <a:t>() - returns </a:t>
-            </a:r>
-            <a:r>
-              <a:rPr lang="en-US" err="1">
-                <a:cs typeface="Calibri"/>
-              </a:rPr>
-              <a:t>userKey</a:t>
-            </a:r>
-            <a:endParaRPr lang="en-US">
-              <a:cs typeface="Calibri"/>
+              <a:rPr lang="en-US" dirty="0">
+                <a:cs typeface="Calibri"/>
+              </a:rPr>
+              <a:t>Controller for the program. Receives inputs from </a:t>
+            </a:r>
+            <a:r>
+              <a:rPr lang="en-US" dirty="0" err="1">
+                <a:cs typeface="Calibri"/>
+              </a:rPr>
+              <a:t>UImain</a:t>
+            </a:r>
+            <a:r>
+              <a:rPr lang="en-US" dirty="0">
+                <a:cs typeface="Calibri"/>
+              </a:rPr>
+              <a:t> and interacts with use case classes to generate outputs. </a:t>
+            </a:r>
+            <a:endParaRPr lang="en-US" dirty="0">
+              <a:ea typeface="+mn-lt"/>
+              <a:cs typeface="+mn-lt"/>
             </a:endParaRPr>
+          </a:p>
+          <a:p>
+            <a:pPr marL="0" indent="0">
+              <a:buNone/>
+            </a:pPr>
+            <a:r>
+              <a:rPr lang="en-US" u="sng" dirty="0">
+                <a:ea typeface="+mn-lt"/>
+                <a:cs typeface="+mn-lt"/>
+              </a:rPr>
+              <a:t>Instance Variables</a:t>
+            </a:r>
+            <a:endParaRPr lang="en-US" dirty="0">
+              <a:ea typeface="+mn-lt"/>
+              <a:cs typeface="+mn-lt"/>
+            </a:endParaRPr>
+          </a:p>
+          <a:p>
+            <a:pPr marL="457200" indent="-457200">
+              <a:buFont typeface="Arial"/>
+              <a:buChar char="•"/>
+            </a:pPr>
+            <a:r>
+              <a:rPr lang="en-US" dirty="0">
+                <a:ea typeface="+mn-lt"/>
+                <a:cs typeface="+mn-lt"/>
+              </a:rPr>
+              <a:t>private </a:t>
+            </a:r>
+            <a:r>
+              <a:rPr lang="en-US" dirty="0" err="1">
+                <a:ea typeface="+mn-lt"/>
+                <a:cs typeface="+mn-lt"/>
+              </a:rPr>
+              <a:t>AccountManager</a:t>
+            </a:r>
+            <a:r>
+              <a:rPr lang="en-US" dirty="0">
+                <a:ea typeface="+mn-lt"/>
+                <a:cs typeface="+mn-lt"/>
+              </a:rPr>
+              <a:t>(</a:t>
+            </a:r>
+            <a:r>
+              <a:rPr lang="en-US" dirty="0" err="1">
+                <a:ea typeface="+mn-lt"/>
+                <a:cs typeface="+mn-lt"/>
+              </a:rPr>
+              <a:t>AccountManager</a:t>
+            </a:r>
+            <a:r>
+              <a:rPr lang="en-US" dirty="0">
+                <a:ea typeface="+mn-lt"/>
+                <a:cs typeface="+mn-lt"/>
+              </a:rPr>
+              <a:t>) - handles account operations such as registering, logging in and accessing info</a:t>
+            </a:r>
+          </a:p>
+          <a:p>
+            <a:pPr marL="457200" indent="-457200">
+              <a:buFont typeface="Arial"/>
+              <a:buChar char="•"/>
+            </a:pPr>
+            <a:r>
+              <a:rPr lang="en-US" dirty="0">
+                <a:ea typeface="+mn-lt"/>
+                <a:cs typeface="+mn-lt"/>
+              </a:rPr>
+              <a:t>Private vault(</a:t>
+            </a:r>
+            <a:r>
+              <a:rPr lang="en-US" dirty="0" err="1">
+                <a:ea typeface="+mn-lt"/>
+                <a:cs typeface="+mn-lt"/>
+              </a:rPr>
+              <a:t>PrivateInfoManager</a:t>
+            </a:r>
+            <a:r>
+              <a:rPr lang="en-US" dirty="0">
+                <a:ea typeface="+mn-lt"/>
+                <a:cs typeface="+mn-lt"/>
+              </a:rPr>
+              <a:t>) - created after logging in. Gives access to and allows editing of a specific user's </a:t>
+            </a:r>
+            <a:r>
+              <a:rPr lang="en-US" dirty="0" err="1">
+                <a:ea typeface="+mn-lt"/>
+                <a:cs typeface="+mn-lt"/>
+              </a:rPr>
+              <a:t>PrivateInfo</a:t>
+            </a:r>
+            <a:endParaRPr lang="en-US" dirty="0" err="1"/>
+          </a:p>
+          <a:p>
+            <a:pPr marL="0" indent="0">
+              <a:buNone/>
+            </a:pPr>
+            <a:r>
+              <a:rPr lang="en-US" u="sng" dirty="0">
+                <a:ea typeface="+mn-lt"/>
+                <a:cs typeface="+mn-lt"/>
+              </a:rPr>
+              <a:t>Methods</a:t>
+            </a:r>
+            <a:endParaRPr lang="en-US" dirty="0">
+              <a:ea typeface="+mn-lt"/>
+              <a:cs typeface="+mn-lt"/>
+            </a:endParaRPr>
+          </a:p>
+          <a:p>
+            <a:pPr marL="457200" indent="-457200">
+              <a:buFont typeface="Arial"/>
+              <a:buChar char="•"/>
+            </a:pPr>
+            <a:r>
+              <a:rPr lang="en-US" dirty="0" err="1">
+                <a:ea typeface="+mn-lt"/>
+                <a:cs typeface="+mn-lt"/>
+              </a:rPr>
+              <a:t>ParseCommand</a:t>
+            </a:r>
+            <a:r>
+              <a:rPr lang="en-US" dirty="0">
+                <a:ea typeface="+mn-lt"/>
+                <a:cs typeface="+mn-lt"/>
+              </a:rPr>
+              <a:t>(String command) - Takes in a command and decides what to do with it</a:t>
+            </a:r>
+          </a:p>
+          <a:p>
+            <a:pPr marL="457200" indent="-457200">
+              <a:buFont typeface="Arial"/>
+              <a:buChar char="•"/>
+            </a:pPr>
+            <a:r>
+              <a:rPr lang="en-US" dirty="0" err="1">
+                <a:ea typeface="+mn-lt"/>
+                <a:cs typeface="+mn-lt"/>
+              </a:rPr>
+              <a:t>ExecuteCommand</a:t>
+            </a:r>
+            <a:r>
+              <a:rPr lang="en-US" dirty="0">
+                <a:ea typeface="+mn-lt"/>
+                <a:cs typeface="+mn-lt"/>
+              </a:rPr>
+              <a:t>() - Executes command after parsing it. Uses instance variables to execute commands</a:t>
+            </a:r>
           </a:p>
         </p:txBody>
       </p:sp>
@@ -6219,45 +4052,114 @@
           </a:bodyPr>
           <a:lstStyle/>
           <a:p>
-            <a:pPr marL="0" indent="0">
+            <a:pPr>
               <a:buNone/>
             </a:pPr>
             <a:r>
               <a:rPr lang="en-US" u="sng" dirty="0">
-                <a:cs typeface="Calibri" panose="020F0502020204030204"/>
-              </a:rPr>
-              <a:t>Collaborators:</a:t>
+                <a:cs typeface="Calibri"/>
+              </a:rPr>
+              <a:t>Collaborators</a:t>
+            </a:r>
+            <a:r>
+              <a:rPr lang="en-US" dirty="0">
+                <a:cs typeface="Calibri"/>
+              </a:rPr>
+              <a:t>:</a:t>
+            </a:r>
+          </a:p>
+          <a:p>
+            <a:pPr marL="457200" indent="-457200"/>
+            <a:r>
+              <a:rPr lang="en-US" dirty="0">
+                <a:cs typeface="Calibri"/>
+              </a:rPr>
+              <a:t>Stores and uses </a:t>
+            </a:r>
+            <a:r>
+              <a:rPr lang="en-US" dirty="0" err="1">
+                <a:cs typeface="Calibri"/>
+              </a:rPr>
+              <a:t>AccountsManager</a:t>
+            </a:r>
+            <a:r>
+              <a:rPr lang="en-US" dirty="0">
+                <a:cs typeface="Calibri"/>
+              </a:rPr>
+              <a:t> to handle commands that require interacting with </a:t>
+            </a:r>
+            <a:r>
+              <a:rPr lang="en-US" dirty="0" err="1">
+                <a:cs typeface="Calibri"/>
+              </a:rPr>
+              <a:t>Accoutns</a:t>
             </a:r>
             <a:endParaRPr lang="en-US" dirty="0">
-              <a:cs typeface="Calibri" panose="020F0502020204030204"/>
+              <a:cs typeface="Calibri"/>
             </a:endParaRPr>
           </a:p>
           <a:p>
             <a:pPr marL="457200" indent="-457200"/>
             <a:r>
               <a:rPr lang="en-US" dirty="0">
-                <a:cs typeface="Calibri" panose="020F0502020204030204"/>
+                <a:cs typeface="Calibri"/>
+              </a:rPr>
+              <a:t>Stores and uses </a:t>
+            </a:r>
+            <a:r>
+              <a:rPr lang="en-US" dirty="0" err="1">
+                <a:cs typeface="Calibri"/>
+              </a:rPr>
+              <a:t>PrivateInfoManager</a:t>
+            </a:r>
+            <a:r>
+              <a:rPr lang="en-US" dirty="0">
+                <a:cs typeface="Calibri"/>
+              </a:rPr>
+              <a:t> to make changes to a User's </a:t>
+            </a:r>
+            <a:r>
+              <a:rPr lang="en-US" dirty="0" err="1">
+                <a:cs typeface="Calibri"/>
+              </a:rPr>
+              <a:t>PrivateInfo</a:t>
+            </a:r>
+            <a:endParaRPr lang="en-US" dirty="0">
+              <a:cs typeface="Calibri"/>
+            </a:endParaRPr>
+          </a:p>
+          <a:p>
+            <a:pPr marL="457200" indent="-457200"/>
+            <a:r>
+              <a:rPr lang="en-US" dirty="0">
+                <a:cs typeface="Calibri"/>
               </a:rPr>
               <a:t>Stored in </a:t>
             </a:r>
             <a:r>
               <a:rPr lang="en-US" dirty="0" err="1">
-                <a:cs typeface="Calibri" panose="020F0502020204030204"/>
-              </a:rPr>
-              <a:t>PasswordManagerProgram</a:t>
-            </a:r>
-            <a:r>
-              <a:rPr lang="en-US">
-                <a:cs typeface="Calibri" panose="020F0502020204030204"/>
-              </a:rPr>
-              <a:t> Class</a:t>
-            </a:r>
-          </a:p>
-          <a:p>
-            <a:pPr marL="457200" indent="-457200"/>
-            <a:endParaRPr lang="en-US">
-              <a:cs typeface="Calibri" panose="020F0502020204030204"/>
-            </a:endParaRPr>
+                <a:cs typeface="Calibri"/>
+              </a:rPr>
+              <a:t>UImain</a:t>
+            </a:r>
+            <a:r>
+              <a:rPr lang="en-US" dirty="0">
+                <a:cs typeface="Calibri"/>
+              </a:rPr>
+              <a:t>. Takes inputs from </a:t>
+            </a:r>
+            <a:r>
+              <a:rPr lang="en-US" dirty="0" err="1">
+                <a:cs typeface="Calibri"/>
+              </a:rPr>
+              <a:t>UImain</a:t>
+            </a:r>
+            <a:r>
+              <a:rPr lang="en-US" dirty="0">
+                <a:cs typeface="Calibri"/>
+              </a:rPr>
+              <a:t> and presents outputs</a:t>
+            </a:r>
           </a:p>
         </p:txBody>
       </p:sp>
@@ -6266,7 +4168,7 @@
           <p:cNvPr id="5" name="TextBox 4">
             <a:extLst>
               <a:ext uri="{FF2B5EF4-FFF2-40B4-BE49-F238E27FC236}">
-                <a16:creationId xmlns:a16="http://schemas.microsoft.com/office/drawing/2014/main" id="{80D4FA1D-0316-4191-8C05-C30C7404D769}"/>
+                <a16:creationId xmlns:a16="http://schemas.microsoft.com/office/drawing/2014/main" id="{D1D86176-EEAA-4303-B6E3-7BBB62D2B7E8}"/>
               </a:ext>
             </a:extLst>
           </p:cNvPr>
@@ -6275,8 +4177,8 @@
         </p:nvSpPr>
         <p:spPr>
           <a:xfrm>
-            <a:off x="4724400" y="3200400"/>
-            <a:ext cx="2743199" cy="369332"/>
+            <a:off x="4724400" y="3200399"/>
+            <a:ext cx="2743200" cy="369332"/>
           </a:xfrm>
           <a:prstGeom prst="rect">
             <a:avLst/>
@@ -6293,7 +4195,7 @@
           <a:lstStyle/>
           <a:p>
             <a:pPr algn="l"/>
-            <a:endParaRPr lang="en-US">
+            <a:endParaRPr lang="en-US" dirty="0">
               <a:cs typeface="Calibri"/>
             </a:endParaRPr>
           </a:p>
@@ -6302,7 +4204,7 @@
     </p:spTree>
     <p:extLst>
       <p:ext uri="{BB962C8B-B14F-4D97-AF65-F5344CB8AC3E}">
-        <p14:creationId xmlns:p14="http://schemas.microsoft.com/office/powerpoint/2010/main" val="2854695675"/>
+        <p14:creationId xmlns:p14="http://schemas.microsoft.com/office/powerpoint/2010/main" val="4210067527"/>
       </p:ext>
     </p:extLst>
   </p:cSld>
@@ -6357,16 +4259,10 @@
           <a:lstStyle/>
           <a:p>
             <a:r>
-              <a:rPr lang="en-US" err="1">
-                <a:cs typeface="Calibri Light"/>
-              </a:rPr>
-              <a:t>PasswordManagerProgram</a:t>
-            </a:r>
-            <a:r>
               <a:rPr lang="en-US">
                 <a:cs typeface="Calibri Light"/>
               </a:rPr>
-              <a:t> (Controller)</a:t>
+              <a:t>UIMain(User Interface)</a:t>
             </a:r>
             <a:endParaRPr lang="en-US"/>
           </a:p>
@@ -6397,20 +4293,49 @@
         </p:spPr>
         <p:txBody>
           <a:bodyPr vert="horz" lIns="91440" tIns="45720" rIns="91440" bIns="45720" rtlCol="0" anchor="t">
-            <a:normAutofit fontScale="70000" lnSpcReduction="20000"/>
+            <a:normAutofit fontScale="92500" lnSpcReduction="10000"/>
           </a:bodyPr>
           <a:lstStyle/>
           <a:p>
-            <a:pPr marL="0" indent="0">
-              <a:buNone/>
-            </a:pPr>
-            <a:r>
-              <a:rPr lang="en-US" dirty="0">
-                <a:cs typeface="Calibri"/>
-              </a:rPr>
-              <a:t>Main class that contains the main method. Where the program is run from.</a:t>
-            </a:r>
-            <a:endParaRPr lang="en-US" u="sng" dirty="0">
+            <a:pPr>
+              <a:buNone/>
+            </a:pPr>
+            <a:r>
+              <a:rPr lang="en-US" dirty="0">
+                <a:cs typeface="Calibri"/>
+              </a:rPr>
+              <a:t>Class handling the command line interface. Responsible for receiving user input and presenting outputs. In the final program this will be changed into GUI.</a:t>
+            </a:r>
+          </a:p>
+          <a:p>
+            <a:pPr>
+              <a:buNone/>
+            </a:pPr>
+            <a:r>
+              <a:rPr lang="en-US" dirty="0">
+                <a:cs typeface="Calibri"/>
+              </a:rPr>
+              <a:t>Instance Attributes:</a:t>
+            </a:r>
+            <a:endParaRPr lang="en-US" dirty="0"/>
+          </a:p>
+          <a:p>
+            <a:pPr>
+              <a:buNone/>
+            </a:pPr>
+            <a:r>
+              <a:rPr lang="en-US" dirty="0">
+                <a:cs typeface="Calibri"/>
+              </a:rPr>
+              <a:t>- controller </a:t>
+            </a:r>
+            <a:r>
+              <a:rPr lang="en-US" dirty="0" err="1">
+                <a:cs typeface="Calibri"/>
+              </a:rPr>
+              <a:t>Controller</a:t>
+            </a:r>
+            <a:endParaRPr lang="en-US" dirty="0">
               <a:cs typeface="Calibri"/>
             </a:endParaRPr>
           </a:p>
@@ -6419,150 +4344,18 @@
               <a:buNone/>
             </a:pPr>
             <a:r>
-              <a:rPr lang="en-US" u="sng" dirty="0">
-                <a:ea typeface="+mn-lt"/>
-                <a:cs typeface="+mn-lt"/>
-              </a:rPr>
-              <a:t>Methods</a:t>
-            </a:r>
-            <a:endParaRPr lang="en-US" dirty="0">
-              <a:ea typeface="+mn-lt"/>
-              <a:cs typeface="+mn-lt"/>
-            </a:endParaRPr>
-          </a:p>
-          <a:p>
-            <a:pPr marL="457200" indent="-457200">
-              <a:buFont typeface="Arial"/>
-              <a:buChar char="•"/>
-            </a:pPr>
-            <a:r>
-              <a:rPr lang="en-US" dirty="0">
-                <a:ea typeface="+mn-lt"/>
-                <a:cs typeface="+mn-lt"/>
-              </a:rPr>
-              <a:t>Main()</a:t>
-            </a:r>
-          </a:p>
-          <a:p>
-            <a:pPr marL="0" indent="0">
-              <a:buNone/>
-            </a:pPr>
-            <a:endParaRPr lang="en-US">
-              <a:cs typeface="Calibri"/>
-            </a:endParaRPr>
-          </a:p>
-          <a:p>
-            <a:pPr marL="0" indent="0">
-              <a:buNone/>
-            </a:pPr>
-            <a:r>
-              <a:rPr lang="en-US" u="sng" dirty="0">
-                <a:cs typeface="Calibri"/>
-              </a:rPr>
-              <a:t>Instance Variables created in main()</a:t>
-            </a:r>
-            <a:endParaRPr lang="en-US" dirty="0"/>
-          </a:p>
-          <a:p>
-            <a:pPr marL="457200" indent="-457200"/>
-            <a:r>
-              <a:rPr lang="en-US" dirty="0">
-                <a:cs typeface="Calibri"/>
-              </a:rPr>
-              <a:t>public </a:t>
-            </a:r>
-            <a:r>
-              <a:rPr lang="en-US">
-                <a:cs typeface="Calibri"/>
-              </a:rPr>
-              <a:t>encryptMaster(EncryptMaster</a:t>
-            </a:r>
-            <a:r>
-              <a:rPr lang="en-US" dirty="0">
-                <a:cs typeface="Calibri"/>
-              </a:rPr>
-              <a:t>)</a:t>
-            </a:r>
-          </a:p>
-          <a:p>
-            <a:pPr marL="457200" indent="-457200"/>
-            <a:r>
-              <a:rPr lang="en-US" dirty="0">
-                <a:cs typeface="Calibri"/>
-              </a:rPr>
-              <a:t>private </a:t>
-            </a:r>
-            <a:r>
-              <a:rPr lang="en-US" err="1">
-                <a:cs typeface="Calibri"/>
-              </a:rPr>
-              <a:t>AccountManager</a:t>
-            </a:r>
-            <a:r>
-              <a:rPr lang="en-US" dirty="0">
-                <a:cs typeface="Calibri"/>
-              </a:rPr>
-              <a:t>(</a:t>
-            </a:r>
-            <a:r>
-              <a:rPr lang="en-US" err="1">
-                <a:cs typeface="Calibri"/>
-              </a:rPr>
-              <a:t>AccountManager</a:t>
-            </a:r>
-            <a:r>
-              <a:rPr lang="en-US" dirty="0">
-                <a:cs typeface="Calibri"/>
-              </a:rPr>
-              <a:t>) - handles account operations such as registering, logging in and accessing info</a:t>
-            </a:r>
-          </a:p>
-          <a:p>
-            <a:pPr marL="457200" indent="-457200"/>
-            <a:r>
-              <a:rPr lang="en-US" err="1">
-                <a:cs typeface="Calibri"/>
-              </a:rPr>
-              <a:t>UiMain</a:t>
-            </a:r>
-            <a:r>
-              <a:rPr lang="en-US">
-                <a:cs typeface="Calibri"/>
-              </a:rPr>
-              <a:t> (</a:t>
-            </a:r>
-            <a:r>
-              <a:rPr lang="en-US" err="1">
-                <a:cs typeface="Calibri"/>
-              </a:rPr>
-              <a:t>UImain</a:t>
-            </a:r>
-            <a:r>
-              <a:rPr lang="en-US">
-                <a:cs typeface="Calibri"/>
-              </a:rPr>
-              <a:t>) - handles CLI UI</a:t>
-            </a:r>
-          </a:p>
-          <a:p>
-            <a:pPr marL="457200" indent="-457200"/>
-            <a:r>
-              <a:rPr lang="en-US">
-                <a:cs typeface="Calibri"/>
-              </a:rPr>
-              <a:t>Private vault(</a:t>
-            </a:r>
-            <a:r>
-              <a:rPr lang="en-US" err="1">
-                <a:cs typeface="Calibri"/>
-              </a:rPr>
-              <a:t>PrivateInfoManager</a:t>
-            </a:r>
-            <a:r>
-              <a:rPr lang="en-US">
-                <a:cs typeface="Calibri"/>
-              </a:rPr>
-              <a:t>) - created after logging in. Gives access to and allows editing of a specific user's PrivateInfo</a:t>
+              <a:rPr lang="en-US" dirty="0">
+                <a:cs typeface="Calibri"/>
+              </a:rPr>
+              <a:t>Methods:</a:t>
+            </a:r>
+          </a:p>
+          <a:p>
+            <a:r>
+              <a:rPr lang="en-US" dirty="0">
+                <a:cs typeface="Calibri"/>
+              </a:rPr>
+              <a:t>GetCommand() - reads a user input and passes it to the controller to parse and execute</a:t>
             </a:r>
           </a:p>
         </p:txBody>
@@ -6592,10 +4385,322 @@
         </p:spPr>
         <p:txBody>
           <a:bodyPr vert="horz" lIns="91440" tIns="45720" rIns="91440" bIns="45720" rtlCol="0" anchor="t">
-            <a:normAutofit fontScale="70000" lnSpcReduction="20000"/>
+            <a:normAutofit fontScale="92500" lnSpcReduction="10000"/>
           </a:bodyPr>
           <a:lstStyle/>
           <a:p>
+            <a:pPr marL="0" indent="0">
+              <a:buNone/>
+            </a:pPr>
+            <a:r>
+              <a:rPr lang="en-US" u="sng" dirty="0">
+                <a:cs typeface="Calibri" panose="020F0502020204030204"/>
+              </a:rPr>
+              <a:t>Collaborators:</a:t>
+            </a:r>
+            <a:endParaRPr lang="en-US" dirty="0">
+              <a:cs typeface="Calibri" panose="020F0502020204030204"/>
+            </a:endParaRPr>
+          </a:p>
+          <a:p>
+            <a:pPr marL="457200" indent="-457200"/>
+            <a:r>
+              <a:rPr lang="en-US" dirty="0">
+                <a:cs typeface="Calibri" panose="020F0502020204030204"/>
+              </a:rPr>
+              <a:t>Stored as an instance in main() of </a:t>
+            </a:r>
+            <a:r>
+              <a:rPr lang="en-US" dirty="0" err="1">
+                <a:cs typeface="Calibri" panose="020F0502020204030204"/>
+              </a:rPr>
+              <a:t>PasswordProgramManager</a:t>
+            </a:r>
+            <a:r>
+              <a:rPr lang="en-US" dirty="0">
+                <a:cs typeface="Calibri" panose="020F0502020204030204"/>
+              </a:rPr>
+              <a:t> class</a:t>
+            </a:r>
+          </a:p>
+          <a:p>
+            <a:pPr marL="457200" indent="-457200"/>
+            <a:endParaRPr lang="en-US">
+              <a:cs typeface="Calibri" panose="020F0502020204030204"/>
+            </a:endParaRPr>
+          </a:p>
+        </p:txBody>
+      </p:sp>
+      <p:sp>
+        <p:nvSpPr>
+          <p:cNvPr id="5" name="TextBox 4">
+            <a:extLst>
+              <a:ext uri="{FF2B5EF4-FFF2-40B4-BE49-F238E27FC236}">
+                <a16:creationId xmlns:a16="http://schemas.microsoft.com/office/drawing/2014/main" id="{80D4FA1D-0316-4191-8C05-C30C7404D769}"/>
+              </a:ext>
+            </a:extLst>
+          </p:cNvPr>
+          <p:cNvSpPr txBox="1"/>
+          <p:nvPr/>
+        </p:nvSpPr>
+        <p:spPr>
+          <a:xfrm>
+            <a:off x="4724400" y="3200400"/>
+            <a:ext cx="2743199" cy="369332"/>
+          </a:xfrm>
+          <a:prstGeom prst="rect">
+            <a:avLst/>
+          </a:prstGeom>
+          <a:noFill/>
+        </p:spPr>
+        <p:txBody>
+          <a:bodyPr rot="0" spcFirstLastPara="0" vertOverflow="overflow" horzOverflow="overflow" vert="horz" wrap="square" lIns="91440" tIns="45720" rIns="91440" bIns="45720" numCol="1" spcCol="0" rtlCol="0" fromWordArt="0" anchor="t" anchorCtr="0" forceAA="0" compatLnSpc="1">
+            <a:prstTxWarp prst="textNoShape">
+              <a:avLst/>
+            </a:prstTxWarp>
+            <a:spAutoFit/>
+          </a:bodyPr>
+          <a:lstStyle/>
+          <a:p>
+            <a:pPr algn="l"/>
+            <a:endParaRPr lang="en-US">
+              <a:cs typeface="Calibri"/>
+            </a:endParaRPr>
+          </a:p>
+        </p:txBody>
+      </p:sp>
+    </p:spTree>
+    <p:extLst>
+      <p:ext uri="{BB962C8B-B14F-4D97-AF65-F5344CB8AC3E}">
+        <p14:creationId xmlns:p14="http://schemas.microsoft.com/office/powerpoint/2010/main" val="2854695675"/>
+      </p:ext>
+    </p:extLst>
+  </p:cSld>
+  <p:clrMapOvr>
+    <a:masterClrMapping/>
+  </p:clrMapOvr>
+</p:sld>
+</file>
+
+<file path=ppt/slides/slide14.xml><?xml version="1.0" encoding="utf-8"?>
+<p:sld xmlns:a="http://schemas.openxmlformats.org/drawingml/2006/main" xmlns:r="http://schemas.openxmlformats.org/officeDocument/2006/relationships" xmlns:p="http://schemas.openxmlformats.org/presentationml/2006/main">
+  <p:cSld>
+    <p:spTree>
+      <p:nvGrpSpPr>
+        <p:cNvPr id="1" name=""/>
+        <p:cNvGrpSpPr/>
+        <p:nvPr/>
+      </p:nvGrpSpPr>
+      <p:grpSpPr>
+        <a:xfrm>
+          <a:off x="0" y="0"/>
+          <a:ext cx="0" cy="0"/>
+          <a:chOff x="0" y="0"/>
+          <a:chExt cx="0" cy="0"/>
+        </a:xfrm>
+      </p:grpSpPr>
+      <p:sp>
+        <p:nvSpPr>
+          <p:cNvPr id="2" name="Title 1">
+            <a:extLst>
+              <a:ext uri="{FF2B5EF4-FFF2-40B4-BE49-F238E27FC236}">
+                <a16:creationId xmlns:a16="http://schemas.microsoft.com/office/drawing/2014/main" id="{DF7BA0E1-31E1-423F-B5FB-2BC813221B19}"/>
+              </a:ext>
+            </a:extLst>
+          </p:cNvPr>
+          <p:cNvSpPr>
+            <a:spLocks noGrp="1"/>
+          </p:cNvSpPr>
+          <p:nvPr>
+            <p:ph type="title"/>
+          </p:nvPr>
+        </p:nvSpPr>
+        <p:spPr>
+          <a:ln w="57150">
+            <a:solidFill>
+              <a:schemeClr val="tx1"/>
+            </a:solidFill>
+          </a:ln>
+        </p:spPr>
+        <p:txBody>
+          <a:bodyPr/>
+          <a:lstStyle/>
+          <a:p>
+            <a:r>
+              <a:rPr lang="en-US" dirty="0" err="1">
+                <a:cs typeface="Calibri Light"/>
+              </a:rPr>
+              <a:t>PasswordManagerProgram</a:t>
+            </a:r>
+            <a:r>
+              <a:rPr lang="en-US" dirty="0">
+                <a:cs typeface="Calibri Light"/>
+              </a:rPr>
+              <a:t> (Main Class)</a:t>
+            </a:r>
+            <a:endParaRPr lang="en-US" dirty="0"/>
+          </a:p>
+        </p:txBody>
+      </p:sp>
+      <p:sp>
+        <p:nvSpPr>
+          <p:cNvPr id="3" name="Content Placeholder 2">
+            <a:extLst>
+              <a:ext uri="{FF2B5EF4-FFF2-40B4-BE49-F238E27FC236}">
+                <a16:creationId xmlns:a16="http://schemas.microsoft.com/office/drawing/2014/main" id="{41BF94BE-B895-47A8-AD1B-ECDD4E6EE575}"/>
+              </a:ext>
+            </a:extLst>
+          </p:cNvPr>
+          <p:cNvSpPr>
+            <a:spLocks noGrp="1"/>
+          </p:cNvSpPr>
+          <p:nvPr>
+            <p:ph sz="half" idx="1"/>
+          </p:nvPr>
+        </p:nvSpPr>
+        <p:spPr>
+          <a:ln w="57150">
+            <a:solidFill>
+              <a:schemeClr val="tx1"/>
+            </a:solidFill>
+          </a:ln>
+        </p:spPr>
+        <p:txBody>
+          <a:bodyPr vert="horz" lIns="91440" tIns="45720" rIns="91440" bIns="45720" rtlCol="0" anchor="t">
+            <a:normAutofit lnSpcReduction="10000"/>
+          </a:bodyPr>
+          <a:lstStyle/>
+          <a:p>
+            <a:pPr marL="0" indent="0">
+              <a:buNone/>
+            </a:pPr>
+            <a:r>
+              <a:rPr lang="en-US" dirty="0">
+                <a:cs typeface="Calibri"/>
+              </a:rPr>
+              <a:t>Main class that contains the main method. Where the program is run from.</a:t>
+            </a:r>
+            <a:endParaRPr lang="en-US" u="sng" dirty="0">
+              <a:cs typeface="Calibri"/>
+            </a:endParaRPr>
+          </a:p>
+          <a:p>
+            <a:pPr marL="0" indent="0">
+              <a:buNone/>
+            </a:pPr>
+            <a:r>
+              <a:rPr lang="en-US" u="sng" dirty="0">
+                <a:ea typeface="+mn-lt"/>
+                <a:cs typeface="+mn-lt"/>
+              </a:rPr>
+              <a:t>Methods</a:t>
+            </a:r>
+            <a:endParaRPr lang="en-US" dirty="0">
+              <a:ea typeface="+mn-lt"/>
+              <a:cs typeface="+mn-lt"/>
+            </a:endParaRPr>
+          </a:p>
+          <a:p>
+            <a:pPr marL="457200" indent="-457200">
+              <a:buFont typeface="Arial"/>
+              <a:buChar char="•"/>
+            </a:pPr>
+            <a:r>
+              <a:rPr lang="en-US" dirty="0">
+                <a:ea typeface="+mn-lt"/>
+                <a:cs typeface="+mn-lt"/>
+              </a:rPr>
+              <a:t>Main()</a:t>
+            </a:r>
+          </a:p>
+          <a:p>
+            <a:pPr marL="0" indent="0">
+              <a:buNone/>
+            </a:pPr>
+            <a:endParaRPr lang="en-US">
+              <a:cs typeface="Calibri"/>
+            </a:endParaRPr>
+          </a:p>
+          <a:p>
+            <a:pPr marL="0" indent="0">
+              <a:buNone/>
+            </a:pPr>
+            <a:r>
+              <a:rPr lang="en-US" u="sng" dirty="0">
+                <a:cs typeface="Calibri"/>
+              </a:rPr>
+              <a:t>Instance Variables created in main()</a:t>
+            </a:r>
+            <a:endParaRPr lang="en-US" dirty="0">
+              <a:cs typeface="Calibri" panose="020F0502020204030204"/>
+            </a:endParaRPr>
+          </a:p>
+          <a:p>
+            <a:pPr marL="457200" indent="-457200"/>
+            <a:r>
+              <a:rPr lang="en-US" dirty="0" err="1">
+                <a:cs typeface="Calibri"/>
+              </a:rPr>
+              <a:t>UiMain</a:t>
+            </a:r>
+            <a:r>
+              <a:rPr lang="en-US" dirty="0">
+                <a:cs typeface="Calibri"/>
+              </a:rPr>
+              <a:t> (</a:t>
+            </a:r>
+            <a:r>
+              <a:rPr lang="en-US" dirty="0" err="1">
+                <a:cs typeface="Calibri"/>
+              </a:rPr>
+              <a:t>UImain</a:t>
+            </a:r>
+            <a:r>
+              <a:rPr lang="en-US" dirty="0">
+                <a:cs typeface="Calibri"/>
+              </a:rPr>
+              <a:t>) - handles CLI UI</a:t>
+            </a:r>
+          </a:p>
+          <a:p>
+            <a:pPr marL="0" indent="0">
+              <a:buNone/>
+            </a:pPr>
+            <a:endParaRPr lang="en-US" dirty="0">
+              <a:cs typeface="Calibri"/>
+            </a:endParaRPr>
+          </a:p>
+        </p:txBody>
+      </p:sp>
+      <p:sp>
+        <p:nvSpPr>
+          <p:cNvPr id="4" name="Content Placeholder 3">
+            <a:extLst>
+              <a:ext uri="{FF2B5EF4-FFF2-40B4-BE49-F238E27FC236}">
+                <a16:creationId xmlns:a16="http://schemas.microsoft.com/office/drawing/2014/main" id="{320AC5B4-EFFA-44B6-B094-865E799117AE}"/>
+              </a:ext>
+            </a:extLst>
+          </p:cNvPr>
+          <p:cNvSpPr>
+            <a:spLocks noGrp="1"/>
+          </p:cNvSpPr>
+          <p:nvPr>
+            <p:ph sz="half" idx="2"/>
+          </p:nvPr>
+        </p:nvSpPr>
+        <p:spPr>
+          <a:ln w="57150">
+            <a:solidFill>
+              <a:schemeClr val="tx1"/>
+            </a:solidFill>
+          </a:ln>
+        </p:spPr>
+        <p:txBody>
+          <a:bodyPr vert="horz" lIns="91440" tIns="45720" rIns="91440" bIns="45720" rtlCol="0" anchor="t">
+            <a:normAutofit lnSpcReduction="10000"/>
+          </a:bodyPr>
+          <a:lstStyle/>
+          <a:p>
             <a:pPr>
               <a:buNone/>
             </a:pPr>
@@ -6618,52 +4723,19 @@
               <a:rPr lang="en-US" dirty="0">
                 <a:cs typeface="Calibri"/>
               </a:rPr>
-              <a:t>Stores </a:t>
+              <a:t>Stores an instance of </a:t>
             </a:r>
             <a:r>
               <a:rPr lang="en-US" dirty="0" err="1">
                 <a:cs typeface="Calibri"/>
               </a:rPr>
-              <a:t>Encrypter</a:t>
-            </a:r>
-          </a:p>
-          <a:p>
-            <a:pPr marL="457200" indent="-457200"/>
-            <a:r>
-              <a:rPr lang="en-US" dirty="0">
-                <a:cs typeface="Calibri"/>
-              </a:rPr>
-              <a:t>Stores </a:t>
-            </a:r>
-            <a:r>
-              <a:rPr lang="en-US" dirty="0" err="1">
-                <a:cs typeface="Calibri"/>
-              </a:rPr>
-              <a:t>AccountsManager</a:t>
-            </a:r>
-          </a:p>
-          <a:p>
-            <a:pPr marL="457200" indent="-457200"/>
-            <a:r>
-              <a:rPr lang="en-US">
-                <a:cs typeface="Calibri"/>
-              </a:rPr>
-              <a:t>Stores PrivateInfoManager</a:t>
-            </a:r>
-          </a:p>
-          <a:p>
-            <a:pPr marL="457200" indent="-457200"/>
-            <a:r>
-              <a:rPr lang="en-US" dirty="0">
-                <a:cs typeface="Calibri"/>
-              </a:rPr>
-              <a:t>Handles input received from </a:t>
-            </a:r>
-            <a:r>
-              <a:rPr lang="en-US" dirty="0" err="1">
-                <a:cs typeface="Calibri"/>
-              </a:rPr>
-              <a:t>UIMain</a:t>
+              <a:t>UImain</a:t>
+            </a:r>
+            <a:r>
+              <a:rPr lang="en-US" dirty="0">
+                <a:cs typeface="Calibri"/>
+              </a:rPr>
+              <a:t> which is used to generate CLI in main loop</a:t>
             </a:r>
           </a:p>
           <a:p>
@@ -6674,10 +4746,48 @@
           </a:p>
         </p:txBody>
       </p:sp>
+      <p:sp>
+        <p:nvSpPr>
+          <p:cNvPr id="5" name="TextBox 4">
+            <a:extLst>
+              <a:ext uri="{FF2B5EF4-FFF2-40B4-BE49-F238E27FC236}">
+                <a16:creationId xmlns:a16="http://schemas.microsoft.com/office/drawing/2014/main" id="{D1D86176-EEAA-4303-B6E3-7BBB62D2B7E8}"/>
+              </a:ext>
+            </a:extLst>
+          </p:cNvPr>
+          <p:cNvSpPr txBox="1"/>
+          <p:nvPr/>
+        </p:nvSpPr>
+        <p:spPr>
+          <a:xfrm>
+            <a:off x="4724400" y="3200399"/>
+            <a:ext cx="2743200" cy="369332"/>
+          </a:xfrm>
+          <a:prstGeom prst="rect">
+            <a:avLst/>
+          </a:prstGeom>
+          <a:noFill/>
+        </p:spPr>
+        <p:txBody>
+          <a:bodyPr rot="0" spcFirstLastPara="0" vertOverflow="overflow" horzOverflow="overflow" vert="horz" wrap="square" lIns="91440" tIns="45720" rIns="91440" bIns="45720" numCol="1" spcCol="0" rtlCol="0" fromWordArt="0" anchor="t" anchorCtr="0" forceAA="0" compatLnSpc="1">
+            <a:prstTxWarp prst="textNoShape">
+              <a:avLst/>
+            </a:prstTxWarp>
+            <a:spAutoFit/>
+          </a:bodyPr>
+          <a:lstStyle/>
+          <a:p>
+            <a:pPr algn="l"/>
+            <a:endParaRPr lang="en-US" dirty="0">
+              <a:cs typeface="Calibri"/>
+            </a:endParaRPr>
+          </a:p>
+        </p:txBody>
+      </p:sp>
     </p:spTree>
     <p:extLst>
       <p:ext uri="{BB962C8B-B14F-4D97-AF65-F5344CB8AC3E}">
-        <p14:creationId xmlns:p14="http://schemas.microsoft.com/office/powerpoint/2010/main" val="4210067527"/>
+        <p14:creationId xmlns:p14="http://schemas.microsoft.com/office/powerpoint/2010/main" val="1125063719"/>
       </p:ext>
     </p:extLst>
   </p:cSld>
@@ -6732,25 +4842,18 @@
           <a:lstStyle/>
           <a:p>
             <a:r>
+              <a:rPr lang="en-US" err="1">
+                <a:cs typeface="Calibri Light"/>
+              </a:rPr>
+              <a:t>PrivateInfo</a:t>
+            </a:r>
+            <a:r>
               <a:rPr lang="en-US">
                 <a:cs typeface="Calibri Light"/>
               </a:rPr>
-              <a:t>Account: (</a:t>
-            </a:r>
-            <a:r>
-              <a:rPr lang="en-US">
-                <a:ea typeface="+mj-lt"/>
-                <a:cs typeface="+mj-lt"/>
-              </a:rPr>
-              <a:t>Entity</a:t>
-            </a:r>
-            <a:r>
-              <a:rPr lang="en-US">
-                <a:cs typeface="Calibri Light"/>
-              </a:rPr>
-              <a:t>)</a:t>
-            </a:r>
-            <a:endParaRPr lang="en-US"/>
+              <a:t> (Entity)</a:t>
+            </a:r>
+            <a:endParaRPr lang="en-US" err="1"/>
           </a:p>
         </p:txBody>
       </p:sp>
@@ -6779,7 +4882,7 @@
         </p:spPr>
         <p:txBody>
           <a:bodyPr vert="horz" lIns="91440" tIns="45720" rIns="91440" bIns="45720" rtlCol="0" anchor="t">
-            <a:normAutofit/>
+            <a:normAutofit fontScale="77500" lnSpcReduction="20000"/>
           </a:bodyPr>
           <a:lstStyle/>
           <a:p>
@@ -6787,146 +4890,164 @@
               <a:buNone/>
             </a:pPr>
             <a:r>
-              <a:rPr lang="en-US" sz="1400">
-                <a:cs typeface="Calibri"/>
-              </a:rPr>
-              <a:t>A class responsible for representing a user. It hold three instance attributes.</a:t>
-            </a:r>
+              <a:rPr lang="en-US" dirty="0">
+                <a:cs typeface="Calibri"/>
+              </a:rPr>
+              <a:t>An abstract class for any info that a user may want to store in the program.</a:t>
+            </a:r>
+            <a:endParaRPr lang="en-US" dirty="0"/>
           </a:p>
           <a:p>
             <a:pPr marL="0" indent="0">
               <a:buNone/>
             </a:pPr>
             <a:r>
-              <a:rPr lang="en-US" sz="1400">
-                <a:cs typeface="Calibri"/>
-              </a:rPr>
-              <a:t>Instance Attributes:</a:t>
-            </a:r>
-          </a:p>
-          <a:p>
-            <a:pPr marL="457200" indent="-457200"/>
-            <a:r>
-              <a:rPr lang="en-US" sz="1400">
-                <a:cs typeface="Calibri"/>
-              </a:rPr>
-              <a:t>Private Username (String)</a:t>
-            </a:r>
-          </a:p>
-          <a:p>
-            <a:pPr marL="457200" indent="-457200"/>
-            <a:r>
-              <a:rPr lang="en-US" sz="1400">
-                <a:cs typeface="Calibri"/>
-              </a:rPr>
-              <a:t>Private Master password (String)</a:t>
-            </a:r>
-          </a:p>
-          <a:p>
-            <a:pPr marL="914400" lvl="1" indent="-342900"/>
-            <a:r>
-              <a:rPr lang="en-US" sz="1000">
-                <a:cs typeface="Calibri"/>
-              </a:rPr>
-              <a:t>Is encrypted via </a:t>
-            </a:r>
-            <a:r>
-              <a:rPr lang="en-US" sz="1000" err="1">
-                <a:cs typeface="Calibri"/>
-              </a:rPr>
-              <a:t>Encrypter</a:t>
-            </a:r>
-            <a:r>
-              <a:rPr lang="en-US" sz="1000">
-                <a:cs typeface="Calibri"/>
-              </a:rPr>
-              <a:t> class</a:t>
-            </a:r>
-          </a:p>
-          <a:p>
-            <a:pPr marL="457200" indent="-457200"/>
-            <a:r>
-              <a:rPr lang="en-US" sz="1400">
-                <a:cs typeface="Calibri"/>
-              </a:rPr>
-              <a:t>Private vault(ArrayList&lt;Private Info&gt;) - Stores user's private info(e.g. logins, contacts, etc.)</a:t>
-            </a:r>
-          </a:p>
-          <a:p>
-            <a:pPr marL="0" indent="0">
-              <a:buNone/>
-            </a:pPr>
-            <a:endParaRPr lang="en-US" sz="1400">
+              <a:rPr lang="en-US" u="sng" dirty="0">
+                <a:cs typeface="Calibri"/>
+              </a:rPr>
+              <a:t>Instance Variables:</a:t>
+            </a:r>
+            <a:endParaRPr lang="en-US" dirty="0">
               <a:cs typeface="Calibri"/>
             </a:endParaRPr>
           </a:p>
           <a:p>
+            <a:pPr marL="457200" indent="-457200"/>
+            <a:r>
+              <a:rPr lang="en-US" dirty="0">
+                <a:cs typeface="Calibri"/>
+              </a:rPr>
+              <a:t>Private info(</a:t>
+            </a:r>
+            <a:r>
+              <a:rPr lang="en-US" dirty="0" err="1">
+                <a:cs typeface="Calibri"/>
+              </a:rPr>
+              <a:t>Hashmap</a:t>
+            </a:r>
+            <a:r>
+              <a:rPr lang="en-US" dirty="0">
+                <a:cs typeface="Calibri"/>
+              </a:rPr>
+              <a:t>) -&gt; Maps an attribute of an </a:t>
+            </a:r>
+            <a:r>
+              <a:rPr lang="en-US" dirty="0" err="1">
+                <a:cs typeface="Calibri"/>
+              </a:rPr>
+              <a:t>infotype</a:t>
+            </a:r>
+            <a:r>
+              <a:rPr lang="en-US" dirty="0">
+                <a:cs typeface="Calibri"/>
+              </a:rPr>
+              <a:t> to its value. The attributes used as keys are determined by constructor of subclass(e.g. </a:t>
+            </a:r>
+            <a:r>
+              <a:rPr lang="en-US" dirty="0" err="1">
+                <a:cs typeface="Calibri"/>
+              </a:rPr>
+              <a:t>LogIn</a:t>
+            </a:r>
+            <a:r>
+              <a:rPr lang="en-US" dirty="0">
+                <a:cs typeface="Calibri"/>
+              </a:rPr>
+              <a:t>, Contact, etc.)</a:t>
+            </a:r>
+          </a:p>
+          <a:p>
             <a:pPr marL="0" indent="0">
               <a:buNone/>
             </a:pPr>
             <a:r>
-              <a:rPr lang="en-US" sz="1400">
+              <a:rPr lang="en-US" u="sng" dirty="0">
                 <a:cs typeface="Calibri"/>
               </a:rPr>
               <a:t>Methods:</a:t>
             </a:r>
-          </a:p>
-          <a:p>
-            <a:r>
-              <a:rPr lang="en-US" sz="1400" err="1">
-                <a:cs typeface="Calibri"/>
-              </a:rPr>
-              <a:t>getUsername</a:t>
-            </a:r>
-            <a:r>
-              <a:rPr lang="en-US" sz="1400">
-                <a:cs typeface="Calibri"/>
-              </a:rPr>
-              <a:t>()</a:t>
-            </a:r>
-          </a:p>
-          <a:p>
-            <a:r>
-              <a:rPr lang="en-US" sz="1400" err="1">
-                <a:cs typeface="Calibri"/>
-              </a:rPr>
-              <a:t>getMasterPassword</a:t>
-            </a:r>
-            <a:r>
-              <a:rPr lang="en-US" sz="1400">
-                <a:cs typeface="Calibri"/>
-              </a:rPr>
-              <a:t>()</a:t>
-            </a:r>
-          </a:p>
-          <a:p>
-            <a:r>
-              <a:rPr lang="en-US" sz="1400" err="1">
-                <a:cs typeface="Calibri"/>
-              </a:rPr>
-              <a:t>getVault</a:t>
-            </a:r>
-            <a:r>
-              <a:rPr lang="en-US" sz="1400">
-                <a:cs typeface="Calibri"/>
-              </a:rPr>
-              <a:t>()</a:t>
-            </a:r>
-          </a:p>
-          <a:p>
-            <a:pPr marL="285750" indent="-285750"/>
-            <a:endParaRPr lang="en-US" sz="1400">
+            <a:endParaRPr lang="en-US" dirty="0">
               <a:cs typeface="Calibri"/>
             </a:endParaRPr>
           </a:p>
           <a:p>
             <a:pPr marL="457200" indent="-457200"/>
+            <a:r>
+              <a:rPr lang="en-US" dirty="0">
+                <a:cs typeface="Calibri"/>
+              </a:rPr>
+              <a:t>Public </a:t>
+            </a:r>
+            <a:r>
+              <a:rPr lang="en-US" dirty="0" err="1">
+                <a:cs typeface="Calibri"/>
+              </a:rPr>
+              <a:t>boolean</a:t>
+            </a:r>
+            <a:r>
+              <a:rPr lang="en-US" dirty="0">
+                <a:cs typeface="Calibri"/>
+              </a:rPr>
+              <a:t> </a:t>
+            </a:r>
+            <a:r>
+              <a:rPr lang="en-US" dirty="0" err="1">
+                <a:cs typeface="Calibri"/>
+              </a:rPr>
+              <a:t>ChangeInfo</a:t>
+            </a:r>
+            <a:r>
+              <a:rPr lang="en-US" dirty="0">
+                <a:cs typeface="Calibri"/>
+              </a:rPr>
+              <a:t>(String attribute, String </a:t>
+            </a:r>
+            <a:r>
+              <a:rPr lang="en-US" dirty="0" err="1">
+                <a:cs typeface="Calibri"/>
+              </a:rPr>
+              <a:t>newValue</a:t>
+            </a:r>
+            <a:r>
+              <a:rPr lang="en-US" dirty="0">
+                <a:cs typeface="Calibri"/>
+              </a:rPr>
+              <a:t>) -&gt; changes value stored at attribute key in this.info.</a:t>
+            </a:r>
+          </a:p>
+          <a:p>
+            <a:pPr marL="457200" indent="-457200"/>
+            <a:r>
+              <a:rPr lang="en-US" dirty="0">
+                <a:cs typeface="Calibri"/>
+              </a:rPr>
+              <a:t>Public String </a:t>
+            </a:r>
+            <a:r>
+              <a:rPr lang="en-US" dirty="0" err="1">
+                <a:cs typeface="Calibri"/>
+              </a:rPr>
+              <a:t>getInfo</a:t>
+            </a:r>
+            <a:r>
+              <a:rPr lang="en-US" dirty="0">
+                <a:cs typeface="Calibri"/>
+              </a:rPr>
+              <a:t>(String attribute) -&gt; returns value stored at attribute key in this.info</a:t>
+            </a:r>
+          </a:p>
+          <a:p>
+            <a:pPr marL="0" indent="0">
+              <a:buNone/>
+            </a:pPr>
             <a:endParaRPr lang="en-US">
               <a:cs typeface="Calibri"/>
             </a:endParaRPr>
           </a:p>
           <a:p>
-            <a:pPr marL="457200" indent="-457200"/>
+            <a:pPr marL="0" indent="0">
+              <a:buNone/>
+            </a:pPr>
             <a:endParaRPr lang="en-US">
               <a:cs typeface="Calibri"/>
             </a:endParaRPr>
@@ -6958,63 +5079,29 @@
         </p:spPr>
         <p:txBody>
           <a:bodyPr vert="horz" lIns="91440" tIns="45720" rIns="91440" bIns="45720" rtlCol="0" anchor="t">
-            <a:normAutofit/>
+            <a:normAutofit fontScale="77500" lnSpcReduction="20000"/>
           </a:bodyPr>
           <a:lstStyle/>
           <a:p>
-            <a:pPr marL="0" indent="0">
+            <a:pPr>
               <a:buNone/>
             </a:pPr>
             <a:r>
               <a:rPr lang="en-US" u="sng">
-                <a:cs typeface="Calibri" panose="020F0502020204030204"/>
+                <a:cs typeface="Calibri"/>
               </a:rPr>
               <a:t>Collaborators:</a:t>
             </a:r>
           </a:p>
           <a:p>
-            <a:pPr marL="457200" indent="-457200"/>
+            <a:pPr>
+              <a:buNone/>
+            </a:pPr>
             <a:r>
               <a:rPr lang="en-US">
-                <a:cs typeface="Calibri" panose="020F0502020204030204"/>
-              </a:rPr>
-              <a:t>Stores instances of PrivateInfo Class in an Arraylist</a:t>
-            </a:r>
-            <a:endParaRPr lang="en-US" u="sng" dirty="0">
-              <a:cs typeface="Calibri" panose="020F0502020204030204"/>
-            </a:endParaRPr>
-          </a:p>
-          <a:p>
-            <a:r>
-              <a:rPr lang="en-US">
-                <a:cs typeface="Calibri" panose="020F0502020204030204"/>
-              </a:rPr>
-              <a:t>Stored </a:t>
-            </a:r>
-            <a:r>
-              <a:rPr lang="en-US">
-                <a:ea typeface="+mn-lt"/>
-                <a:cs typeface="+mn-lt"/>
-              </a:rPr>
-              <a:t>and used </a:t>
-            </a:r>
-            <a:r>
-              <a:rPr lang="en-US">
-                <a:cs typeface="Calibri" panose="020F0502020204030204"/>
-              </a:rPr>
-              <a:t>by </a:t>
-            </a:r>
-            <a:r>
-              <a:rPr lang="en-US" err="1">
-                <a:cs typeface="Calibri" panose="020F0502020204030204"/>
-              </a:rPr>
-              <a:t>AccountManager</a:t>
-            </a:r>
-            <a:r>
-              <a:rPr lang="en-US">
-                <a:cs typeface="Calibri" panose="020F0502020204030204"/>
-              </a:rPr>
-              <a:t> Class</a:t>
+                <a:cs typeface="Calibri"/>
+              </a:rPr>
+              <a:t>- is an abstract parent class to the Login, Note, Address, Contact, and ID classes.</a:t>
             </a:r>
           </a:p>
         </p:txBody>
@@ -7022,7 +5109,7 @@
     </p:spTree>
     <p:extLst>
       <p:ext uri="{BB962C8B-B14F-4D97-AF65-F5344CB8AC3E}">
-        <p14:creationId xmlns:p14="http://schemas.microsoft.com/office/powerpoint/2010/main" val="3897879143"/>
+        <p14:creationId xmlns:p14="http://schemas.microsoft.com/office/powerpoint/2010/main" val="927412229"/>
       </p:ext>
     </p:extLst>
   </p:cSld>
@@ -7077,18 +5164,25 @@
           <a:lstStyle/>
           <a:p>
             <a:r>
-              <a:rPr lang="en-US" err="1">
-                <a:cs typeface="Calibri Light"/>
-              </a:rPr>
-              <a:t>PrivateInfo</a:t>
-            </a:r>
-            <a:r>
               <a:rPr lang="en-US">
                 <a:cs typeface="Calibri Light"/>
               </a:rPr>
-              <a:t> (Entity)</a:t>
-            </a:r>
-            <a:endParaRPr lang="en-US" err="1"/>
+              <a:t>Account: (</a:t>
+            </a:r>
+            <a:r>
+              <a:rPr lang="en-US">
+                <a:ea typeface="+mj-lt"/>
+                <a:cs typeface="+mj-lt"/>
+              </a:rPr>
+              <a:t>Entity</a:t>
+            </a:r>
+            <a:r>
+              <a:rPr lang="en-US">
+                <a:cs typeface="Calibri Light"/>
+              </a:rPr>
+              <a:t>)</a:t>
+            </a:r>
+            <a:endParaRPr lang="en-US"/>
           </a:p>
         </p:txBody>
       </p:sp>
@@ -7117,7 +5211,7 @@
         </p:spPr>
         <p:txBody>
           <a:bodyPr vert="horz" lIns="91440" tIns="45720" rIns="91440" bIns="45720" rtlCol="0" anchor="t">
-            <a:normAutofit fontScale="77500" lnSpcReduction="20000"/>
+            <a:normAutofit/>
           </a:bodyPr>
           <a:lstStyle/>
           <a:p>
@@ -7125,34 +5219,81 @@
               <a:buNone/>
             </a:pPr>
             <a:r>
-              <a:rPr lang="en-US">
-                <a:cs typeface="Calibri"/>
-              </a:rPr>
-              <a:t>An abstract class for any info that a user may want to store in the program.</a:t>
-            </a:r>
-            <a:endParaRPr lang="en-US"/>
+              <a:rPr lang="en-US" sz="1800" dirty="0">
+                <a:cs typeface="Calibri"/>
+              </a:rPr>
+              <a:t>A class responsible for representing a user. It hold three instance attributes.</a:t>
+            </a:r>
           </a:p>
           <a:p>
             <a:pPr marL="0" indent="0">
               <a:buNone/>
             </a:pPr>
             <a:r>
-              <a:rPr lang="en-US" u="sng">
-                <a:cs typeface="Calibri"/>
-              </a:rPr>
-              <a:t>Instance Variables:</a:t>
-            </a:r>
-            <a:endParaRPr lang="en-US">
-              <a:cs typeface="Calibri"/>
-            </a:endParaRPr>
+              <a:rPr lang="en-US" sz="1800" dirty="0">
+                <a:cs typeface="Calibri"/>
+              </a:rPr>
+              <a:t>Instance Attributes:</a:t>
+            </a:r>
           </a:p>
           <a:p>
             <a:pPr marL="457200" indent="-457200"/>
             <a:r>
-              <a:rPr lang="en-US">
-                <a:cs typeface="Calibri"/>
-              </a:rPr>
-              <a:t>Private info(Hashmap) -&gt; Maps an attribute of an infotype to its value. The attributes used as keys are determined by constructor of subclass(e.g. Login, Contact, etc)</a:t>
+              <a:rPr lang="en-US" sz="1800" dirty="0">
+                <a:cs typeface="Calibri"/>
+              </a:rPr>
+              <a:t>Private Username (String)</a:t>
+            </a:r>
+          </a:p>
+          <a:p>
+            <a:pPr marL="457200" indent="-457200"/>
+            <a:r>
+              <a:rPr lang="en-US" sz="1800" dirty="0">
+                <a:cs typeface="Calibri"/>
+              </a:rPr>
+              <a:t>Private Master password (String)</a:t>
+            </a:r>
+          </a:p>
+          <a:p>
+            <a:pPr marL="914400" lvl="1" indent="-342900"/>
+            <a:r>
+              <a:rPr lang="en-US" sz="1800" dirty="0">
+                <a:cs typeface="Calibri"/>
+              </a:rPr>
+              <a:t>Is encrypted via </a:t>
+            </a:r>
+            <a:r>
+              <a:rPr lang="en-US" sz="1800" dirty="0" err="1">
+                <a:cs typeface="Calibri"/>
+              </a:rPr>
+              <a:t>Encrypter</a:t>
+            </a:r>
+            <a:r>
+              <a:rPr lang="en-US" sz="1800" dirty="0">
+                <a:cs typeface="Calibri"/>
+              </a:rPr>
+              <a:t> class</a:t>
+            </a:r>
+          </a:p>
+          <a:p>
+            <a:pPr marL="457200" indent="-457200"/>
+            <a:r>
+              <a:rPr lang="en-US" sz="1800" dirty="0">
+                <a:cs typeface="Calibri"/>
+              </a:rPr>
+              <a:t>Private vault(</a:t>
+            </a:r>
+            <a:r>
+              <a:rPr lang="en-US" sz="1800" dirty="0" err="1">
+                <a:cs typeface="Calibri"/>
+              </a:rPr>
+              <a:t>ArrayList</a:t>
+            </a:r>
+            <a:r>
+              <a:rPr lang="en-US" sz="1800" dirty="0">
+                <a:cs typeface="Calibri"/>
+              </a:rPr>
+              <a:t>&lt;Private Info&gt;) - Stores user's private info(e.g. logins, contacts, etc.)</a:t>
             </a:r>
           </a:p>
           <a:p>
@@ -7160,45 +5301,56 @@
               <a:buNone/>
             </a:pPr>
             <a:r>
-              <a:rPr lang="en-US" u="sng">
+              <a:rPr lang="en-US" sz="1800" dirty="0">
                 <a:cs typeface="Calibri"/>
               </a:rPr>
               <a:t>Methods:</a:t>
             </a:r>
-            <a:endParaRPr lang="en-US">
-              <a:cs typeface="Calibri"/>
-            </a:endParaRPr>
+          </a:p>
+          <a:p>
+            <a:r>
+              <a:rPr lang="en-US" sz="1800" dirty="0" err="1">
+                <a:cs typeface="Calibri"/>
+              </a:rPr>
+              <a:t>getUsername</a:t>
+            </a:r>
+            <a:r>
+              <a:rPr lang="en-US" sz="1800" dirty="0">
+                <a:cs typeface="Calibri"/>
+              </a:rPr>
+              <a:t>()</a:t>
+            </a:r>
+          </a:p>
+          <a:p>
+            <a:r>
+              <a:rPr lang="en-US" sz="1800" dirty="0" err="1">
+                <a:cs typeface="Calibri"/>
+              </a:rPr>
+              <a:t>getMasterPassword</a:t>
+            </a:r>
+            <a:r>
+              <a:rPr lang="en-US" sz="1800" dirty="0">
+                <a:cs typeface="Calibri"/>
+              </a:rPr>
+              <a:t>()</a:t>
+            </a:r>
+          </a:p>
+          <a:p>
+            <a:r>
+              <a:rPr lang="en-US" sz="1800" dirty="0" err="1">
+                <a:cs typeface="Calibri"/>
+              </a:rPr>
+              <a:t>getVault</a:t>
+            </a:r>
+            <a:r>
+              <a:rPr lang="en-US" sz="1800" dirty="0">
+                <a:cs typeface="Calibri"/>
+              </a:rPr>
+              <a:t>()</a:t>
+            </a:r>
           </a:p>
           <a:p>
             <a:pPr marL="457200" indent="-457200"/>
-            <a:r>
-              <a:rPr lang="en-US">
-                <a:cs typeface="Calibri"/>
-              </a:rPr>
-              <a:t>Public boolean ChangeInfo(String attribute, String newValue) -&gt; changes value stored at attribute key in this.info.</a:t>
-            </a:r>
-          </a:p>
-          <a:p>
-            <a:pPr marL="457200" indent="-457200"/>
-            <a:r>
-              <a:rPr lang="en-US">
-                <a:cs typeface="Calibri"/>
-              </a:rPr>
-              <a:t>Public String getInfo(String attribute) -&gt; returns value stored at attribute key in this.info</a:t>
-            </a:r>
-          </a:p>
-          <a:p>
-            <a:pPr marL="0" indent="0">
-              <a:buNone/>
-            </a:pPr>
-            <a:endParaRPr lang="en-US">
-              <a:cs typeface="Calibri"/>
-            </a:endParaRPr>
-          </a:p>
-          <a:p>
-            <a:pPr marL="0" indent="0">
-              <a:buNone/>
-            </a:pPr>
             <a:endParaRPr lang="en-US">
               <a:cs typeface="Calibri"/>
             </a:endParaRPr>
@@ -7230,29 +5382,63 @@
         </p:spPr>
         <p:txBody>
           <a:bodyPr vert="horz" lIns="91440" tIns="45720" rIns="91440" bIns="45720" rtlCol="0" anchor="t">
-            <a:normAutofit fontScale="77500" lnSpcReduction="20000"/>
+            <a:normAutofit/>
           </a:bodyPr>
           <a:lstStyle/>
           <a:p>
-            <a:pPr>
+            <a:pPr marL="0" indent="0">
               <a:buNone/>
             </a:pPr>
             <a:r>
               <a:rPr lang="en-US" u="sng">
-                <a:cs typeface="Calibri"/>
+                <a:cs typeface="Calibri" panose="020F0502020204030204"/>
               </a:rPr>
               <a:t>Collaborators:</a:t>
             </a:r>
           </a:p>
           <a:p>
-            <a:pPr>
-              <a:buNone/>
-            </a:pPr>
+            <a:pPr marL="457200" indent="-457200"/>
             <a:r>
               <a:rPr lang="en-US">
-                <a:cs typeface="Calibri"/>
-              </a:rPr>
-              <a:t>- is an abstract parent class to the Login, Note, Address, Contact, and ID classes.</a:t>
+                <a:cs typeface="Calibri" panose="020F0502020204030204"/>
+              </a:rPr>
+              <a:t>Stores instances of PrivateInfo Class in an Arraylist</a:t>
+            </a:r>
+            <a:endParaRPr lang="en-US" u="sng" dirty="0">
+              <a:cs typeface="Calibri" panose="020F0502020204030204"/>
+            </a:endParaRPr>
+          </a:p>
+          <a:p>
+            <a:r>
+              <a:rPr lang="en-US">
+                <a:cs typeface="Calibri" panose="020F0502020204030204"/>
+              </a:rPr>
+              <a:t>Stored </a:t>
+            </a:r>
+            <a:r>
+              <a:rPr lang="en-US">
+                <a:ea typeface="+mn-lt"/>
+                <a:cs typeface="+mn-lt"/>
+              </a:rPr>
+              <a:t>and used </a:t>
+            </a:r>
+            <a:r>
+              <a:rPr lang="en-US">
+                <a:cs typeface="Calibri" panose="020F0502020204030204"/>
+              </a:rPr>
+              <a:t>by </a:t>
+            </a:r>
+            <a:r>
+              <a:rPr lang="en-US" err="1">
+                <a:cs typeface="Calibri" panose="020F0502020204030204"/>
+              </a:rPr>
+              <a:t>AccountManager</a:t>
+            </a:r>
+            <a:r>
+              <a:rPr lang="en-US">
+                <a:cs typeface="Calibri" panose="020F0502020204030204"/>
+              </a:rPr>
+              <a:t> Class</a:t>
             </a:r>
           </a:p>
         </p:txBody>
@@ -7260,7 +5446,7 @@
     </p:spTree>
     <p:extLst>
       <p:ext uri="{BB962C8B-B14F-4D97-AF65-F5344CB8AC3E}">
-        <p14:creationId xmlns:p14="http://schemas.microsoft.com/office/powerpoint/2010/main" val="927412229"/>
+        <p14:creationId xmlns:p14="http://schemas.microsoft.com/office/powerpoint/2010/main" val="3897879143"/>
       </p:ext>
     </p:extLst>
   </p:cSld>
@@ -7318,9 +5504,22 @@
               <a:rPr lang="en-US">
                 <a:cs typeface="Calibri Light"/>
               </a:rPr>
-              <a:t>AccountManager: (Use Case)</a:t>
-            </a:r>
-            <a:endParaRPr lang="en-US" err="1"/>
+              <a:t>LogIn (</a:t>
+            </a:r>
+            <a:r>
+              <a:rPr lang="en-US">
+                <a:ea typeface="+mj-lt"/>
+                <a:cs typeface="+mj-lt"/>
+              </a:rPr>
+              <a:t>Entity</a:t>
+            </a:r>
+            <a:r>
+              <a:rPr lang="en-US">
+                <a:cs typeface="Calibri Light"/>
+              </a:rPr>
+              <a:t>)</a:t>
+            </a:r>
+            <a:endParaRPr lang="en-US"/>
           </a:p>
         </p:txBody>
       </p:sp>
@@ -7349,7 +5548,7 @@
         </p:spPr>
         <p:txBody>
           <a:bodyPr vert="horz" lIns="91440" tIns="45720" rIns="91440" bIns="45720" rtlCol="0" anchor="t">
-            <a:normAutofit fontScale="70000" lnSpcReduction="20000"/>
+            <a:normAutofit fontScale="85000" lnSpcReduction="20000"/>
           </a:bodyPr>
           <a:lstStyle/>
           <a:p>
@@ -7360,125 +5559,135 @@
               <a:rPr lang="en-US">
                 <a:cs typeface="Calibri"/>
               </a:rPr>
-              <a:t>A class responsible for storing a list of the registered Accounts. It can also create new Accounts, delete old Accounts, and login to an Account's vault.</a:t>
+              <a:t>Stores an encrypted login for a website:</a:t>
             </a:r>
           </a:p>
           <a:p>
             <a:pPr marL="0" indent="0">
               <a:buNone/>
             </a:pPr>
+            <a:r>
+              <a:rPr lang="en-US" u="sng">
+                <a:ea typeface="+mn-lt"/>
+                <a:cs typeface="+mn-lt"/>
+              </a:rPr>
+              <a:t>Instance Variables:</a:t>
+            </a:r>
+            <a:endParaRPr lang="en-US">
+              <a:ea typeface="+mn-lt"/>
+              <a:cs typeface="+mn-lt"/>
+            </a:endParaRPr>
+          </a:p>
+          <a:p>
+            <a:pPr>
+              <a:buFont typeface="Arial"/>
+              <a:buChar char="•"/>
+            </a:pPr>
+            <a:r>
+              <a:rPr lang="en-US">
+                <a:ea typeface="+mn-lt"/>
+                <a:cs typeface="+mn-lt"/>
+              </a:rPr>
+              <a:t>Private info (Hashmap) --- inherited from parent</a:t>
+            </a:r>
+          </a:p>
+          <a:p>
+            <a:pPr marL="0" indent="0">
+              <a:buNone/>
+            </a:pPr>
+            <a:r>
+              <a:rPr lang="en-US" u="sng">
+                <a:ea typeface="+mn-lt"/>
+                <a:cs typeface="+mn-lt"/>
+              </a:rPr>
+              <a:t>Methods</a:t>
+            </a:r>
+            <a:r>
+              <a:rPr lang="en-US">
+                <a:ea typeface="+mn-lt"/>
+                <a:cs typeface="+mn-lt"/>
+              </a:rPr>
+              <a:t>:</a:t>
+            </a:r>
+          </a:p>
+          <a:p>
+            <a:pPr marL="457200" indent="-457200">
+              <a:buFont typeface="Arial"/>
+              <a:buChar char="•"/>
+            </a:pPr>
+            <a:r>
+              <a:rPr lang="en-US">
+                <a:ea typeface="+mn-lt"/>
+                <a:cs typeface="+mn-lt"/>
+              </a:rPr>
+              <a:t>Constructor that creates instance with specific keys in the inherited info variable. Input keys are</a:t>
+            </a:r>
+          </a:p>
+          <a:p>
+            <a:pPr marL="914400" lvl="1" indent="-457200">
+              <a:buFont typeface="Arial"/>
+              <a:buChar char="•"/>
+            </a:pPr>
+            <a:r>
+              <a:rPr lang="en-US">
+                <a:ea typeface="+mn-lt"/>
+                <a:cs typeface="+mn-lt"/>
+              </a:rPr>
+              <a:t>username(String)</a:t>
+            </a:r>
             <a:endParaRPr lang="en-US">
               <a:cs typeface="Calibri"/>
             </a:endParaRPr>
           </a:p>
           <a:p>
+            <a:pPr marL="914400" lvl="1" indent="-457200">
+              <a:buFont typeface="Arial"/>
+              <a:buChar char="•"/>
+            </a:pPr>
+            <a:r>
+              <a:rPr lang="en-US">
+                <a:ea typeface="+mn-lt"/>
+                <a:cs typeface="+mn-lt"/>
+              </a:rPr>
+              <a:t>password(string)</a:t>
+            </a:r>
+          </a:p>
+          <a:p>
+            <a:pPr marL="914400" lvl="1" indent="-457200">
+              <a:buFont typeface="Arial"/>
+              <a:buChar char="•"/>
+            </a:pPr>
+            <a:r>
+              <a:rPr lang="en-US">
+                <a:ea typeface="+mn-lt"/>
+                <a:cs typeface="+mn-lt"/>
+              </a:rPr>
+              <a:t>webpage(string)</a:t>
+            </a:r>
+          </a:p>
+          <a:p>
+            <a:pPr marL="914400" lvl="1" indent="-457200">
+              <a:buFont typeface="Arial"/>
+              <a:buChar char="•"/>
+            </a:pPr>
+            <a:r>
+              <a:rPr lang="en-US">
+                <a:ea typeface="+mn-lt"/>
+                <a:cs typeface="+mn-lt"/>
+              </a:rPr>
+              <a:t>url(string)</a:t>
+            </a:r>
+            <a:endParaRPr lang="en-US">
+              <a:cs typeface="Calibri"/>
+            </a:endParaRPr>
+          </a:p>
+          <a:p>
             <a:pPr marL="0" indent="0">
               <a:buNone/>
             </a:pPr>
-            <a:r>
-              <a:rPr lang="en-US">
-                <a:cs typeface="Calibri"/>
-              </a:rPr>
-              <a:t>Instance Attributes:</a:t>
-            </a:r>
-            <a:endParaRPr lang="en-US"/>
-          </a:p>
-          <a:p>
-            <a:pPr marL="0" indent="0">
-              <a:buNone/>
-            </a:pPr>
-            <a:r>
-              <a:rPr lang="en-US">
-                <a:cs typeface="Calibri"/>
-              </a:rPr>
-              <a:t>- private </a:t>
-            </a:r>
-            <a:r>
-              <a:rPr lang="en-US" err="1">
-                <a:cs typeface="Calibri"/>
-              </a:rPr>
-              <a:t>ArrayList</a:t>
-            </a:r>
-            <a:r>
-              <a:rPr lang="en-US">
-                <a:cs typeface="Calibri"/>
-              </a:rPr>
-              <a:t>&lt;Account&gt; Accounts</a:t>
-            </a:r>
-          </a:p>
-          <a:p>
-            <a:pPr marL="0" indent="0">
-              <a:buNone/>
-            </a:pPr>
-            <a:r>
-              <a:rPr lang="en-US">
-                <a:cs typeface="Calibri"/>
-              </a:rPr>
-              <a:t>Methods:</a:t>
-            </a:r>
-          </a:p>
-          <a:p>
-            <a:r>
-              <a:rPr lang="en-US" err="1">
-                <a:cs typeface="Calibri"/>
-              </a:rPr>
-              <a:t>CreateAccount</a:t>
-            </a:r>
-            <a:r>
-              <a:rPr lang="en-US">
-                <a:cs typeface="Calibri"/>
-              </a:rPr>
-              <a:t>()</a:t>
-            </a:r>
-          </a:p>
-          <a:p>
-            <a:r>
-              <a:rPr lang="en-US" err="1">
-                <a:cs typeface="Calibri"/>
-              </a:rPr>
-              <a:t>DeleteAccount</a:t>
-            </a:r>
-            <a:r>
-              <a:rPr lang="en-US">
-                <a:cs typeface="Calibri"/>
-              </a:rPr>
-              <a:t>()</a:t>
-            </a:r>
-          </a:p>
-          <a:p>
-            <a:r>
-              <a:rPr lang="en-US" err="1">
-                <a:cs typeface="Calibri"/>
-              </a:rPr>
-              <a:t>AttemptLogin</a:t>
-            </a:r>
-            <a:r>
-              <a:rPr lang="en-US">
-                <a:cs typeface="Calibri"/>
-              </a:rPr>
-              <a:t>()</a:t>
-            </a:r>
-          </a:p>
-          <a:p>
-            <a:pPr lvl="1"/>
-            <a:r>
-              <a:rPr lang="en-US">
-                <a:cs typeface="Calibri"/>
-              </a:rPr>
-              <a:t>Raises error if fails. If successful, returns a </a:t>
-            </a:r>
-            <a:r>
-              <a:rPr lang="en-US" err="1">
-                <a:cs typeface="Calibri"/>
-              </a:rPr>
-              <a:t>Encrypter</a:t>
-            </a:r>
-            <a:r>
-              <a:rPr lang="en-US">
-                <a:cs typeface="Calibri"/>
-              </a:rPr>
-              <a:t> class storing the key corresponding to the account you logged into</a:t>
-            </a:r>
+            <a:endParaRPr lang="en-US">
+              <a:cs typeface="Calibri"/>
+            </a:endParaRPr>
           </a:p>
         </p:txBody>
       </p:sp>
@@ -7507,15 +5716,15 @@
         </p:spPr>
         <p:txBody>
           <a:bodyPr vert="horz" lIns="91440" tIns="45720" rIns="91440" bIns="45720" rtlCol="0" anchor="t">
-            <a:normAutofit fontScale="70000" lnSpcReduction="20000"/>
+            <a:normAutofit fontScale="85000" lnSpcReduction="20000"/>
           </a:bodyPr>
           <a:lstStyle/>
           <a:p>
-            <a:pPr marL="0" indent="0">
-              <a:buNone/>
-            </a:pPr>
-            <a:r>
-              <a:rPr lang="en-US" u="sng" dirty="0">
+            <a:pPr>
+              <a:buNone/>
+            </a:pPr>
+            <a:r>
+              <a:rPr lang="en-US" dirty="0">
                 <a:cs typeface="Calibri"/>
               </a:rPr>
               <a:t>Collaborators:</a:t>
@@ -7524,60 +5733,37 @@
           <a:p>
             <a:pPr marL="457200" indent="-457200"/>
             <a:r>
-              <a:rPr lang="en-US">
-                <a:cs typeface="Calibri"/>
-              </a:rPr>
-              <a:t>Stored </a:t>
-            </a:r>
+              <a:rPr lang="en-US" dirty="0">
+                <a:cs typeface="Calibri"/>
+              </a:rPr>
+              <a:t>Inherits from the abstract class </a:t>
+            </a:r>
+            <a:r>
+              <a:rPr lang="en-US" dirty="0" err="1">
+                <a:cs typeface="Calibri"/>
+              </a:rPr>
+              <a:t>PrivateInfo</a:t>
+            </a:r>
+            <a:endParaRPr lang="en-US" dirty="0">
+              <a:cs typeface="Calibri"/>
+            </a:endParaRPr>
+          </a:p>
+          <a:p>
+            <a:pPr marL="457200" indent="-457200"/>
             <a:r>
               <a:rPr lang="en-US">
                 <a:ea typeface="+mn-lt"/>
                 <a:cs typeface="+mn-lt"/>
               </a:rPr>
-              <a:t>and used </a:t>
-            </a:r>
-            <a:r>
-              <a:rPr lang="en-US">
-                <a:cs typeface="Calibri"/>
-              </a:rPr>
-              <a:t>in </a:t>
-            </a:r>
-            <a:r>
-              <a:rPr lang="en-US" err="1">
-                <a:cs typeface="Calibri"/>
-              </a:rPr>
-              <a:t>PasswordManagerProgram</a:t>
-            </a:r>
-            <a:r>
-              <a:rPr lang="en-US">
-                <a:cs typeface="Calibri"/>
-              </a:rPr>
-              <a:t> Class</a:t>
-            </a:r>
-          </a:p>
-          <a:p>
-            <a:pPr marL="457200" indent="-457200"/>
-            <a:r>
-              <a:rPr lang="en-US">
-                <a:cs typeface="Calibri"/>
-              </a:rPr>
-              <a:t>Stores instances of Account class in an ArrayList</a:t>
-            </a:r>
-            <a:endParaRPr lang="en-US" u="sng">
-              <a:cs typeface="Calibri"/>
-            </a:endParaRPr>
-          </a:p>
-          <a:p>
-            <a:endParaRPr lang="en-US">
-              <a:cs typeface="Calibri"/>
-            </a:endParaRPr>
+              <a:t>Stored and Used in Account and PrivateInfoManager</a:t>
+            </a:r>
           </a:p>
         </p:txBody>
       </p:sp>
     </p:spTree>
     <p:extLst>
       <p:ext uri="{BB962C8B-B14F-4D97-AF65-F5344CB8AC3E}">
-        <p14:creationId xmlns:p14="http://schemas.microsoft.com/office/powerpoint/2010/main" val="1830676071"/>
+        <p14:creationId xmlns:p14="http://schemas.microsoft.com/office/powerpoint/2010/main" val="2117415416"/>
       </p:ext>
     </p:extLst>
   </p:cSld>
@@ -7632,18 +5818,12 @@
           <a:lstStyle/>
           <a:p>
             <a:r>
-              <a:rPr lang="en-US" err="1">
-                <a:cs typeface="Calibri Light"/>
-              </a:rPr>
-              <a:t>PrivateInfoManager</a:t>
-            </a:r>
-            <a:r>
               <a:rPr lang="en-US">
-                <a:cs typeface="Calibri Light"/>
-              </a:rPr>
-              <a:t> (Use Case)</a:t>
-            </a:r>
-            <a:endParaRPr lang="en-US" err="1"/>
+                <a:ea typeface="+mj-lt"/>
+                <a:cs typeface="+mj-lt"/>
+              </a:rPr>
+              <a:t>ID (Entity)</a:t>
+            </a:r>
           </a:p>
         </p:txBody>
       </p:sp>
@@ -7664,10 +5844,6 @@
           </p:nvPr>
         </p:nvSpPr>
         <p:spPr>
-          <a:xfrm>
-            <a:off x="838200" y="1825625"/>
-            <a:ext cx="5806440" cy="4351338"/>
-          </a:xfrm>
           <a:ln w="57150">
             <a:solidFill>
               <a:schemeClr val="tx1"/>
@@ -7676,7 +5852,7 @@
         </p:spPr>
         <p:txBody>
           <a:bodyPr vert="horz" lIns="91440" tIns="45720" rIns="91440" bIns="45720" rtlCol="0" anchor="t">
-            <a:normAutofit fontScale="47500" lnSpcReduction="20000"/>
+            <a:normAutofit fontScale="85000" lnSpcReduction="20000"/>
           </a:bodyPr>
           <a:lstStyle/>
           <a:p>
@@ -7684,83 +5860,118 @@
               <a:buNone/>
             </a:pPr>
             <a:r>
-              <a:rPr lang="en-US" dirty="0">
-                <a:cs typeface="Calibri"/>
-              </a:rPr>
-              <a:t>A class that is responsible for making changes to the PrivateInfo of a specific </a:t>
-            </a:r>
-            <a:r>
               <a:rPr lang="en-US">
-                <a:cs typeface="Calibri"/>
-              </a:rPr>
-              <a:t>Account.</a:t>
-            </a:r>
-          </a:p>
-          <a:p>
-            <a:pPr marL="0" indent="0">
-              <a:buNone/>
-            </a:pPr>
-            <a:r>
-              <a:rPr lang="en-US" u="sng" dirty="0">
-                <a:cs typeface="Calibri"/>
-              </a:rPr>
-              <a:t>Instance Attribute:</a:t>
-            </a:r>
-          </a:p>
-          <a:p>
-            <a:r>
-              <a:rPr lang="en-US" dirty="0">
                 <a:ea typeface="+mn-lt"/>
                 <a:cs typeface="+mn-lt"/>
               </a:rPr>
-              <a:t>Private </a:t>
-            </a:r>
-            <a:r>
-              <a:rPr lang="en-US" dirty="0" err="1">
+              <a:t>A class to store a singular encrypted ID of the user</a:t>
+            </a:r>
+          </a:p>
+          <a:p>
+            <a:pPr marL="0" indent="0">
+              <a:buNone/>
+            </a:pPr>
+            <a:r>
+              <a:rPr lang="en-US" u="sng">
                 <a:ea typeface="+mn-lt"/>
                 <a:cs typeface="+mn-lt"/>
               </a:rPr>
-              <a:t>ArrayList</a:t>
-            </a:r>
-            <a:r>
-              <a:rPr lang="en-US" dirty="0">
-                <a:cs typeface="Calibri"/>
-              </a:rPr>
-              <a:t>&lt;</a:t>
-            </a:r>
-            <a:r>
-              <a:rPr lang="en-US" dirty="0" err="1">
-                <a:cs typeface="Calibri"/>
-              </a:rPr>
-              <a:t>Arraylist</a:t>
-            </a:r>
-            <a:r>
-              <a:rPr lang="en-US" dirty="0">
-                <a:cs typeface="Calibri"/>
-              </a:rPr>
-              <a:t>&lt;</a:t>
-            </a:r>
-            <a:r>
-              <a:rPr lang="en-US" dirty="0" err="1">
-                <a:cs typeface="Calibri"/>
-              </a:rPr>
-              <a:t>PrivateInfo</a:t>
-            </a:r>
-            <a:r>
-              <a:rPr lang="en-US" dirty="0">
-                <a:cs typeface="Calibri"/>
-              </a:rPr>
-              <a:t>&gt;&gt; info</a:t>
-            </a:r>
-          </a:p>
-          <a:p>
+              <a:t>Instance Variables:</a:t>
+            </a:r>
+            <a:endParaRPr lang="en-US">
+              <a:ea typeface="+mn-lt"/>
+              <a:cs typeface="+mn-lt"/>
+            </a:endParaRPr>
+          </a:p>
+          <a:p>
+            <a:pPr>
+              <a:buFont typeface="Arial,Sans-Serif"/>
+              <a:buChar char="•"/>
+            </a:pPr>
             <a:r>
               <a:rPr lang="en-US">
-                <a:cs typeface="Calibri"/>
-              </a:rPr>
-              <a:t>Encrypter encrypter</a:t>
-            </a:r>
-            <a:endParaRPr lang="en-US" dirty="0">
+                <a:ea typeface="+mn-lt"/>
+                <a:cs typeface="+mn-lt"/>
+              </a:rPr>
+              <a:t>Private info (Hashmap) --- inherited from parent</a:t>
+            </a:r>
+          </a:p>
+          <a:p>
+            <a:pPr marL="0" indent="0">
+              <a:buNone/>
+            </a:pPr>
+            <a:r>
+              <a:rPr lang="en-US" u="sng">
+                <a:ea typeface="+mn-lt"/>
+                <a:cs typeface="+mn-lt"/>
+              </a:rPr>
+              <a:t>Methods</a:t>
+            </a:r>
+            <a:r>
+              <a:rPr lang="en-US">
+                <a:ea typeface="+mn-lt"/>
+                <a:cs typeface="+mn-lt"/>
+              </a:rPr>
+              <a:t>:</a:t>
+            </a:r>
+          </a:p>
+          <a:p>
+            <a:pPr marL="457200" indent="-457200">
+              <a:buFont typeface="Arial,Sans-Serif"/>
+              <a:buChar char="•"/>
+            </a:pPr>
+            <a:r>
+              <a:rPr lang="en-US">
+                <a:ea typeface="+mn-lt"/>
+                <a:cs typeface="+mn-lt"/>
+              </a:rPr>
+              <a:t>Constructor that creates instance with specific keys in the inherited info variable. Input keys are</a:t>
+            </a:r>
+          </a:p>
+          <a:p>
+            <a:pPr marL="914400" lvl="1" indent="-457200">
+              <a:buFont typeface="Arial,Sans-Serif"/>
+              <a:buChar char="•"/>
+            </a:pPr>
+            <a:r>
+              <a:rPr lang="en-US">
+                <a:ea typeface="+mn-lt"/>
+                <a:cs typeface="+mn-lt"/>
+              </a:rPr>
+              <a:t>idType(String)</a:t>
+            </a:r>
+          </a:p>
+          <a:p>
+            <a:pPr marL="914400" lvl="1" indent="-457200">
+              <a:buFont typeface="Arial,Sans-Serif"/>
+              <a:buChar char="•"/>
+            </a:pPr>
+            <a:r>
+              <a:rPr lang="en-US">
+                <a:ea typeface="+mn-lt"/>
+                <a:cs typeface="+mn-lt"/>
+              </a:rPr>
+              <a:t>idNumber(string)</a:t>
+            </a:r>
+          </a:p>
+          <a:p>
+            <a:pPr marL="914400" lvl="1" indent="-457200">
+              <a:buFont typeface="Arial,Sans-Serif"/>
+              <a:buChar char="•"/>
+            </a:pPr>
+            <a:r>
+              <a:rPr lang="en-US">
+                <a:ea typeface="+mn-lt"/>
+                <a:cs typeface="+mn-lt"/>
+              </a:rPr>
+              <a:t>idExpirationData(String)</a:t>
+            </a:r>
+          </a:p>
+          <a:p>
+            <a:pPr marL="0" indent="0">
+              <a:buNone/>
+            </a:pPr>
+            <a:endParaRPr lang="en-US" sz="2000">
               <a:cs typeface="Calibri"/>
             </a:endParaRPr>
           </a:p>
@@ -7768,259 +5979,22 @@
             <a:pPr marL="0" indent="0">
               <a:buNone/>
             </a:pPr>
-            <a:r>
-              <a:rPr lang="en-US" u="sng">
-                <a:cs typeface="Calibri"/>
-              </a:rPr>
-              <a:t>Methods:</a:t>
-            </a:r>
-            <a:endParaRPr lang="en-US">
+            <a:endParaRPr lang="en-US" sz="2000">
               <a:cs typeface="Calibri"/>
             </a:endParaRPr>
           </a:p>
           <a:p>
-            <a:r>
-              <a:rPr lang="en-US">
-                <a:cs typeface="Calibri"/>
-              </a:rPr>
-              <a:t>The constructor takes an Account and sets this.info to the Account.vault</a:t>
-            </a:r>
-            <a:endParaRPr lang="en-US" dirty="0">
+            <a:pPr marL="0" indent="0">
+              <a:buNone/>
+            </a:pPr>
+            <a:endParaRPr lang="en-US" sz="2000">
               <a:cs typeface="Calibri"/>
             </a:endParaRPr>
           </a:p>
           <a:p>
-            <a:r>
-              <a:rPr lang="en-US">
-                <a:cs typeface="Calibri"/>
-              </a:rPr>
-              <a:t>Methods to create encypted PrivateInfo subclasses(e.g. Login, Contact, etc) user this.encrypter</a:t>
-            </a:r>
-            <a:endParaRPr lang="en-US" dirty="0">
-              <a:cs typeface="Calibri"/>
-            </a:endParaRPr>
-          </a:p>
-          <a:p>
-            <a:pPr marL="457200" indent="-457200"/>
-            <a:r>
-              <a:rPr lang="en-US" dirty="0" err="1">
-                <a:cs typeface="Calibri"/>
-              </a:rPr>
-              <a:t>AddInfo</a:t>
-            </a:r>
-            <a:r>
-              <a:rPr lang="en-US" dirty="0">
-                <a:cs typeface="Calibri"/>
-              </a:rPr>
-              <a:t>(</a:t>
-            </a:r>
-            <a:r>
-              <a:rPr lang="en-US" dirty="0" err="1">
-                <a:cs typeface="Calibri"/>
-              </a:rPr>
-              <a:t>PrivateInfo</a:t>
-            </a:r>
-            <a:r>
-              <a:rPr lang="en-US" dirty="0">
-                <a:cs typeface="Calibri"/>
-              </a:rPr>
-              <a:t> </a:t>
-            </a:r>
-            <a:r>
-              <a:rPr lang="en-US" dirty="0" err="1">
-                <a:cs typeface="Calibri"/>
-              </a:rPr>
-              <a:t>newInfo</a:t>
-            </a:r>
-            <a:r>
-              <a:rPr lang="en-US" dirty="0">
-                <a:cs typeface="Calibri"/>
-              </a:rPr>
-              <a:t>)</a:t>
-            </a:r>
-          </a:p>
-          <a:p>
-            <a:pPr marL="914400" lvl="1" indent="-457200"/>
-            <a:r>
-              <a:rPr lang="en-US" dirty="0">
-                <a:cs typeface="Calibri"/>
-              </a:rPr>
-              <a:t>Appends </a:t>
-            </a:r>
-            <a:r>
-              <a:rPr lang="en-US" dirty="0" err="1">
-                <a:cs typeface="Calibri"/>
-              </a:rPr>
-              <a:t>newInfo</a:t>
-            </a:r>
-            <a:r>
-              <a:rPr lang="en-US" dirty="0">
-                <a:cs typeface="Calibri"/>
-              </a:rPr>
-              <a:t> to this.info. </a:t>
-            </a:r>
-            <a:r>
-              <a:rPr lang="en-US" dirty="0" err="1">
-                <a:cs typeface="Calibri"/>
-              </a:rPr>
-              <a:t>NewInfo</a:t>
-            </a:r>
-            <a:r>
-              <a:rPr lang="en-US" dirty="0">
-                <a:cs typeface="Calibri"/>
-              </a:rPr>
-              <a:t> is already encrypted</a:t>
-            </a:r>
-          </a:p>
-          <a:p>
-            <a:pPr marL="457200" indent="-457200"/>
-            <a:r>
-              <a:rPr lang="en-US" dirty="0" err="1">
-                <a:cs typeface="Calibri"/>
-              </a:rPr>
-              <a:t>RemoveInfo</a:t>
-            </a:r>
-            <a:r>
-              <a:rPr lang="en-US" dirty="0">
-                <a:cs typeface="Calibri"/>
-              </a:rPr>
-              <a:t>()</a:t>
-            </a:r>
-          </a:p>
-          <a:p>
-            <a:pPr marL="457200" indent="-457200"/>
-            <a:r>
-              <a:rPr lang="en-US" dirty="0" err="1">
-                <a:cs typeface="Calibri"/>
-              </a:rPr>
-              <a:t>SearchInfo</a:t>
-            </a:r>
-            <a:r>
-              <a:rPr lang="en-US" dirty="0">
-                <a:cs typeface="Calibri"/>
-              </a:rPr>
-              <a:t>()</a:t>
-            </a:r>
-          </a:p>
-          <a:p>
-            <a:pPr marL="914400" lvl="1" indent="-342900"/>
-            <a:r>
-              <a:rPr lang="en-US" dirty="0">
-                <a:cs typeface="Calibri"/>
-              </a:rPr>
-              <a:t>Return a specific </a:t>
-            </a:r>
-            <a:r>
-              <a:rPr lang="en-US" dirty="0" err="1">
-                <a:cs typeface="Calibri"/>
-              </a:rPr>
-              <a:t>PrivateInfo</a:t>
-            </a:r>
-            <a:r>
-              <a:rPr lang="en-US" dirty="0">
-                <a:cs typeface="Calibri"/>
-              </a:rPr>
-              <a:t> object based on search</a:t>
-            </a:r>
-          </a:p>
-          <a:p>
-            <a:pPr marL="457200" indent="-457200"/>
-            <a:r>
-              <a:rPr lang="en-US" dirty="0" err="1">
-                <a:cs typeface="Calibri"/>
-              </a:rPr>
-              <a:t>PrintAllInfo</a:t>
-            </a:r>
-            <a:r>
-              <a:rPr lang="en-US" dirty="0">
-                <a:cs typeface="Calibri"/>
-              </a:rPr>
-              <a:t>()</a:t>
-            </a:r>
-          </a:p>
-          <a:p>
-            <a:pPr marL="457200" indent="-457200"/>
-            <a:r>
-              <a:rPr lang="en-US" dirty="0" err="1">
-                <a:cs typeface="Calibri"/>
-              </a:rPr>
-              <a:t>EditInfo</a:t>
-            </a:r>
-            <a:r>
-              <a:rPr lang="en-US" dirty="0">
-                <a:cs typeface="Calibri"/>
-              </a:rPr>
-              <a:t>()</a:t>
-            </a:r>
-          </a:p>
-          <a:p>
-            <a:pPr marL="914400" lvl="1"/>
-            <a:r>
-              <a:rPr lang="en-US">
-                <a:cs typeface="Calibri"/>
-              </a:rPr>
-              <a:t>Will likely rely on </a:t>
-            </a:r>
-            <a:r>
-              <a:rPr lang="en-US" err="1">
-                <a:cs typeface="Calibri"/>
-              </a:rPr>
-              <a:t>SearchInfo</a:t>
-            </a:r>
-            <a:endParaRPr lang="en-US" dirty="0" err="1">
-              <a:cs typeface="Calibri"/>
-            </a:endParaRPr>
-          </a:p>
-          <a:p>
-            <a:pPr marL="914400" lvl="1" indent="-342900"/>
-            <a:r>
-              <a:rPr lang="en-US" dirty="0">
-                <a:cs typeface="Calibri"/>
-              </a:rPr>
-              <a:t>Calls setters in </a:t>
-            </a:r>
-            <a:r>
-              <a:rPr lang="en-US" dirty="0" err="1">
-                <a:cs typeface="Calibri"/>
-              </a:rPr>
-              <a:t>PrivateInfo</a:t>
-            </a:r>
-            <a:r>
-              <a:rPr lang="en-US" dirty="0">
-                <a:cs typeface="Calibri"/>
-              </a:rPr>
-              <a:t> to edit</a:t>
-            </a:r>
-          </a:p>
-          <a:p>
-            <a:pPr marL="914400" lvl="1" indent="-342900"/>
-            <a:r>
-              <a:rPr lang="en-US" dirty="0">
-                <a:cs typeface="Calibri"/>
-              </a:rPr>
-              <a:t>Takes </a:t>
-            </a:r>
-            <a:r>
-              <a:rPr lang="en-US" dirty="0" err="1">
-                <a:cs typeface="Calibri"/>
-              </a:rPr>
-              <a:t>encrypter</a:t>
-            </a:r>
-            <a:r>
-              <a:rPr lang="en-US" dirty="0">
-                <a:cs typeface="Calibri"/>
-              </a:rPr>
-              <a:t> class as input</a:t>
-            </a:r>
-          </a:p>
-          <a:p>
-            <a:pPr marL="914400" lvl="1" indent="-342900"/>
-            <a:endParaRPr lang="en-US">
-              <a:cs typeface="Calibri"/>
-            </a:endParaRPr>
-          </a:p>
-          <a:p>
-            <a:pPr marL="457200" indent="-457200"/>
+            <a:pPr marL="0" indent="0">
+              <a:buNone/>
+            </a:pPr>
             <a:endParaRPr lang="en-US">
               <a:cs typeface="Calibri"/>
             </a:endParaRPr>
@@ -8052,10 +6026,6 @@
           </p:nvPr>
         </p:nvSpPr>
         <p:spPr>
-          <a:xfrm>
-            <a:off x="6812280" y="1825625"/>
-            <a:ext cx="4541520" cy="4351338"/>
-          </a:xfrm>
           <a:ln w="57150">
             <a:solidFill>
               <a:schemeClr val="tx1"/>
@@ -8064,67 +6034,68 @@
         </p:spPr>
         <p:txBody>
           <a:bodyPr vert="horz" lIns="91440" tIns="45720" rIns="91440" bIns="45720" rtlCol="0" anchor="t">
-            <a:normAutofit fontScale="47500" lnSpcReduction="20000"/>
+            <a:normAutofit fontScale="85000" lnSpcReduction="20000"/>
           </a:bodyPr>
           <a:lstStyle/>
           <a:p>
             <a:pPr>
-              <a:buNone/>
-            </a:pPr>
-            <a:r>
-              <a:rPr lang="en-US" u="sng" dirty="0">
-                <a:cs typeface="Calibri"/>
-              </a:rPr>
-              <a:t>Collaborators:</a:t>
-            </a:r>
-          </a:p>
-          <a:p>
-            <a:r>
-              <a:rPr lang="en-US" dirty="0">
-                <a:cs typeface="Calibri"/>
-              </a:rPr>
-              <a:t>Stored </a:t>
-            </a:r>
-            <a:r>
-              <a:rPr lang="en-US" dirty="0">
+              <a:buFont typeface="Arial"/>
+              <a:buChar char="•"/>
+            </a:pPr>
+            <a:r>
+              <a:rPr lang="en-US">
                 <a:ea typeface="+mn-lt"/>
                 <a:cs typeface="+mn-lt"/>
               </a:rPr>
-              <a:t>and used </a:t>
-            </a:r>
+              <a:t>Collaborators:</a:t>
+            </a:r>
+          </a:p>
+          <a:p>
+            <a:pPr marL="457200" indent="-457200">
+              <a:buFont typeface="Arial"/>
+            </a:pPr>
             <a:r>
               <a:rPr lang="en-US">
-                <a:cs typeface="Calibri"/>
-              </a:rPr>
-              <a:t>in PasswordManagerProgram class</a:t>
-            </a:r>
-          </a:p>
-          <a:p>
+                <a:ea typeface="+mn-lt"/>
+                <a:cs typeface="+mn-lt"/>
+              </a:rPr>
+              <a:t>Inherits from the abstract class PrivateInfo</a:t>
+            </a:r>
+          </a:p>
+          <a:p>
+            <a:pPr marL="457200" indent="-457200">
+              <a:buFont typeface="Arial"/>
+            </a:pPr>
             <a:r>
               <a:rPr lang="en-US">
-                <a:cs typeface="Calibri"/>
-              </a:rPr>
-              <a:t>Takes Account class as an argument in the constructor</a:t>
-            </a:r>
+                <a:ea typeface="+mn-lt"/>
+                <a:cs typeface="+mn-lt"/>
+              </a:rPr>
+              <a:t>Stored and Used in Account and PrivateInfoManager</a:t>
+            </a:r>
+          </a:p>
+          <a:p>
+            <a:pPr marL="0" indent="0">
+              <a:buNone/>
+            </a:pPr>
             <a:endParaRPr lang="en-US" dirty="0">
               <a:cs typeface="Calibri"/>
             </a:endParaRPr>
           </a:p>
           <a:p>
-            <a:r>
-              <a:rPr lang="en-US">
-                <a:cs typeface="Calibri"/>
-              </a:rPr>
-              <a:t>Stores instances PrivateInfo Class in an ArrayList</a:t>
-            </a:r>
-            <a:endParaRPr lang="en-US" dirty="0"/>
+            <a:pPr>
+              <a:buNone/>
+            </a:pPr>
+            <a:endParaRPr lang="en-US">
+              <a:cs typeface="Calibri"/>
+            </a:endParaRPr>
           </a:p>
         </p:txBody>
       </p:sp>
     </p:spTree>
     <p:extLst>
       <p:ext uri="{BB962C8B-B14F-4D97-AF65-F5344CB8AC3E}">
-        <p14:creationId xmlns:p14="http://schemas.microsoft.com/office/powerpoint/2010/main" val="1148785392"/>
+        <p14:creationId xmlns:p14="http://schemas.microsoft.com/office/powerpoint/2010/main" val="1641759715"/>
       </p:ext>
     </p:extLst>
   </p:cSld>
@@ -8182,20 +6153,7 @@
               <a:rPr lang="en-US">
                 <a:cs typeface="Calibri Light"/>
               </a:rPr>
-              <a:t>Login (</a:t>
-            </a:r>
-            <a:r>
-              <a:rPr lang="en-US">
-                <a:ea typeface="+mj-lt"/>
-                <a:cs typeface="+mj-lt"/>
-              </a:rPr>
-              <a:t>Entity</a:t>
-            </a:r>
-            <a:r>
-              <a:rPr lang="en-US">
-                <a:cs typeface="Calibri Light"/>
-              </a:rPr>
-              <a:t>)</a:t>
+              <a:t>Note (Entity)</a:t>
             </a:r>
             <a:endParaRPr lang="en-US"/>
           </a:p>
@@ -8226,7 +6184,7 @@
         </p:spPr>
         <p:txBody>
           <a:bodyPr vert="horz" lIns="91440" tIns="45720" rIns="91440" bIns="45720" rtlCol="0" anchor="t">
-            <a:normAutofit fontScale="85000" lnSpcReduction="20000"/>
+            <a:normAutofit/>
           </a:bodyPr>
           <a:lstStyle/>
           <a:p>
@@ -8237,7 +6195,7 @@
               <a:rPr lang="en-US">
                 <a:cs typeface="Calibri"/>
               </a:rPr>
-              <a:t>Stores an encrypted login for a website:</a:t>
+              <a:t>A class to store a singular encrypted note of a user.</a:t>
             </a:r>
           </a:p>
           <a:p>
@@ -8245,28 +6203,28 @@
               <a:buNone/>
             </a:pPr>
             <a:r>
-              <a:rPr lang="en-US" u="sng">
+              <a:rPr lang="en-US" sz="2000" u="sng">
                 <a:ea typeface="+mn-lt"/>
                 <a:cs typeface="+mn-lt"/>
               </a:rPr>
               <a:t>Instance Variables:</a:t>
             </a:r>
-            <a:endParaRPr lang="en-US">
+            <a:endParaRPr lang="en-US" sz="2000">
               <a:ea typeface="+mn-lt"/>
               <a:cs typeface="+mn-lt"/>
             </a:endParaRPr>
           </a:p>
           <a:p>
             <a:pPr>
-              <a:buFont typeface="Arial"/>
+              <a:buFont typeface="Arial,Sans-Serif"/>
               <a:buChar char="•"/>
             </a:pPr>
             <a:r>
-              <a:rPr lang="en-US">
+              <a:rPr lang="en-US" sz="2000">
                 <a:ea typeface="+mn-lt"/>
                 <a:cs typeface="+mn-lt"/>
               </a:rPr>
-              <a:t>Private info (Hashmap) --- inherited from parent</a:t>
+              <a:t>Private info (Hashmap) --- inherited from parent</a:t>
             </a:r>
           </a:p>
           <a:p>
@@ -8274,14 +6232,14 @@
               <a:buNone/>
             </a:pPr>
             <a:r>
-              <a:rPr lang="en-US" u="sng">
+              <a:rPr lang="en-US" sz="2000" u="sng">
                 <a:ea typeface="+mn-lt"/>
                 <a:cs typeface="+mn-lt"/>
               </a:rPr>
               <a:t>Methods</a:t>
             </a:r>
             <a:r>
-              <a:rPr lang="en-US">
+              <a:rPr lang="en-US" sz="2000">
                 <a:ea typeface="+mn-lt"/>
                 <a:cs typeface="+mn-lt"/>
               </a:rPr>
@@ -8290,71 +6248,87 @@
           </a:p>
           <a:p>
             <a:pPr marL="457200" indent="-457200">
-              <a:buFont typeface="Arial"/>
+              <a:buFont typeface="Arial,Sans-Serif"/>
               <a:buChar char="•"/>
             </a:pPr>
             <a:r>
-              <a:rPr lang="en-US">
+              <a:rPr lang="en-US" sz="2000">
                 <a:ea typeface="+mn-lt"/>
                 <a:cs typeface="+mn-lt"/>
               </a:rPr>
-              <a:t>Constructor that creates instance with specific keys in the inherited info variable. Input keys are</a:t>
+              <a:t>Constructor that creates instance with specific keys in the inherited info variable. Input keys are</a:t>
             </a:r>
           </a:p>
           <a:p>
             <a:pPr marL="914400" lvl="1" indent="-457200">
-              <a:buFont typeface="Arial"/>
+              <a:buFont typeface="Arial,Sans-Serif"/>
               <a:buChar char="•"/>
             </a:pPr>
             <a:r>
-              <a:rPr lang="en-US">
+              <a:rPr lang="en-US" sz="2000">
                 <a:ea typeface="+mn-lt"/>
                 <a:cs typeface="+mn-lt"/>
               </a:rPr>
-              <a:t>username(String)</a:t>
-            </a:r>
-            <a:endParaRPr lang="en-US">
+              <a:t>title(String) -&gt; title of note</a:t>
+            </a:r>
+          </a:p>
+          <a:p>
+            <a:pPr marL="914400" lvl="1" indent="-457200">
+              <a:buFont typeface="Arial,Sans-Serif"/>
+              <a:buChar char="•"/>
+            </a:pPr>
+            <a:r>
+              <a:rPr lang="en-US" sz="2000">
+                <a:ea typeface="+mn-lt"/>
+                <a:cs typeface="+mn-lt"/>
+              </a:rPr>
+              <a:t>content(string) -&gt; content of note</a:t>
+            </a:r>
+          </a:p>
+          <a:p>
+            <a:pPr marL="457200" lvl="1" indent="0">
+              <a:buNone/>
+            </a:pPr>
+            <a:endParaRPr lang="en-US" sz="2000">
               <a:cs typeface="Calibri"/>
             </a:endParaRPr>
           </a:p>
           <a:p>
-            <a:pPr marL="914400" lvl="1" indent="-457200">
-              <a:buFont typeface="Arial"/>
-              <a:buChar char="•"/>
-            </a:pPr>
-            <a:r>
-              <a:rPr lang="en-US">
-                <a:ea typeface="+mn-lt"/>
-                <a:cs typeface="+mn-lt"/>
-              </a:rPr>
-              <a:t>password(string)</a:t>
-            </a:r>
-          </a:p>
-          <a:p>
-            <a:pPr marL="914400" lvl="1" indent="-457200">
-              <a:buFont typeface="Arial"/>
-              <a:buChar char="•"/>
-            </a:pPr>
-            <a:r>
-              <a:rPr lang="en-US">
-                <a:ea typeface="+mn-lt"/>
-                <a:cs typeface="+mn-lt"/>
-              </a:rPr>
-              <a:t>webpage(string)</a:t>
-            </a:r>
-          </a:p>
-          <a:p>
-            <a:pPr marL="914400" lvl="1" indent="-457200">
-              <a:buFont typeface="Arial"/>
-              <a:buChar char="•"/>
-            </a:pPr>
-            <a:r>
-              <a:rPr lang="en-US">
-                <a:ea typeface="+mn-lt"/>
-                <a:cs typeface="+mn-lt"/>
-              </a:rPr>
-              <a:t>url(string)</a:t>
-            </a:r>
+            <a:pPr marL="0" indent="0">
+              <a:buNone/>
+            </a:pPr>
+            <a:endParaRPr lang="en-US" sz="2000">
+              <a:cs typeface="Calibri"/>
+            </a:endParaRPr>
+          </a:p>
+          <a:p>
+            <a:pPr marL="0" indent="0">
+              <a:buNone/>
+            </a:pPr>
+            <a:endParaRPr lang="en-US" sz="2000">
+              <a:cs typeface="Calibri"/>
+            </a:endParaRPr>
+          </a:p>
+          <a:p>
+            <a:pPr marL="0" indent="0">
+              <a:buNone/>
+            </a:pPr>
+            <a:endParaRPr lang="en-US" sz="2000">
+              <a:cs typeface="Calibri"/>
+            </a:endParaRPr>
+          </a:p>
+          <a:p>
+            <a:pPr marL="0" indent="0">
+              <a:buNone/>
+            </a:pPr>
+            <a:endParaRPr lang="en-US" sz="2000">
+              <a:cs typeface="Calibri"/>
+            </a:endParaRPr>
+          </a:p>
+          <a:p>
+            <a:pPr marL="0" indent="0">
+              <a:buNone/>
+            </a:pPr>
             <a:endParaRPr lang="en-US">
               <a:cs typeface="Calibri"/>
             </a:endParaRPr>
@@ -8394,7 +6368,7 @@
         </p:spPr>
         <p:txBody>
           <a:bodyPr vert="horz" lIns="91440" tIns="45720" rIns="91440" bIns="45720" rtlCol="0" anchor="t">
-            <a:normAutofit fontScale="85000" lnSpcReduction="20000"/>
+            <a:normAutofit/>
           </a:bodyPr>
           <a:lstStyle/>
           <a:p>
@@ -8402,10 +6376,16 @@
               <a:buNone/>
             </a:pPr>
             <a:r>
-              <a:rPr lang="en-US" dirty="0">
-                <a:cs typeface="Calibri"/>
-              </a:rPr>
-              <a:t>Collaborators:</a:t>
+              <a:rPr lang="en-US" u="sng" dirty="0">
+                <a:cs typeface="Calibri"/>
+              </a:rPr>
+              <a:t>Collaborators</a:t>
+            </a:r>
+            <a:r>
+              <a:rPr lang="en-US" dirty="0">
+                <a:cs typeface="Calibri"/>
+              </a:rPr>
+              <a:t>:</a:t>
             </a:r>
           </a:p>
           <a:p>
@@ -8414,7 +6394,7 @@
               <a:rPr lang="en-US" dirty="0">
                 <a:cs typeface="Calibri"/>
               </a:rPr>
-              <a:t>Inherits from the abstract class </a:t>
+              <a:t>Inherits from the abstract class </a:t>
             </a:r>
             <a:r>
               <a:rPr lang="en-US" dirty="0" err="1">
@@ -8429,11 +6409,16 @@
           <a:p>
             <a:pPr marL="457200" indent="-457200"/>
             <a:r>
-              <a:rPr lang="en-US">
-                <a:ea typeface="+mn-lt"/>
-                <a:cs typeface="+mn-lt"/>
-              </a:rPr>
-              <a:t>Stored and Used in Account and PrivateInfoManager</a:t>
+              <a:rPr lang="en-US" dirty="0">
+                <a:cs typeface="Calibri"/>
+              </a:rPr>
+              <a:t>Stored and Used in Account and </a:t>
+            </a:r>
+            <a:r>
+              <a:rPr lang="en-US" dirty="0" err="1">
+                <a:cs typeface="Calibri"/>
+              </a:rPr>
+              <a:t>PrivateInfoManager</a:t>
             </a:r>
           </a:p>
         </p:txBody>
@@ -8441,7 +6426,7 @@
     </p:spTree>
     <p:extLst>
       <p:ext uri="{BB962C8B-B14F-4D97-AF65-F5344CB8AC3E}">
-        <p14:creationId xmlns:p14="http://schemas.microsoft.com/office/powerpoint/2010/main" val="2117415416"/>
+        <p14:creationId xmlns:p14="http://schemas.microsoft.com/office/powerpoint/2010/main" val="3551447798"/>
       </p:ext>
     </p:extLst>
   </p:cSld>
@@ -8497,11 +6482,11 @@
           <a:p>
             <a:r>
               <a:rPr lang="en-US">
-                <a:cs typeface="Calibri Light"/>
-              </a:rPr>
-              <a:t>Note (Entity)</a:t>
-            </a:r>
-            <a:endParaRPr lang="en-US"/>
+                <a:ea typeface="+mj-lt"/>
+                <a:cs typeface="+mj-lt"/>
+              </a:rPr>
+              <a:t>Contact(Entity)</a:t>
+            </a:r>
           </a:p>
         </p:txBody>
       </p:sp>
@@ -8530,7 +6515,7 @@
         </p:spPr>
         <p:txBody>
           <a:bodyPr vert="horz" lIns="91440" tIns="45720" rIns="91440" bIns="45720" rtlCol="0" anchor="t">
-            <a:normAutofit/>
+            <a:normAutofit fontScale="85000" lnSpcReduction="20000"/>
           </a:bodyPr>
           <a:lstStyle/>
           <a:p>
@@ -8539,23 +6524,24 @@
             </a:pPr>
             <a:r>
               <a:rPr lang="en-US">
-                <a:cs typeface="Calibri"/>
-              </a:rPr>
-              <a:t>A class to store a singular encrypted note of a user.</a:t>
-            </a:r>
-          </a:p>
-          <a:p>
-            <a:pPr marL="0" indent="0">
-              <a:buNone/>
-            </a:pPr>
-            <a:r>
-              <a:rPr lang="en-US" sz="2000" u="sng">
                 <a:ea typeface="+mn-lt"/>
                 <a:cs typeface="+mn-lt"/>
               </a:rPr>
+              <a:t>A class to store a singular encrypted Contact of the user</a:t>
+            </a:r>
+          </a:p>
+          <a:p>
+            <a:pPr marL="0" indent="0">
+              <a:buNone/>
+            </a:pPr>
+            <a:r>
+              <a:rPr lang="en-US" u="sng">
+                <a:ea typeface="+mn-lt"/>
+                <a:cs typeface="+mn-lt"/>
+              </a:rPr>
               <a:t>Instance Variables:</a:t>
             </a:r>
-            <a:endParaRPr lang="en-US" sz="2000">
+            <a:endParaRPr lang="en-US">
               <a:ea typeface="+mn-lt"/>
               <a:cs typeface="+mn-lt"/>
             </a:endParaRPr>
@@ -8566,7 +6552,7 @@
               <a:buChar char="•"/>
             </a:pPr>
             <a:r>
-              <a:rPr lang="en-US" sz="2000">
+              <a:rPr lang="en-US">
                 <a:ea typeface="+mn-lt"/>
                 <a:cs typeface="+mn-lt"/>
               </a:rPr>
@@ -8578,14 +6564,14 @@
               <a:buNone/>
             </a:pPr>
             <a:r>
-              <a:rPr lang="en-US" sz="2000" u="sng">
+              <a:rPr lang="en-US" u="sng">
                 <a:ea typeface="+mn-lt"/>
                 <a:cs typeface="+mn-lt"/>
               </a:rPr>
               <a:t>Methods</a:t>
             </a:r>
             <a:r>
-              <a:rPr lang="en-US" sz="2000">
+              <a:rPr lang="en-US">
                 <a:ea typeface="+mn-lt"/>
                 <a:cs typeface="+mn-lt"/>
               </a:rPr>
@@ -8598,7 +6584,7 @@
               <a:buChar char="•"/>
             </a:pPr>
             <a:r>
-              <a:rPr lang="en-US" sz="2000">
+              <a:rPr lang="en-US">
                 <a:ea typeface="+mn-lt"/>
                 <a:cs typeface="+mn-lt"/>
               </a:rPr>
@@ -8611,11 +6597,11 @@
               <a:buChar char="•"/>
             </a:pPr>
             <a:r>
-              <a:rPr lang="en-US" sz="2000">
+              <a:rPr lang="en-US">
                 <a:ea typeface="+mn-lt"/>
                 <a:cs typeface="+mn-lt"/>
               </a:rPr>
-              <a:t>title(String) -&gt; title of note</a:t>
+              <a:t>name(String)</a:t>
             </a:r>
           </a:p>
           <a:p>
@@ -8624,26 +6610,35 @@
               <a:buChar char="•"/>
             </a:pPr>
             <a:r>
-              <a:rPr lang="en-US" sz="2000">
+              <a:rPr lang="en-US">
                 <a:ea typeface="+mn-lt"/>
                 <a:cs typeface="+mn-lt"/>
               </a:rPr>
-              <a:t>content(string) -&gt; content of note</a:t>
-            </a:r>
-          </a:p>
-          <a:p>
-            <a:pPr marL="457200" lvl="1" indent="0">
-              <a:buNone/>
-            </a:pPr>
-            <a:endParaRPr lang="en-US" sz="2000">
+              <a:t>phoneNumber(string)</a:t>
+            </a:r>
+          </a:p>
+          <a:p>
+            <a:pPr marL="914400" lvl="1" indent="-457200">
+              <a:buFont typeface="Arial,Sans-Serif"/>
+              <a:buChar char="•"/>
+            </a:pPr>
+            <a:r>
+              <a:rPr lang="en-US">
+                <a:ea typeface="+mn-lt"/>
+                <a:cs typeface="+mn-lt"/>
+              </a:rPr>
+              <a:t>Address (String)</a:t>
+            </a:r>
+            <a:endParaRPr lang="en-US">
               <a:cs typeface="Calibri"/>
             </a:endParaRPr>
           </a:p>
           <a:p>
             <a:pPr marL="0" indent="0">
-              <a:buNone/>
-            </a:pPr>
-            <a:endParaRPr lang="en-US" sz="2000">
+              <a:buFont typeface="Arial"/>
+              <a:buNone/>
+            </a:pPr>
+            <a:endParaRPr lang="en-US">
               <a:cs typeface="Calibri"/>
             </a:endParaRPr>
           </a:p>
@@ -8714,53 +6709,89 @@
         </p:spPr>
         <p:txBody>
           <a:bodyPr vert="horz" lIns="91440" tIns="45720" rIns="91440" bIns="45720" rtlCol="0" anchor="t">
-            <a:normAutofit/>
+            <a:normAutofit fontScale="85000" lnSpcReduction="20000"/>
           </a:bodyPr>
           <a:lstStyle/>
           <a:p>
+            <a:pPr marL="0" indent="0">
+              <a:buNone/>
+            </a:pPr>
+            <a:r>
+              <a:rPr lang="en-US" u="sng" dirty="0">
+                <a:ea typeface="+mn-lt"/>
+                <a:cs typeface="+mn-lt"/>
+              </a:rPr>
+              <a:t>Collaborators</a:t>
+            </a:r>
+            <a:r>
+              <a:rPr lang="en-US" dirty="0">
+                <a:ea typeface="+mn-lt"/>
+                <a:cs typeface="+mn-lt"/>
+              </a:rPr>
+              <a:t>:</a:t>
+            </a:r>
+            <a:endParaRPr lang="en-US"/>
+          </a:p>
+          <a:p>
+            <a:pPr marL="457200" indent="-457200">
+              <a:buFont typeface="Arial"/>
+            </a:pPr>
+            <a:r>
+              <a:rPr lang="en-US" dirty="0">
+                <a:ea typeface="+mn-lt"/>
+                <a:cs typeface="+mn-lt"/>
+              </a:rPr>
+              <a:t>Inherits from the abstract class </a:t>
+            </a:r>
+            <a:r>
+              <a:rPr lang="en-US" dirty="0" err="1">
+                <a:ea typeface="+mn-lt"/>
+                <a:cs typeface="+mn-lt"/>
+              </a:rPr>
+              <a:t>PrivateInfo</a:t>
+            </a:r>
+            <a:endParaRPr lang="en-US" dirty="0">
+              <a:ea typeface="+mn-lt"/>
+              <a:cs typeface="+mn-lt"/>
+            </a:endParaRPr>
+          </a:p>
+          <a:p>
+            <a:pPr marL="457200" indent="-457200">
+              <a:buFont typeface="Arial"/>
+            </a:pPr>
+            <a:r>
+              <a:rPr lang="en-US" dirty="0">
+                <a:ea typeface="+mn-lt"/>
+                <a:cs typeface="+mn-lt"/>
+              </a:rPr>
+              <a:t>Stored and Used in Account and </a:t>
+            </a:r>
+            <a:r>
+              <a:rPr lang="en-US" dirty="0" err="1">
+                <a:ea typeface="+mn-lt"/>
+                <a:cs typeface="+mn-lt"/>
+              </a:rPr>
+              <a:t>PrivateInfoManager</a:t>
+            </a:r>
+            <a:endParaRPr lang="en-US">
+              <a:ea typeface="+mn-lt"/>
+              <a:cs typeface="+mn-lt"/>
+            </a:endParaRPr>
+          </a:p>
+          <a:p>
             <a:pPr>
               <a:buNone/>
             </a:pPr>
-            <a:r>
-              <a:rPr lang="en-US">
-                <a:cs typeface="Calibri"/>
-              </a:rPr>
-              <a:t>Collaborators:</a:t>
-            </a:r>
-          </a:p>
-          <a:p>
-            <a:pPr marL="457200" indent="-457200"/>
-            <a:r>
-              <a:rPr lang="en-US">
-                <a:cs typeface="Calibri"/>
-              </a:rPr>
-              <a:t>Inherits from the abstract class </a:t>
-            </a:r>
-            <a:r>
-              <a:rPr lang="en-US" err="1">
-                <a:cs typeface="Calibri"/>
-              </a:rPr>
-              <a:t>PrivateInfo</a:t>
-            </a:r>
             <a:endParaRPr lang="en-US">
               <a:cs typeface="Calibri"/>
             </a:endParaRPr>
           </a:p>
-          <a:p>
-            <a:pPr marL="457200" indent="-457200"/>
-            <a:r>
-              <a:rPr lang="en-US">
-                <a:cs typeface="Calibri"/>
-              </a:rPr>
-              <a:t>Stored and Used in Account and PrivateInfoManager</a:t>
-            </a:r>
-          </a:p>
         </p:txBody>
       </p:sp>
     </p:spTree>
     <p:extLst>
       <p:ext uri="{BB962C8B-B14F-4D97-AF65-F5344CB8AC3E}">
-        <p14:creationId xmlns:p14="http://schemas.microsoft.com/office/powerpoint/2010/main" val="3551447798"/>
+        <p14:creationId xmlns:p14="http://schemas.microsoft.com/office/powerpoint/2010/main" val="3261510237"/>
       </p:ext>
     </p:extLst>
   </p:cSld>
@@ -8816,11 +6847,11 @@
           <a:p>
             <a:r>
               <a:rPr lang="en-US">
-                <a:ea typeface="+mj-lt"/>
-                <a:cs typeface="+mj-lt"/>
-              </a:rPr>
-              <a:t>ID (Entity)</a:t>
-            </a:r>
+                <a:cs typeface="Calibri Light"/>
+              </a:rPr>
+              <a:t>AccountManager: (Use Case)</a:t>
+            </a:r>
+            <a:endParaRPr lang="en-US" err="1"/>
           </a:p>
         </p:txBody>
       </p:sp>
@@ -8849,7 +6880,7 @@
         </p:spPr>
         <p:txBody>
           <a:bodyPr vert="horz" lIns="91440" tIns="45720" rIns="91440" bIns="45720" rtlCol="0" anchor="t">
-            <a:normAutofit fontScale="85000" lnSpcReduction="20000"/>
+            <a:normAutofit fontScale="55000" lnSpcReduction="20000"/>
           </a:bodyPr>
           <a:lstStyle/>
           <a:p>
@@ -8857,136 +6888,11 @@
               <a:buNone/>
             </a:pPr>
             <a:r>
-              <a:rPr lang="en-US">
-                <a:ea typeface="+mn-lt"/>
-                <a:cs typeface="+mn-lt"/>
-              </a:rPr>
-              <a:t>A class to store a singular encrypted ID of the user</a:t>
-            </a:r>
-          </a:p>
-          <a:p>
-            <a:pPr marL="0" indent="0">
-              <a:buNone/>
-            </a:pPr>
-            <a:r>
-              <a:rPr lang="en-US" u="sng">
-                <a:ea typeface="+mn-lt"/>
-                <a:cs typeface="+mn-lt"/>
-              </a:rPr>
-              <a:t>Instance Variables:</a:t>
-            </a:r>
-            <a:endParaRPr lang="en-US">
-              <a:ea typeface="+mn-lt"/>
-              <a:cs typeface="+mn-lt"/>
-            </a:endParaRPr>
-          </a:p>
-          <a:p>
-            <a:pPr>
-              <a:buFont typeface="Arial,Sans-Serif"/>
-              <a:buChar char="•"/>
-            </a:pPr>
-            <a:r>
-              <a:rPr lang="en-US">
-                <a:ea typeface="+mn-lt"/>
-                <a:cs typeface="+mn-lt"/>
-              </a:rPr>
-              <a:t>Private info (Hashmap) --- inherited from parent</a:t>
-            </a:r>
-          </a:p>
-          <a:p>
-            <a:pPr marL="0" indent="0">
-              <a:buNone/>
-            </a:pPr>
-            <a:r>
-              <a:rPr lang="en-US" u="sng">
-                <a:ea typeface="+mn-lt"/>
-                <a:cs typeface="+mn-lt"/>
-              </a:rPr>
-              <a:t>Methods</a:t>
-            </a:r>
-            <a:r>
-              <a:rPr lang="en-US">
-                <a:ea typeface="+mn-lt"/>
-                <a:cs typeface="+mn-lt"/>
-              </a:rPr>
-              <a:t>:</a:t>
-            </a:r>
-          </a:p>
-          <a:p>
-            <a:pPr marL="457200" indent="-457200">
-              <a:buFont typeface="Arial,Sans-Serif"/>
-              <a:buChar char="•"/>
-            </a:pPr>
-            <a:r>
-              <a:rPr lang="en-US">
-                <a:ea typeface="+mn-lt"/>
-                <a:cs typeface="+mn-lt"/>
-              </a:rPr>
-              <a:t>Constructor that creates instance with specific keys in the inherited info variable. Input keys are</a:t>
-            </a:r>
-          </a:p>
-          <a:p>
-            <a:pPr marL="914400" lvl="1" indent="-457200">
-              <a:buFont typeface="Arial,Sans-Serif"/>
-              <a:buChar char="•"/>
-            </a:pPr>
-            <a:r>
-              <a:rPr lang="en-US">
-                <a:ea typeface="+mn-lt"/>
-                <a:cs typeface="+mn-lt"/>
-              </a:rPr>
-              <a:t>idType(String)</a:t>
-            </a:r>
-          </a:p>
-          <a:p>
-            <a:pPr marL="914400" lvl="1" indent="-457200">
-              <a:buFont typeface="Arial,Sans-Serif"/>
-              <a:buChar char="•"/>
-            </a:pPr>
-            <a:r>
-              <a:rPr lang="en-US">
-                <a:ea typeface="+mn-lt"/>
-                <a:cs typeface="+mn-lt"/>
-              </a:rPr>
-              <a:t>idNumber(string)</a:t>
-            </a:r>
-          </a:p>
-          <a:p>
-            <a:pPr marL="914400" lvl="1" indent="-457200">
-              <a:buFont typeface="Arial,Sans-Serif"/>
-              <a:buChar char="•"/>
-            </a:pPr>
-            <a:r>
-              <a:rPr lang="en-US">
-                <a:ea typeface="+mn-lt"/>
-                <a:cs typeface="+mn-lt"/>
-              </a:rPr>
-              <a:t>idExpirationData(String)</a:t>
-            </a:r>
-          </a:p>
-          <a:p>
-            <a:pPr marL="0" indent="0">
-              <a:buNone/>
-            </a:pPr>
-            <a:endParaRPr lang="en-US" sz="2000">
-              <a:cs typeface="Calibri"/>
-            </a:endParaRPr>
-          </a:p>
-          <a:p>
-            <a:pPr marL="0" indent="0">
-              <a:buNone/>
-            </a:pPr>
-            <a:endParaRPr lang="en-US" sz="2000">
-              <a:cs typeface="Calibri"/>
-            </a:endParaRPr>
-          </a:p>
-          <a:p>
-            <a:pPr marL="0" indent="0">
-              <a:buNone/>
-            </a:pPr>
-            <a:endParaRPr lang="en-US" sz="2000">
-              <a:cs typeface="Calibri"/>
-            </a:endParaRPr>
+              <a:rPr lang="en-US" dirty="0">
+                <a:cs typeface="Calibri"/>
+              </a:rPr>
+              <a:t>A class responsible for storing a list of the registered Accounts. It can also create new Accounts, delete old Accounts, and login to an Account's vault.</a:t>
+            </a:r>
           </a:p>
           <a:p>
             <a:pPr marL="0" indent="0">
@@ -9000,9 +6906,146 @@
             <a:pPr marL="0" indent="0">
               <a:buNone/>
             </a:pPr>
-            <a:endParaRPr lang="en-US">
-              <a:cs typeface="Calibri"/>
-            </a:endParaRPr>
+            <a:r>
+              <a:rPr lang="en-US" dirty="0">
+                <a:cs typeface="Calibri"/>
+              </a:rPr>
+              <a:t>Instance Attributes:</a:t>
+            </a:r>
+            <a:endParaRPr lang="en-US" dirty="0"/>
+          </a:p>
+          <a:p>
+            <a:pPr marL="0" indent="0">
+              <a:buNone/>
+            </a:pPr>
+            <a:r>
+              <a:rPr lang="en-US" dirty="0">
+                <a:cs typeface="Calibri"/>
+              </a:rPr>
+              <a:t>- private </a:t>
+            </a:r>
+            <a:r>
+              <a:rPr lang="en-US" dirty="0" err="1">
+                <a:cs typeface="Calibri"/>
+              </a:rPr>
+              <a:t>ArrayList</a:t>
+            </a:r>
+            <a:r>
+              <a:rPr lang="en-US" dirty="0">
+                <a:cs typeface="Calibri"/>
+              </a:rPr>
+              <a:t>&lt;Account&gt; accounts</a:t>
+            </a:r>
+          </a:p>
+          <a:p>
+            <a:pPr marL="0" indent="0">
+              <a:buNone/>
+            </a:pPr>
+            <a:r>
+              <a:rPr lang="en-US" dirty="0">
+                <a:cs typeface="Calibri"/>
+              </a:rPr>
+              <a:t>Methods:</a:t>
+            </a:r>
+          </a:p>
+          <a:p>
+            <a:r>
+              <a:rPr lang="en-US" dirty="0" err="1">
+                <a:cs typeface="Calibri"/>
+              </a:rPr>
+              <a:t>CreateAccount</a:t>
+            </a:r>
+            <a:r>
+              <a:rPr lang="en-US" dirty="0">
+                <a:cs typeface="Calibri"/>
+              </a:rPr>
+              <a:t>()</a:t>
+            </a:r>
+          </a:p>
+          <a:p>
+            <a:pPr lvl="1"/>
+            <a:r>
+              <a:rPr lang="en-US" dirty="0">
+                <a:cs typeface="Calibri"/>
+              </a:rPr>
+              <a:t>Statically calls methods from </a:t>
+            </a:r>
+            <a:r>
+              <a:rPr lang="en-US" dirty="0" err="1">
+                <a:cs typeface="Calibri"/>
+              </a:rPr>
+              <a:t>EncryptMaster</a:t>
+            </a:r>
+            <a:r>
+              <a:rPr lang="en-US" dirty="0">
+                <a:cs typeface="Calibri"/>
+              </a:rPr>
+              <a:t> to encrypt master password of new account. Adds the newly created account into </a:t>
+            </a:r>
+            <a:r>
+              <a:rPr lang="en-US" dirty="0" err="1">
+                <a:cs typeface="Calibri"/>
+              </a:rPr>
+              <a:t>this.accounts</a:t>
+            </a:r>
+          </a:p>
+          <a:p>
+            <a:r>
+              <a:rPr lang="en-US" dirty="0" err="1">
+                <a:cs typeface="Calibri"/>
+              </a:rPr>
+              <a:t>DeleteAccount</a:t>
+            </a:r>
+            <a:r>
+              <a:rPr lang="en-US" dirty="0">
+                <a:cs typeface="Calibri"/>
+              </a:rPr>
+              <a:t>()</a:t>
+            </a:r>
+          </a:p>
+          <a:p>
+            <a:r>
+              <a:rPr lang="en-US" dirty="0" err="1">
+                <a:cs typeface="Calibri"/>
+              </a:rPr>
+              <a:t>AttemptLogin</a:t>
+            </a:r>
+            <a:r>
+              <a:rPr lang="en-US" dirty="0">
+                <a:cs typeface="Calibri"/>
+              </a:rPr>
+              <a:t>()</a:t>
+            </a:r>
+          </a:p>
+          <a:p>
+            <a:pPr lvl="1"/>
+            <a:r>
+              <a:rPr lang="en-US" dirty="0">
+                <a:cs typeface="Calibri"/>
+              </a:rPr>
+              <a:t>Raises error if fails. If successful, returns a </a:t>
+            </a:r>
+            <a:r>
+              <a:rPr lang="en-US" dirty="0" err="1">
+                <a:cs typeface="Calibri"/>
+              </a:rPr>
+              <a:t>Encrypter</a:t>
+            </a:r>
+            <a:r>
+              <a:rPr lang="en-US" dirty="0">
+                <a:cs typeface="Calibri"/>
+              </a:rPr>
+              <a:t> class storing the key corresponding to the account you logged into</a:t>
+            </a:r>
+          </a:p>
+          <a:p>
+            <a:pPr lvl="1"/>
+            <a:r>
+              <a:rPr lang="en-US" dirty="0">
+                <a:cs typeface="Calibri"/>
+              </a:rPr>
+              <a:t>If login is successful, returns an instance of the vault of the User</a:t>
+            </a:r>
           </a:p>
         </p:txBody>
       </p:sp>
@@ -9031,58 +7074,61 @@
         </p:spPr>
         <p:txBody>
           <a:bodyPr vert="horz" lIns="91440" tIns="45720" rIns="91440" bIns="45720" rtlCol="0" anchor="t">
-            <a:normAutofit fontScale="85000" lnSpcReduction="20000"/>
+            <a:normAutofit fontScale="55000" lnSpcReduction="20000"/>
           </a:bodyPr>
           <a:lstStyle/>
           <a:p>
-            <a:pPr>
-              <a:buFont typeface="Arial"/>
-              <a:buChar char="•"/>
-            </a:pPr>
-            <a:r>
-              <a:rPr lang="en-US">
+            <a:pPr marL="0" indent="0">
+              <a:buNone/>
+            </a:pPr>
+            <a:r>
+              <a:rPr lang="en-US" u="sng" dirty="0">
+                <a:cs typeface="Calibri"/>
+              </a:rPr>
+              <a:t>Collaborators:</a:t>
+            </a:r>
+          </a:p>
+          <a:p>
+            <a:pPr marL="457200" indent="-457200"/>
+            <a:r>
+              <a:rPr lang="en-US" dirty="0">
+                <a:cs typeface="Calibri"/>
+              </a:rPr>
+              <a:t>Stored </a:t>
+            </a:r>
+            <a:r>
+              <a:rPr lang="en-US" dirty="0">
                 <a:ea typeface="+mn-lt"/>
                 <a:cs typeface="+mn-lt"/>
               </a:rPr>
-              <a:t>Collaborators:</a:t>
-            </a:r>
-          </a:p>
-          <a:p>
-            <a:pPr marL="457200" indent="-457200">
-              <a:buFont typeface="Arial"/>
-            </a:pPr>
-            <a:r>
-              <a:rPr lang="en-US">
-                <a:ea typeface="+mn-lt"/>
-                <a:cs typeface="+mn-lt"/>
-              </a:rPr>
-              <a:t>Inherits from the abstract class PrivateInfo</a:t>
-            </a:r>
-          </a:p>
-          <a:p>
-            <a:pPr marL="457200" indent="-457200">
-              <a:buFont typeface="Arial"/>
-            </a:pPr>
-            <a:r>
-              <a:rPr lang="en-US">
-                <a:ea typeface="+mn-lt"/>
-                <a:cs typeface="+mn-lt"/>
-              </a:rPr>
-              <a:t>Stored and Used in Account and PrivateInfoManager</a:t>
-            </a:r>
-          </a:p>
-          <a:p>
-            <a:pPr marL="0" indent="0">
-              <a:buNone/>
-            </a:pPr>
-            <a:endParaRPr lang="en-US" dirty="0">
+              <a:t>and used </a:t>
+            </a:r>
+            <a:r>
+              <a:rPr lang="en-US" dirty="0">
+                <a:cs typeface="Calibri"/>
+              </a:rPr>
+              <a:t>in Controller Class</a:t>
+            </a:r>
+          </a:p>
+          <a:p>
+            <a:pPr marL="457200" indent="-457200"/>
+            <a:r>
+              <a:rPr lang="en-US" dirty="0">
+                <a:cs typeface="Calibri"/>
+              </a:rPr>
+              <a:t>Stores instances of Account class in an </a:t>
+            </a:r>
+            <a:r>
+              <a:rPr lang="en-US" dirty="0" err="1">
+                <a:cs typeface="Calibri"/>
+              </a:rPr>
+              <a:t>ArrayList</a:t>
+            </a:r>
+            <a:endParaRPr lang="en-US" u="sng" dirty="0" err="1">
               <a:cs typeface="Calibri"/>
             </a:endParaRPr>
           </a:p>
           <a:p>
-            <a:pPr>
-              <a:buNone/>
-            </a:pPr>
             <a:endParaRPr lang="en-US">
               <a:cs typeface="Calibri"/>
             </a:endParaRPr>
@@ -9092,7 +7138,7 @@
     </p:spTree>
     <p:extLst>
       <p:ext uri="{BB962C8B-B14F-4D97-AF65-F5344CB8AC3E}">
-        <p14:creationId xmlns:p14="http://schemas.microsoft.com/office/powerpoint/2010/main" val="1641759715"/>
+        <p14:creationId xmlns:p14="http://schemas.microsoft.com/office/powerpoint/2010/main" val="1830676071"/>
       </p:ext>
     </p:extLst>
   </p:cSld>
@@ -9147,12 +7193,18 @@
           <a:lstStyle/>
           <a:p>
             <a:r>
+              <a:rPr lang="en-US" err="1">
+                <a:cs typeface="Calibri Light"/>
+              </a:rPr>
+              <a:t>PrivateInfoManager</a:t>
+            </a:r>
+            <a:r>
               <a:rPr lang="en-US">
-                <a:ea typeface="+mj-lt"/>
-                <a:cs typeface="+mj-lt"/>
-              </a:rPr>
-              <a:t>Contact(Entity)</a:t>
-            </a:r>
+                <a:cs typeface="Calibri Light"/>
+              </a:rPr>
+              <a:t> (Use Case)</a:t>
+            </a:r>
+            <a:endParaRPr lang="en-US" err="1"/>
           </a:p>
         </p:txBody>
       </p:sp>
@@ -9173,6 +7225,10 @@
           </p:nvPr>
         </p:nvSpPr>
         <p:spPr>
+          <a:xfrm>
+            <a:off x="838200" y="1825625"/>
+            <a:ext cx="5806440" cy="4472290"/>
+          </a:xfrm>
           <a:ln w="57150">
             <a:solidFill>
               <a:schemeClr val="tx1"/>
@@ -9181,7 +7237,7 @@
         </p:spPr>
         <p:txBody>
           <a:bodyPr vert="horz" lIns="91440" tIns="45720" rIns="91440" bIns="45720" rtlCol="0" anchor="t">
-            <a:normAutofit fontScale="85000" lnSpcReduction="20000"/>
+            <a:normAutofit fontScale="47500" lnSpcReduction="20000"/>
           </a:bodyPr>
           <a:lstStyle/>
           <a:p>
@@ -9189,40 +7245,87 @@
               <a:buNone/>
             </a:pPr>
             <a:r>
-              <a:rPr lang="en-US">
+              <a:rPr lang="en-US" dirty="0">
+                <a:cs typeface="Calibri"/>
+              </a:rPr>
+              <a:t>A class that is responsible for making changes to the PrivateInfo of a specific Account.</a:t>
+            </a:r>
+          </a:p>
+          <a:p>
+            <a:pPr marL="0" indent="0">
+              <a:buNone/>
+            </a:pPr>
+            <a:r>
+              <a:rPr lang="en-US" u="sng" dirty="0">
+                <a:cs typeface="Calibri"/>
+              </a:rPr>
+              <a:t>Instance Attribute:</a:t>
+            </a:r>
+          </a:p>
+          <a:p>
+            <a:r>
+              <a:rPr lang="en-US" dirty="0">
                 <a:ea typeface="+mn-lt"/>
                 <a:cs typeface="+mn-lt"/>
               </a:rPr>
-              <a:t>A class to store a singular encrypted Contact of the user</a:t>
-            </a:r>
-          </a:p>
-          <a:p>
-            <a:pPr marL="0" indent="0">
-              <a:buNone/>
-            </a:pPr>
-            <a:r>
-              <a:rPr lang="en-US" u="sng">
+              <a:t>Private </a:t>
+            </a:r>
+            <a:r>
+              <a:rPr lang="en-US" dirty="0" err="1">
                 <a:ea typeface="+mn-lt"/>
                 <a:cs typeface="+mn-lt"/>
               </a:rPr>
-              <a:t>Instance Variables:</a:t>
-            </a:r>
-            <a:endParaRPr lang="en-US">
-              <a:ea typeface="+mn-lt"/>
-              <a:cs typeface="+mn-lt"/>
-            </a:endParaRPr>
-          </a:p>
-          <a:p>
-            <a:pPr>
-              <a:buFont typeface="Arial,Sans-Serif"/>
-              <a:buChar char="•"/>
-            </a:pPr>
-            <a:r>
-              <a:rPr lang="en-US">
-                <a:ea typeface="+mn-lt"/>
-                <a:cs typeface="+mn-lt"/>
-              </a:rPr>
-              <a:t>Private info (Hashmap) --- inherited from parent</a:t>
+              <a:t>ArrayList</a:t>
+            </a:r>
+            <a:r>
+              <a:rPr lang="en-US" dirty="0">
+                <a:cs typeface="Calibri"/>
+              </a:rPr>
+              <a:t>&lt;</a:t>
+            </a:r>
+            <a:r>
+              <a:rPr lang="en-US" dirty="0" err="1">
+                <a:cs typeface="Calibri"/>
+              </a:rPr>
+              <a:t>Arraylist</a:t>
+            </a:r>
+            <a:r>
+              <a:rPr lang="en-US" dirty="0">
+                <a:cs typeface="Calibri"/>
+              </a:rPr>
+              <a:t>&lt;</a:t>
+            </a:r>
+            <a:r>
+              <a:rPr lang="en-US" dirty="0" err="1">
+                <a:cs typeface="Calibri"/>
+              </a:rPr>
+              <a:t>PrivateInfo</a:t>
+            </a:r>
+            <a:r>
+              <a:rPr lang="en-US" dirty="0">
+                <a:cs typeface="Calibri"/>
+              </a:rPr>
+              <a:t>&gt;&gt; info</a:t>
+            </a:r>
+          </a:p>
+          <a:p>
+            <a:r>
+              <a:rPr lang="en-US" dirty="0" err="1">
+                <a:cs typeface="Calibri"/>
+              </a:rPr>
+              <a:t>Encrypter</a:t>
+            </a:r>
+            <a:r>
+              <a:rPr lang="en-US" dirty="0">
+                <a:cs typeface="Calibri"/>
+              </a:rPr>
+              <a:t> </a:t>
+            </a:r>
+            <a:r>
+              <a:rPr lang="en-US" dirty="0" err="1">
+                <a:cs typeface="Calibri"/>
+              </a:rPr>
+              <a:t>encrypter</a:t>
             </a:r>
           </a:p>
           <a:p>
@@ -9230,112 +7333,291 @@
               <a:buNone/>
             </a:pPr>
             <a:r>
-              <a:rPr lang="en-US" u="sng">
-                <a:ea typeface="+mn-lt"/>
-                <a:cs typeface="+mn-lt"/>
-              </a:rPr>
-              <a:t>Methods</a:t>
-            </a:r>
-            <a:r>
-              <a:rPr lang="en-US">
-                <a:ea typeface="+mn-lt"/>
-                <a:cs typeface="+mn-lt"/>
-              </a:rPr>
-              <a:t>:</a:t>
-            </a:r>
-          </a:p>
-          <a:p>
-            <a:pPr marL="457200" indent="-457200">
-              <a:buFont typeface="Arial,Sans-Serif"/>
-              <a:buChar char="•"/>
-            </a:pPr>
-            <a:r>
-              <a:rPr lang="en-US">
-                <a:ea typeface="+mn-lt"/>
-                <a:cs typeface="+mn-lt"/>
-              </a:rPr>
-              <a:t>Constructor that creates instance with specific keys in the inherited info variable. Input keys are</a:t>
-            </a:r>
-          </a:p>
-          <a:p>
-            <a:pPr marL="914400" lvl="1" indent="-457200">
-              <a:buFont typeface="Arial,Sans-Serif"/>
-              <a:buChar char="•"/>
-            </a:pPr>
-            <a:r>
-              <a:rPr lang="en-US">
-                <a:ea typeface="+mn-lt"/>
-                <a:cs typeface="+mn-lt"/>
-              </a:rPr>
-              <a:t>name(String)</a:t>
-            </a:r>
-          </a:p>
-          <a:p>
-            <a:pPr marL="914400" lvl="1" indent="-457200">
-              <a:buFont typeface="Arial,Sans-Serif"/>
-              <a:buChar char="•"/>
-            </a:pPr>
-            <a:r>
-              <a:rPr lang="en-US">
-                <a:ea typeface="+mn-lt"/>
-                <a:cs typeface="+mn-lt"/>
-              </a:rPr>
-              <a:t>phoneNumber(string)</a:t>
-            </a:r>
-          </a:p>
-          <a:p>
-            <a:pPr marL="914400" lvl="1" indent="-457200">
-              <a:buFont typeface="Arial,Sans-Serif"/>
-              <a:buChar char="•"/>
-            </a:pPr>
-            <a:r>
-              <a:rPr lang="en-US">
-                <a:ea typeface="+mn-lt"/>
-                <a:cs typeface="+mn-lt"/>
-              </a:rPr>
-              <a:t>Address (String)</a:t>
-            </a:r>
-            <a:endParaRPr lang="en-US">
+              <a:rPr lang="en-US" u="sng" dirty="0">
+                <a:cs typeface="Calibri"/>
+              </a:rPr>
+              <a:t>Methods:</a:t>
+            </a:r>
+            <a:endParaRPr lang="en-US" dirty="0">
               <a:cs typeface="Calibri"/>
             </a:endParaRPr>
           </a:p>
           <a:p>
-            <a:pPr marL="0" indent="0">
-              <a:buFont typeface="Arial"/>
-              <a:buNone/>
-            </a:pPr>
-            <a:endParaRPr lang="en-US">
-              <a:cs typeface="Calibri"/>
-            </a:endParaRPr>
-          </a:p>
-          <a:p>
-            <a:pPr marL="0" indent="0">
-              <a:buNone/>
-            </a:pPr>
-            <a:endParaRPr lang="en-US" sz="2000">
-              <a:cs typeface="Calibri"/>
-            </a:endParaRPr>
-          </a:p>
-          <a:p>
-            <a:pPr marL="0" indent="0">
-              <a:buNone/>
-            </a:pPr>
-            <a:endParaRPr lang="en-US" sz="2000">
-              <a:cs typeface="Calibri"/>
-            </a:endParaRPr>
-          </a:p>
-          <a:p>
-            <a:pPr marL="0" indent="0">
-              <a:buNone/>
-            </a:pPr>
-            <a:endParaRPr lang="en-US" sz="2000">
-              <a:cs typeface="Calibri"/>
-            </a:endParaRPr>
-          </a:p>
-          <a:p>
-            <a:pPr marL="0" indent="0">
-              <a:buNone/>
-            </a:pPr>
+            <a:r>
+              <a:rPr lang="en-US" dirty="0">
+                <a:cs typeface="Calibri"/>
+              </a:rPr>
+              <a:t>The constructor takes an Account and sets this.info to the </a:t>
+            </a:r>
+            <a:r>
+              <a:rPr lang="en-US" dirty="0" err="1">
+                <a:cs typeface="Calibri"/>
+              </a:rPr>
+              <a:t>Account.vault</a:t>
+            </a:r>
+          </a:p>
+          <a:p>
+            <a:r>
+              <a:rPr lang="en-US" dirty="0">
+                <a:cs typeface="Calibri"/>
+              </a:rPr>
+              <a:t>Methods to create </a:t>
+            </a:r>
+            <a:r>
+              <a:rPr lang="en-US" dirty="0" err="1">
+                <a:cs typeface="Calibri"/>
+              </a:rPr>
+              <a:t>encypted</a:t>
+            </a:r>
+            <a:r>
+              <a:rPr lang="en-US" dirty="0">
+                <a:cs typeface="Calibri"/>
+              </a:rPr>
+              <a:t> </a:t>
+            </a:r>
+            <a:r>
+              <a:rPr lang="en-US" dirty="0" err="1">
+                <a:cs typeface="Calibri"/>
+              </a:rPr>
+              <a:t>PrivateInfo</a:t>
+            </a:r>
+            <a:r>
+              <a:rPr lang="en-US" dirty="0">
+                <a:cs typeface="Calibri"/>
+              </a:rPr>
+              <a:t> subclasses(e.g. Login, Contact, </a:t>
+            </a:r>
+            <a:r>
+              <a:rPr lang="en-US" dirty="0" err="1">
+                <a:cs typeface="Calibri"/>
+              </a:rPr>
+              <a:t>etc</a:t>
+            </a:r>
+            <a:r>
+              <a:rPr lang="en-US" dirty="0">
+                <a:cs typeface="Calibri"/>
+              </a:rPr>
+              <a:t>) user </a:t>
+            </a:r>
+            <a:r>
+              <a:rPr lang="en-US" dirty="0" err="1">
+                <a:cs typeface="Calibri"/>
+              </a:rPr>
+              <a:t>this.encrypter</a:t>
+            </a:r>
+          </a:p>
+          <a:p>
+            <a:pPr marL="457200" indent="-457200"/>
+            <a:r>
+              <a:rPr lang="en-US" dirty="0" err="1">
+                <a:cs typeface="Calibri"/>
+              </a:rPr>
+              <a:t>AddInfo</a:t>
+            </a:r>
+            <a:r>
+              <a:rPr lang="en-US" dirty="0">
+                <a:cs typeface="Calibri"/>
+              </a:rPr>
+              <a:t>(</a:t>
+            </a:r>
+            <a:r>
+              <a:rPr lang="en-US" dirty="0" err="1">
+                <a:cs typeface="Calibri"/>
+              </a:rPr>
+              <a:t>PrivateInfo</a:t>
+            </a:r>
+            <a:r>
+              <a:rPr lang="en-US" dirty="0">
+                <a:cs typeface="Calibri"/>
+              </a:rPr>
+              <a:t> </a:t>
+            </a:r>
+            <a:r>
+              <a:rPr lang="en-US" dirty="0" err="1">
+                <a:cs typeface="Calibri"/>
+              </a:rPr>
+              <a:t>newInfo</a:t>
+            </a:r>
+            <a:r>
+              <a:rPr lang="en-US" dirty="0">
+                <a:cs typeface="Calibri"/>
+              </a:rPr>
+              <a:t>)</a:t>
+            </a:r>
+          </a:p>
+          <a:p>
+            <a:pPr marL="914400" lvl="1" indent="-457200"/>
+            <a:r>
+              <a:rPr lang="en-US" dirty="0">
+                <a:cs typeface="Calibri"/>
+              </a:rPr>
+              <a:t>Appends </a:t>
+            </a:r>
+            <a:r>
+              <a:rPr lang="en-US" dirty="0" err="1">
+                <a:cs typeface="Calibri"/>
+              </a:rPr>
+              <a:t>newInfo</a:t>
+            </a:r>
+            <a:r>
+              <a:rPr lang="en-US" dirty="0">
+                <a:cs typeface="Calibri"/>
+              </a:rPr>
+              <a:t> to this.info. </a:t>
+            </a:r>
+            <a:r>
+              <a:rPr lang="en-US" dirty="0" err="1">
+                <a:cs typeface="Calibri"/>
+              </a:rPr>
+              <a:t>NewInfo</a:t>
+            </a:r>
+            <a:r>
+              <a:rPr lang="en-US" dirty="0">
+                <a:cs typeface="Calibri"/>
+              </a:rPr>
+              <a:t> is already encrypted</a:t>
+            </a:r>
+          </a:p>
+          <a:p>
+            <a:pPr marL="457200" indent="-457200"/>
+            <a:r>
+              <a:rPr lang="en-US" dirty="0" err="1">
+                <a:cs typeface="Calibri"/>
+              </a:rPr>
+              <a:t>RemoveInfo</a:t>
+            </a:r>
+            <a:r>
+              <a:rPr lang="en-US" dirty="0">
+                <a:cs typeface="Calibri"/>
+              </a:rPr>
+              <a:t>()</a:t>
+            </a:r>
+          </a:p>
+          <a:p>
+            <a:pPr marL="457200" indent="-457200"/>
+            <a:r>
+              <a:rPr lang="en-US" dirty="0" err="1">
+                <a:cs typeface="Calibri"/>
+              </a:rPr>
+              <a:t>SearchInfo</a:t>
+            </a:r>
+            <a:r>
+              <a:rPr lang="en-US" dirty="0">
+                <a:cs typeface="Calibri"/>
+              </a:rPr>
+              <a:t>()</a:t>
+            </a:r>
+          </a:p>
+          <a:p>
+            <a:pPr marL="914400" lvl="1" indent="-342900"/>
+            <a:r>
+              <a:rPr lang="en-US" dirty="0">
+                <a:cs typeface="Calibri"/>
+              </a:rPr>
+              <a:t>Return a specific </a:t>
+            </a:r>
+            <a:r>
+              <a:rPr lang="en-US" dirty="0" err="1">
+                <a:cs typeface="Calibri"/>
+              </a:rPr>
+              <a:t>PrivateInfo</a:t>
+            </a:r>
+            <a:r>
+              <a:rPr lang="en-US" dirty="0">
+                <a:cs typeface="Calibri"/>
+              </a:rPr>
+              <a:t> object based on search</a:t>
+            </a:r>
+          </a:p>
+          <a:p>
+            <a:pPr marL="457200" indent="-457200"/>
+            <a:r>
+              <a:rPr lang="en-US" dirty="0" err="1">
+                <a:cs typeface="Calibri"/>
+              </a:rPr>
+              <a:t>PrintAllInfo</a:t>
+            </a:r>
+            <a:r>
+              <a:rPr lang="en-US" dirty="0">
+                <a:cs typeface="Calibri"/>
+              </a:rPr>
+              <a:t>()</a:t>
+            </a:r>
+          </a:p>
+          <a:p>
+            <a:pPr marL="457200" indent="-457200"/>
+            <a:r>
+              <a:rPr lang="en-US" dirty="0" err="1">
+                <a:cs typeface="Calibri"/>
+              </a:rPr>
+              <a:t>EditInfo</a:t>
+            </a:r>
+            <a:r>
+              <a:rPr lang="en-US" dirty="0">
+                <a:cs typeface="Calibri"/>
+              </a:rPr>
+              <a:t>()</a:t>
+            </a:r>
+          </a:p>
+          <a:p>
+            <a:pPr marL="914400" lvl="1"/>
+            <a:r>
+              <a:rPr lang="en-US" dirty="0">
+                <a:cs typeface="Calibri"/>
+              </a:rPr>
+              <a:t>Will likely rely on </a:t>
+            </a:r>
+            <a:r>
+              <a:rPr lang="en-US" dirty="0" err="1">
+                <a:cs typeface="Calibri"/>
+              </a:rPr>
+              <a:t>SearchInfo</a:t>
+            </a:r>
+          </a:p>
+          <a:p>
+            <a:pPr marL="914400" lvl="1" indent="-342900"/>
+            <a:r>
+              <a:rPr lang="en-US" dirty="0">
+                <a:cs typeface="Calibri"/>
+              </a:rPr>
+              <a:t>Calls setters in </a:t>
+            </a:r>
+            <a:r>
+              <a:rPr lang="en-US" dirty="0" err="1">
+                <a:cs typeface="Calibri"/>
+              </a:rPr>
+              <a:t>PrivateInfo</a:t>
+            </a:r>
+            <a:r>
+              <a:rPr lang="en-US" dirty="0">
+                <a:cs typeface="Calibri"/>
+              </a:rPr>
+              <a:t> to edit</a:t>
+            </a:r>
+          </a:p>
+          <a:p>
+            <a:pPr marL="914400" lvl="1" indent="-342900"/>
+            <a:r>
+              <a:rPr lang="en-US" dirty="0">
+                <a:cs typeface="Calibri"/>
+              </a:rPr>
+              <a:t>Takes </a:t>
+            </a:r>
+            <a:r>
+              <a:rPr lang="en-US" dirty="0" err="1">
+                <a:cs typeface="Calibri"/>
+              </a:rPr>
+              <a:t>encrypter</a:t>
+            </a:r>
+            <a:r>
+              <a:rPr lang="en-US" dirty="0">
+                <a:cs typeface="Calibri"/>
+              </a:rPr>
+              <a:t> class as input</a:t>
+            </a:r>
+          </a:p>
+          <a:p>
+            <a:pPr marL="457200" indent="-457200"/>
             <a:endParaRPr lang="en-US">
               <a:cs typeface="Calibri"/>
             </a:endParaRPr>
@@ -9367,6 +7649,10 @@
           </p:nvPr>
         </p:nvSpPr>
         <p:spPr>
+          <a:xfrm>
+            <a:off x="6812280" y="1825625"/>
+            <a:ext cx="4541520" cy="4351338"/>
+          </a:xfrm>
           <a:ln w="57150">
             <a:solidFill>
               <a:schemeClr val="tx1"/>
@@ -9375,58 +7661,83 @@
         </p:spPr>
         <p:txBody>
           <a:bodyPr vert="horz" lIns="91440" tIns="45720" rIns="91440" bIns="45720" rtlCol="0" anchor="t">
-            <a:normAutofit fontScale="85000" lnSpcReduction="20000"/>
+            <a:normAutofit fontScale="47500" lnSpcReduction="20000"/>
           </a:bodyPr>
           <a:lstStyle/>
           <a:p>
             <a:pPr>
-              <a:buFont typeface="Arial"/>
-              <a:buChar char="•"/>
-            </a:pPr>
+              <a:buNone/>
+            </a:pPr>
+            <a:r>
+              <a:rPr lang="en-US" u="sng" dirty="0">
+                <a:cs typeface="Calibri"/>
+              </a:rPr>
+              <a:t>Collaborators:</a:t>
+            </a:r>
+          </a:p>
+          <a:p>
+            <a:r>
+              <a:rPr lang="en-US" dirty="0">
+                <a:cs typeface="Calibri"/>
+              </a:rPr>
+              <a:t>Stored </a:t>
+            </a:r>
             <a:r>
               <a:rPr lang="en-US" dirty="0">
                 <a:ea typeface="+mn-lt"/>
                 <a:cs typeface="+mn-lt"/>
               </a:rPr>
-              <a:t>Collaborators:</a:t>
-            </a:r>
-          </a:p>
-          <a:p>
-            <a:pPr marL="457200" indent="-457200">
-              <a:buFont typeface="Arial"/>
-            </a:pPr>
-            <a:r>
-              <a:rPr lang="en-US" dirty="0">
-                <a:ea typeface="+mn-lt"/>
-                <a:cs typeface="+mn-lt"/>
-              </a:rPr>
-              <a:t>Inherits from the abstract class </a:t>
+              <a:t>and used </a:t>
+            </a:r>
+            <a:r>
+              <a:rPr lang="en-US" dirty="0">
+                <a:cs typeface="Calibri"/>
+              </a:rPr>
+              <a:t>in Controller class</a:t>
+            </a:r>
+          </a:p>
+          <a:p>
+            <a:r>
+              <a:rPr lang="en-US" dirty="0">
+                <a:cs typeface="Calibri"/>
+              </a:rPr>
+              <a:t>Takes Account class as an argument in the constructor</a:t>
+            </a:r>
+          </a:p>
+          <a:p>
+            <a:r>
+              <a:rPr lang="en-US" dirty="0">
+                <a:cs typeface="Calibri"/>
+              </a:rPr>
+              <a:t>Stores instances </a:t>
             </a:r>
             <a:r>
               <a:rPr lang="en-US" dirty="0" err="1">
-                <a:ea typeface="+mn-lt"/>
-                <a:cs typeface="+mn-lt"/>
+                <a:cs typeface="Calibri"/>
               </a:rPr>
               <a:t>PrivateInfo</a:t>
             </a:r>
-          </a:p>
-          <a:p>
-            <a:pPr marL="457200" indent="-457200">
-              <a:buFont typeface="Arial"/>
-            </a:pPr>
-            <a:r>
-              <a:rPr lang="en-US">
-                <a:ea typeface="+mn-lt"/>
-                <a:cs typeface="+mn-lt"/>
-              </a:rPr>
-              <a:t>Stored and Used in Account and PrivateInfoManager</a:t>
-            </a:r>
-          </a:p>
-          <a:p>
-            <a:pPr>
-              <a:buNone/>
-            </a:pPr>
-            <a:endParaRPr lang="en-US">
+            <a:r>
+              <a:rPr lang="en-US" dirty="0">
+                <a:cs typeface="Calibri"/>
+              </a:rPr>
+              <a:t> Class in an </a:t>
+            </a:r>
+            <a:r>
+              <a:rPr lang="en-US" dirty="0" err="1">
+                <a:cs typeface="Calibri"/>
+              </a:rPr>
+              <a:t>ArrayList</a:t>
+            </a:r>
+            <a:endParaRPr lang="en-US" dirty="0">
+              <a:cs typeface="Calibri"/>
+            </a:endParaRPr>
+          </a:p>
+          <a:p>
+            <a:pPr marL="0" indent="0">
+              <a:buNone/>
+            </a:pPr>
+            <a:endParaRPr lang="en-US" dirty="0">
               <a:cs typeface="Calibri"/>
             </a:endParaRPr>
           </a:p>
@@ -9435,7 +7746,7 @@
     </p:spTree>
     <p:extLst>
       <p:ext uri="{BB962C8B-B14F-4D97-AF65-F5344CB8AC3E}">
-        <p14:creationId xmlns:p14="http://schemas.microsoft.com/office/powerpoint/2010/main" val="3261510237"/>
+        <p14:creationId xmlns:p14="http://schemas.microsoft.com/office/powerpoint/2010/main" val="1148785392"/>
       </p:ext>
     </p:extLst>
   </p:cSld>

--- a/phase0/CRC Cards.pptx
+++ b/phase0/CRC Cards.pptx
@@ -3373,39 +3373,66 @@
               <a:buNone/>
             </a:pPr>
             <a:r>
-              <a:rPr lang="en-US" u="sng">
+              <a:rPr lang="en-US" u="sng" dirty="0">
                 <a:cs typeface="Calibri" panose="020F0502020204030204"/>
               </a:rPr>
               <a:t>Collaborators:</a:t>
             </a:r>
-            <a:endParaRPr lang="en-US">
+            <a:endParaRPr lang="en-US" dirty="0">
               <a:cs typeface="Calibri" panose="020F0502020204030204"/>
             </a:endParaRPr>
           </a:p>
           <a:p>
             <a:pPr marL="457200" indent="-457200"/>
             <a:r>
-              <a:rPr lang="en-US">
+              <a:rPr lang="en-US" dirty="0">
                 <a:cs typeface="Calibri" panose="020F0502020204030204"/>
               </a:rPr>
               <a:t>Method </a:t>
             </a:r>
             <a:r>
-              <a:rPr lang="en-US" err="1">
+              <a:rPr lang="en-US" dirty="0" err="1">
                 <a:cs typeface="Calibri" panose="020F0502020204030204"/>
               </a:rPr>
               <a:t>encryptMaster</a:t>
             </a:r>
             <a:r>
-              <a:rPr lang="en-US">
+              <a:rPr lang="en-US" dirty="0">
                 <a:cs typeface="Calibri" panose="020F0502020204030204"/>
               </a:rPr>
-              <a:t> is called statically when creating accounts and comparing login passwords in AccountManager</a:t>
-            </a:r>
+              <a:t> is called statically when creating accounts and comparing login passwords in </a:t>
+            </a:r>
+            <a:r>
+              <a:rPr lang="en-US" dirty="0" err="1">
+                <a:cs typeface="Calibri" panose="020F0502020204030204"/>
+              </a:rPr>
+              <a:t>AccountManager</a:t>
+            </a:r>
+            <a:endParaRPr lang="en-US" dirty="0">
+              <a:cs typeface="Calibri" panose="020F0502020204030204"/>
+            </a:endParaRPr>
           </a:p>
           <a:p>
             <a:pPr marL="457200" indent="-457200"/>
-            <a:endParaRPr lang="en-US">
+            <a:r>
+              <a:rPr lang="en-US" dirty="0">
+                <a:cs typeface="Calibri" panose="020F0502020204030204"/>
+              </a:rPr>
+              <a:t>Methods called in </a:t>
+            </a:r>
+            <a:r>
+              <a:rPr lang="en-US" dirty="0" err="1">
+                <a:cs typeface="Calibri" panose="020F0502020204030204"/>
+              </a:rPr>
+              <a:t>AccountManager</a:t>
+            </a:r>
+            <a:endParaRPr lang="en-US" dirty="0">
+              <a:cs typeface="Calibri" panose="020F0502020204030204"/>
+            </a:endParaRPr>
+          </a:p>
+          <a:p>
+            <a:pPr marL="457200" indent="-457200"/>
+            <a:endParaRPr lang="en-US" dirty="0">
               <a:cs typeface="Calibri" panose="020F0502020204030204"/>
             </a:endParaRPr>
           </a:p>
@@ -3707,7 +3734,25 @@
           </a:p>
           <a:p>
             <a:pPr marL="457200" indent="-457200"/>
-            <a:endParaRPr lang="en-US">
+            <a:r>
+              <a:rPr lang="en-US" dirty="0">
+                <a:cs typeface="Calibri" panose="020F0502020204030204"/>
+              </a:rPr>
+              <a:t>Methods called in </a:t>
+            </a:r>
+            <a:r>
+              <a:rPr lang="en-US" dirty="0" err="1">
+                <a:cs typeface="Calibri" panose="020F0502020204030204"/>
+              </a:rPr>
+              <a:t>PrivateInfoManager</a:t>
+            </a:r>
+            <a:endParaRPr lang="en-US" dirty="0">
+              <a:cs typeface="Calibri" panose="020F0502020204030204"/>
+            </a:endParaRPr>
+          </a:p>
+          <a:p>
+            <a:pPr marL="457200" indent="-457200"/>
+            <a:endParaRPr lang="en-US" dirty="0">
               <a:cs typeface="Calibri" panose="020F0502020204030204"/>
             </a:endParaRPr>
           </a:p>
@@ -4086,17 +4131,8 @@
               <a:rPr lang="en-US" dirty="0">
                 <a:cs typeface="Calibri"/>
               </a:rPr>
-              <a:t> to handle commands that require interacting with </a:t>
-            </a:r>
-            <a:r>
-              <a:rPr lang="en-US" dirty="0" err="1">
-                <a:cs typeface="Calibri"/>
-              </a:rPr>
-              <a:t>Accoutns</a:t>
-            </a:r>
-            <a:endParaRPr lang="en-US" dirty="0">
-              <a:cs typeface="Calibri"/>
-            </a:endParaRPr>
+              <a:t> to handle commands that require interacting with Accounts</a:t>
+            </a:r>
           </a:p>
           <a:p>
             <a:pPr marL="457200" indent="-457200"/>
@@ -5087,7 +5123,7 @@
               <a:buNone/>
             </a:pPr>
             <a:r>
-              <a:rPr lang="en-US" u="sng">
+              <a:rPr lang="en-US" u="sng" dirty="0">
                 <a:cs typeface="Calibri"/>
               </a:rPr>
               <a:t>Collaborators:</a:t>
@@ -5095,14 +5131,36 @@
           </a:p>
           <a:p>
             <a:pPr>
-              <a:buNone/>
-            </a:pPr>
-            <a:r>
-              <a:rPr lang="en-US">
-                <a:cs typeface="Calibri"/>
-              </a:rPr>
-              <a:t>- is an abstract parent class to the Login, Note, Address, Contact, and ID classes.</a:t>
-            </a:r>
+              <a:buFontTx/>
+              <a:buChar char="-"/>
+            </a:pPr>
+            <a:r>
+              <a:rPr lang="en-US" dirty="0">
+                <a:cs typeface="Calibri"/>
+              </a:rPr>
+              <a:t>is an abstract parent class to the Login, Note, Address, Contact, and ID classes.</a:t>
+            </a:r>
+          </a:p>
+          <a:p>
+            <a:pPr>
+              <a:buFontTx/>
+              <a:buChar char="-"/>
+            </a:pPr>
+            <a:r>
+              <a:rPr lang="en-US" dirty="0">
+                <a:cs typeface="Calibri"/>
+              </a:rPr>
+              <a:t>Stored in and used by </a:t>
+            </a:r>
+            <a:r>
+              <a:rPr lang="en-US" dirty="0" err="1">
+                <a:cs typeface="Calibri"/>
+              </a:rPr>
+              <a:t>PrivateInfoManager</a:t>
+            </a:r>
+            <a:endParaRPr lang="en-US" dirty="0">
+              <a:cs typeface="Calibri"/>
+            </a:endParaRPr>
           </a:p>
         </p:txBody>
       </p:sp>
@@ -5266,7 +5324,7 @@
               <a:rPr lang="en-US" sz="1800" dirty="0" err="1">
                 <a:cs typeface="Calibri"/>
               </a:rPr>
-              <a:t>Encrypter</a:t>
+              <a:t>EncryptMaster</a:t>
             </a:r>
             <a:r>
               <a:rPr lang="en-US" sz="1800" dirty="0">
@@ -5293,7 +5351,19 @@
               <a:rPr lang="en-US" sz="1800" dirty="0">
                 <a:cs typeface="Calibri"/>
               </a:rPr>
-              <a:t>&lt;Private Info&gt;) - Stores user's private info(e.g. logins, contacts, etc.)</a:t>
+              <a:t>&lt;</a:t>
+            </a:r>
+            <a:r>
+              <a:rPr lang="en-US" sz="1800" dirty="0" err="1">
+                <a:cs typeface="Calibri"/>
+              </a:rPr>
+              <a:t>PrivateInfo</a:t>
+            </a:r>
+            <a:r>
+              <a:rPr lang="en-US" sz="1800" dirty="0">
+                <a:cs typeface="Calibri"/>
+              </a:rPr>
+              <a:t>&gt;) - Stores user's private info(e.g. logins, contacts, etc.)</a:t>
             </a:r>
           </a:p>
           <a:p>
@@ -5351,7 +5421,7 @@
           </a:p>
           <a:p>
             <a:pPr marL="457200" indent="-457200"/>
-            <a:endParaRPr lang="en-US">
+            <a:endParaRPr lang="en-US" dirty="0">
               <a:cs typeface="Calibri"/>
             </a:endParaRPr>
           </a:p>
@@ -5751,12 +5821,23 @@
           <a:p>
             <a:pPr marL="457200" indent="-457200"/>
             <a:r>
-              <a:rPr lang="en-US">
+              <a:rPr lang="en-US" dirty="0">
                 <a:ea typeface="+mn-lt"/>
                 <a:cs typeface="+mn-lt"/>
               </a:rPr>
-              <a:t>Stored and Used in Account and PrivateInfoManager</a:t>
-            </a:r>
+              <a:t>Stored and Used in Account and </a:t>
+            </a:r>
+            <a:r>
+              <a:rPr lang="en-US" dirty="0" err="1">
+                <a:ea typeface="+mn-lt"/>
+                <a:cs typeface="+mn-lt"/>
+              </a:rPr>
+              <a:t>PrivateInfoManager</a:t>
+            </a:r>
+            <a:endParaRPr lang="en-US" dirty="0">
+              <a:ea typeface="+mn-lt"/>
+              <a:cs typeface="+mn-lt"/>
+            </a:endParaRPr>
           </a:p>
         </p:txBody>
       </p:sp>
@@ -5818,11 +5899,11 @@
           <a:lstStyle/>
           <a:p>
             <a:r>
-              <a:rPr lang="en-US">
+              <a:rPr lang="en-US" dirty="0">
                 <a:ea typeface="+mj-lt"/>
                 <a:cs typeface="+mj-lt"/>
               </a:rPr>
-              <a:t>ID (Entity)</a:t>
+              <a:t>Identification (Entity)</a:t>
             </a:r>
           </a:p>
         </p:txBody>
@@ -5860,11 +5941,11 @@
               <a:buNone/>
             </a:pPr>
             <a:r>
-              <a:rPr lang="en-US">
+              <a:rPr lang="en-US" dirty="0">
                 <a:ea typeface="+mn-lt"/>
                 <a:cs typeface="+mn-lt"/>
               </a:rPr>
-              <a:t>A class to store a singular encrypted ID of the user</a:t>
+              <a:t>A class to store a singular encrypted Identification of the user</a:t>
             </a:r>
           </a:p>
           <a:p>
@@ -5872,13 +5953,13 @@
               <a:buNone/>
             </a:pPr>
             <a:r>
-              <a:rPr lang="en-US" u="sng">
+              <a:rPr lang="en-US" u="sng" dirty="0">
                 <a:ea typeface="+mn-lt"/>
                 <a:cs typeface="+mn-lt"/>
               </a:rPr>
               <a:t>Instance Variables:</a:t>
             </a:r>
-            <a:endParaRPr lang="en-US">
+            <a:endParaRPr lang="en-US" dirty="0">
               <a:ea typeface="+mn-lt"/>
               <a:cs typeface="+mn-lt"/>
             </a:endParaRPr>
@@ -5889,26 +5970,40 @@
               <a:buChar char="•"/>
             </a:pPr>
             <a:r>
-              <a:rPr lang="en-US">
+              <a:rPr lang="en-US" dirty="0">
                 <a:ea typeface="+mn-lt"/>
                 <a:cs typeface="+mn-lt"/>
               </a:rPr>
-              <a:t>Private info (Hashmap) --- inherited from parent</a:t>
-            </a:r>
-          </a:p>
-          <a:p>
-            <a:pPr marL="0" indent="0">
-              <a:buNone/>
-            </a:pPr>
-            <a:r>
-              <a:rPr lang="en-US" u="sng">
+              <a:t>Private info (</a:t>
+            </a:r>
+            <a:r>
+              <a:rPr lang="en-US" dirty="0" err="1">
                 <a:ea typeface="+mn-lt"/>
                 <a:cs typeface="+mn-lt"/>
               </a:rPr>
+              <a:t>Hashmap</a:t>
+            </a:r>
+            <a:r>
+              <a:rPr lang="en-US" dirty="0">
+                <a:ea typeface="+mn-lt"/>
+                <a:cs typeface="+mn-lt"/>
+              </a:rPr>
+              <a:t>) --- inherited from parent</a:t>
+            </a:r>
+          </a:p>
+          <a:p>
+            <a:pPr marL="0" indent="0">
+              <a:buNone/>
+            </a:pPr>
+            <a:r>
+              <a:rPr lang="en-US" u="sng" dirty="0">
+                <a:ea typeface="+mn-lt"/>
+                <a:cs typeface="+mn-lt"/>
+              </a:rPr>
               <a:t>Methods</a:t>
             </a:r>
             <a:r>
-              <a:rPr lang="en-US">
+              <a:rPr lang="en-US" dirty="0">
                 <a:ea typeface="+mn-lt"/>
                 <a:cs typeface="+mn-lt"/>
               </a:rPr>
@@ -5921,7 +6016,7 @@
               <a:buChar char="•"/>
             </a:pPr>
             <a:r>
-              <a:rPr lang="en-US">
+              <a:rPr lang="en-US" dirty="0">
                 <a:ea typeface="+mn-lt"/>
                 <a:cs typeface="+mn-lt"/>
               </a:rPr>
@@ -5934,11 +6029,18 @@
               <a:buChar char="•"/>
             </a:pPr>
             <a:r>
-              <a:rPr lang="en-US">
+              <a:rPr lang="en-US" dirty="0" err="1">
                 <a:ea typeface="+mn-lt"/>
                 <a:cs typeface="+mn-lt"/>
               </a:rPr>
-              <a:t>idType(String)</a:t>
+              <a:t>idType</a:t>
+            </a:r>
+            <a:r>
+              <a:rPr lang="en-US" dirty="0">
+                <a:ea typeface="+mn-lt"/>
+                <a:cs typeface="+mn-lt"/>
+              </a:rPr>
+              <a:t>(String)</a:t>
             </a:r>
           </a:p>
           <a:p>
@@ -5947,11 +6049,18 @@
               <a:buChar char="•"/>
             </a:pPr>
             <a:r>
-              <a:rPr lang="en-US">
+              <a:rPr lang="en-US" dirty="0" err="1">
                 <a:ea typeface="+mn-lt"/>
                 <a:cs typeface="+mn-lt"/>
               </a:rPr>
-              <a:t>idNumber(string)</a:t>
+              <a:t>idNumber</a:t>
+            </a:r>
+            <a:r>
+              <a:rPr lang="en-US" dirty="0">
+                <a:ea typeface="+mn-lt"/>
+                <a:cs typeface="+mn-lt"/>
+              </a:rPr>
+              <a:t>(string)</a:t>
             </a:r>
           </a:p>
           <a:p>
@@ -5960,18 +6069,25 @@
               <a:buChar char="•"/>
             </a:pPr>
             <a:r>
-              <a:rPr lang="en-US">
+              <a:rPr lang="en-US" dirty="0" err="1">
                 <a:ea typeface="+mn-lt"/>
                 <a:cs typeface="+mn-lt"/>
               </a:rPr>
-              <a:t>idExpirationData(String)</a:t>
+              <a:t>idExpirationData</a:t>
+            </a:r>
+            <a:r>
+              <a:rPr lang="en-US" dirty="0">
+                <a:ea typeface="+mn-lt"/>
+                <a:cs typeface="+mn-lt"/>
+              </a:rPr>
+              <a:t>(String)</a:t>
             </a:r>
           </a:p>
           <a:p>
             <a:pPr marL="0" indent="0">
               <a:buNone/>
             </a:pPr>
-            <a:endParaRPr lang="en-US" sz="2000">
+            <a:endParaRPr lang="en-US" sz="2000" dirty="0">
               <a:cs typeface="Calibri"/>
             </a:endParaRPr>
           </a:p>
@@ -5979,7 +6095,7 @@
             <a:pPr marL="0" indent="0">
               <a:buNone/>
             </a:pPr>
-            <a:endParaRPr lang="en-US" sz="2000">
+            <a:endParaRPr lang="en-US" sz="2000" dirty="0">
               <a:cs typeface="Calibri"/>
             </a:endParaRPr>
           </a:p>
@@ -5987,7 +6103,7 @@
             <a:pPr marL="0" indent="0">
               <a:buNone/>
             </a:pPr>
-            <a:endParaRPr lang="en-US" sz="2000">
+            <a:endParaRPr lang="en-US" sz="2000" dirty="0">
               <a:cs typeface="Calibri"/>
             </a:endParaRPr>
           </a:p>
@@ -5995,7 +6111,7 @@
             <a:pPr marL="0" indent="0">
               <a:buNone/>
             </a:pPr>
-            <a:endParaRPr lang="en-US">
+            <a:endParaRPr lang="en-US" dirty="0">
               <a:cs typeface="Calibri"/>
             </a:endParaRPr>
           </a:p>
@@ -6003,7 +6119,7 @@
             <a:pPr marL="0" indent="0">
               <a:buNone/>
             </a:pPr>
-            <a:endParaRPr lang="en-US">
+            <a:endParaRPr lang="en-US" dirty="0">
               <a:cs typeface="Calibri"/>
             </a:endParaRPr>
           </a:p>
@@ -6898,7 +7014,7 @@
             <a:pPr marL="0" indent="0">
               <a:buNone/>
             </a:pPr>
-            <a:endParaRPr lang="en-US">
+            <a:endParaRPr lang="en-US" dirty="0">
               <a:cs typeface="Calibri"/>
             </a:endParaRPr>
           </a:p>
@@ -6968,7 +7084,7 @@
               <a:rPr lang="en-US" dirty="0">
                 <a:cs typeface="Calibri"/>
               </a:rPr>
-              <a:t>Statically calls methods from </a:t>
+              <a:t>Calls methods from </a:t>
             </a:r>
             <a:r>
               <a:rPr lang="en-US" dirty="0" err="1">
@@ -7124,12 +7240,33 @@
               </a:rPr>
               <a:t>ArrayList</a:t>
             </a:r>
-            <a:endParaRPr lang="en-US" u="sng" dirty="0" err="1">
+            <a:endParaRPr lang="en-US" dirty="0">
               <a:cs typeface="Calibri"/>
             </a:endParaRPr>
           </a:p>
           <a:p>
-            <a:endParaRPr lang="en-US">
+            <a:pPr marL="457200" indent="-457200"/>
+            <a:r>
+              <a:rPr lang="en-US" dirty="0">
+                <a:cs typeface="Calibri"/>
+              </a:rPr>
+              <a:t>Calls methods from </a:t>
+            </a:r>
+            <a:r>
+              <a:rPr lang="en-US" dirty="0" err="1">
+                <a:cs typeface="Calibri"/>
+              </a:rPr>
+              <a:t>EncryptMaster</a:t>
+            </a:r>
+            <a:r>
+              <a:rPr lang="en-US" dirty="0">
+                <a:cs typeface="Calibri"/>
+              </a:rPr>
+              <a:t> (Use Case)</a:t>
+            </a:r>
+          </a:p>
+          <a:p>
+            <a:endParaRPr lang="en-US" dirty="0">
               <a:cs typeface="Calibri"/>
             </a:endParaRPr>
           </a:p>
@@ -7237,7 +7374,7 @@
         </p:spPr>
         <p:txBody>
           <a:bodyPr vert="horz" lIns="91440" tIns="45720" rIns="91440" bIns="45720" rtlCol="0" anchor="t">
-            <a:normAutofit fontScale="47500" lnSpcReduction="20000"/>
+            <a:normAutofit fontScale="55000" lnSpcReduction="20000"/>
           </a:bodyPr>
           <a:lstStyle/>
           <a:p>
@@ -7560,65 +7697,8 @@
             </a:r>
           </a:p>
           <a:p>
-            <a:pPr marL="914400" lvl="1"/>
-            <a:r>
-              <a:rPr lang="en-US" dirty="0">
-                <a:cs typeface="Calibri"/>
-              </a:rPr>
-              <a:t>Will likely rely on </a:t>
-            </a:r>
-            <a:r>
-              <a:rPr lang="en-US" dirty="0" err="1">
-                <a:cs typeface="Calibri"/>
-              </a:rPr>
-              <a:t>SearchInfo</a:t>
-            </a:r>
-          </a:p>
-          <a:p>
-            <a:pPr marL="914400" lvl="1" indent="-342900"/>
-            <a:r>
-              <a:rPr lang="en-US" dirty="0">
-                <a:cs typeface="Calibri"/>
-              </a:rPr>
-              <a:t>Calls setters in </a:t>
-            </a:r>
-            <a:r>
-              <a:rPr lang="en-US" dirty="0" err="1">
-                <a:cs typeface="Calibri"/>
-              </a:rPr>
-              <a:t>PrivateInfo</a:t>
-            </a:r>
-            <a:r>
-              <a:rPr lang="en-US" dirty="0">
-                <a:cs typeface="Calibri"/>
-              </a:rPr>
-              <a:t> to edit</a:t>
-            </a:r>
-          </a:p>
-          <a:p>
-            <a:pPr marL="914400" lvl="1" indent="-342900"/>
-            <a:r>
-              <a:rPr lang="en-US" dirty="0">
-                <a:cs typeface="Calibri"/>
-              </a:rPr>
-              <a:t>Takes </a:t>
-            </a:r>
-            <a:r>
-              <a:rPr lang="en-US" dirty="0" err="1">
-                <a:cs typeface="Calibri"/>
-              </a:rPr>
-              <a:t>encrypter</a:t>
-            </a:r>
-            <a:r>
-              <a:rPr lang="en-US" dirty="0">
-                <a:cs typeface="Calibri"/>
-              </a:rPr>
-              <a:t> class as input</a:t>
-            </a:r>
-          </a:p>
-          <a:p>
             <a:pPr marL="457200" indent="-457200"/>
-            <a:endParaRPr lang="en-US">
+            <a:endParaRPr lang="en-US" dirty="0">
               <a:cs typeface="Calibri"/>
             </a:endParaRPr>
           </a:p>
@@ -7626,7 +7706,7 @@
             <a:pPr marL="0" indent="0">
               <a:buNone/>
             </a:pPr>
-            <a:endParaRPr lang="en-US">
+            <a:endParaRPr lang="en-US" dirty="0">
               <a:cs typeface="Calibri"/>
             </a:endParaRPr>
           </a:p>
@@ -7661,7 +7741,7 @@
         </p:spPr>
         <p:txBody>
           <a:bodyPr vert="horz" lIns="91440" tIns="45720" rIns="91440" bIns="45720" rtlCol="0" anchor="t">
-            <a:normAutofit fontScale="47500" lnSpcReduction="20000"/>
+            <a:normAutofit fontScale="55000" lnSpcReduction="20000"/>
           </a:bodyPr>
           <a:lstStyle/>
           <a:p>
@@ -7732,6 +7812,26 @@
             <a:endParaRPr lang="en-US" dirty="0">
               <a:cs typeface="Calibri"/>
             </a:endParaRPr>
+          </a:p>
+          <a:p>
+            <a:r>
+              <a:rPr lang="en-US" dirty="0">
+                <a:cs typeface="Calibri"/>
+              </a:rPr>
+              <a:t>Uses methods from </a:t>
+            </a:r>
+            <a:r>
+              <a:rPr lang="en-US" dirty="0" err="1">
+                <a:cs typeface="Calibri"/>
+              </a:rPr>
+              <a:t>EncryptPrivInfo</a:t>
+            </a:r>
+            <a:r>
+              <a:rPr lang="en-US" dirty="0">
+                <a:cs typeface="Calibri"/>
+              </a:rPr>
+              <a:t> (Use Case)</a:t>
+            </a:r>
           </a:p>
           <a:p>
             <a:pPr marL="0" indent="0">
